--- a/inst/examples/slidedemo.pptx
+++ b/inst/examples/slidedemo.pptx
@@ -2,7 +2,7 @@
 <file path=ppt/presentation.xml><?xml version="1.0" encoding="utf-8"?>
 <p:presentation xmlns:a="http://schemas.openxmlformats.org/drawingml/2006/main" xmlns:r="http://schemas.openxmlformats.org/officeDocument/2006/relationships" xmlns:p="http://schemas.openxmlformats.org/presentationml/2006/main" autoCompressPictures="0">
   <p:sldMasterIdLst>
-    <p:sldMasterId id="2147483648" r:id="rId1"/>
+    <p:sldMasterId id="2147483775" r:id="rId1"/>
   </p:sldMasterIdLst>
   <p:sldIdLst>
     <p:sldId id="256" r:id="rId2"/>
@@ -4514,7 +4514,7 @@
             <a:alphaOff val="0"/>
           </a:schemeClr>
         </a:solidFill>
-        <a:ln w="15875" cap="rnd" cmpd="sng" algn="ctr">
+        <a:ln w="22225" cap="rnd" cmpd="sng" algn="ctr">
           <a:solidFill>
             <a:schemeClr val="lt1">
               <a:hueOff val="0"/>
@@ -4542,12 +4542,12 @@
         </a:fontRef>
       </dsp:style>
       <dsp:txBody>
-        <a:bodyPr spcFirstLastPara="0" vert="horz" wrap="square" lIns="102870" tIns="102870" rIns="102870" bIns="102870" numCol="1" spcCol="1270" anchor="ctr" anchorCtr="0">
+        <a:bodyPr spcFirstLastPara="0" vert="horz" wrap="square" lIns="114300" tIns="114300" rIns="114300" bIns="114300" numCol="1" spcCol="1270" anchor="ctr" anchorCtr="0">
           <a:noAutofit/>
         </a:bodyPr>
         <a:lstStyle/>
         <a:p>
-          <a:pPr marL="0" lvl="0" indent="0" algn="ctr" defTabSz="1200150">
+          <a:pPr marL="0" lvl="0" indent="0" algn="ctr" defTabSz="1333500">
             <a:lnSpc>
               <a:spcPct val="90000"/>
             </a:lnSpc>
@@ -4560,7 +4560,7 @@
             <a:buNone/>
           </a:pPr>
           <a:r>
-            <a:rPr lang="en-US" sz="2700" kern="1200" dirty="0"/>
+            <a:rPr lang="en-US" sz="3000" kern="1200" dirty="0"/>
             <a:t>Have fun</a:t>
           </a:r>
         </a:p>
@@ -4620,7 +4620,7 @@
         </a:bodyPr>
         <a:lstStyle/>
         <a:p>
-          <a:pPr marL="0" lvl="0" indent="0" algn="ctr" defTabSz="666750">
+          <a:pPr marL="0" lvl="0" indent="0" algn="ctr" defTabSz="711200">
             <a:lnSpc>
               <a:spcPct val="90000"/>
             </a:lnSpc>
@@ -4632,7 +4632,7 @@
             </a:spcAft>
             <a:buNone/>
           </a:pPr>
-          <a:endParaRPr lang="en-US" sz="1500" kern="1200"/>
+          <a:endParaRPr lang="en-US" sz="1600" kern="1200"/>
         </a:p>
       </dsp:txBody>
       <dsp:txXfrm>
@@ -4663,7 +4663,7 @@
             <a:alphaOff val="0"/>
           </a:schemeClr>
         </a:solidFill>
-        <a:ln w="15875" cap="rnd" cmpd="sng" algn="ctr">
+        <a:ln w="22225" cap="rnd" cmpd="sng" algn="ctr">
           <a:solidFill>
             <a:schemeClr val="lt1">
               <a:hueOff val="0"/>
@@ -4691,12 +4691,12 @@
         </a:fontRef>
       </dsp:style>
       <dsp:txBody>
-        <a:bodyPr spcFirstLastPara="0" vert="horz" wrap="square" lIns="102870" tIns="102870" rIns="102870" bIns="102870" numCol="1" spcCol="1270" anchor="ctr" anchorCtr="0">
+        <a:bodyPr spcFirstLastPara="0" vert="horz" wrap="square" lIns="114300" tIns="114300" rIns="114300" bIns="114300" numCol="1" spcCol="1270" anchor="ctr" anchorCtr="0">
           <a:noAutofit/>
         </a:bodyPr>
         <a:lstStyle/>
         <a:p>
-          <a:pPr marL="0" lvl="0" indent="0" algn="ctr" defTabSz="1200150">
+          <a:pPr marL="0" lvl="0" indent="0" algn="ctr" defTabSz="1333500">
             <a:lnSpc>
               <a:spcPct val="90000"/>
             </a:lnSpc>
@@ -4709,7 +4709,7 @@
             <a:buNone/>
           </a:pPr>
           <a:r>
-            <a:rPr lang="en-US" sz="2700" kern="1200" dirty="0"/>
+            <a:rPr lang="en-US" sz="3000" kern="1200" dirty="0"/>
             <a:t>Love life</a:t>
           </a:r>
         </a:p>
@@ -4769,7 +4769,7 @@
         </a:bodyPr>
         <a:lstStyle/>
         <a:p>
-          <a:pPr marL="0" lvl="0" indent="0" algn="ctr" defTabSz="666750">
+          <a:pPr marL="0" lvl="0" indent="0" algn="ctr" defTabSz="711200">
             <a:lnSpc>
               <a:spcPct val="90000"/>
             </a:lnSpc>
@@ -4781,7 +4781,7 @@
             </a:spcAft>
             <a:buNone/>
           </a:pPr>
-          <a:endParaRPr lang="en-US" sz="1500" kern="1200"/>
+          <a:endParaRPr lang="en-US" sz="1600" kern="1200"/>
         </a:p>
       </dsp:txBody>
       <dsp:txXfrm rot="10800000">
@@ -4812,7 +4812,7 @@
             <a:alphaOff val="0"/>
           </a:schemeClr>
         </a:solidFill>
-        <a:ln w="15875" cap="rnd" cmpd="sng" algn="ctr">
+        <a:ln w="22225" cap="rnd" cmpd="sng" algn="ctr">
           <a:solidFill>
             <a:schemeClr val="lt1">
               <a:hueOff val="0"/>
@@ -4840,12 +4840,12 @@
         </a:fontRef>
       </dsp:style>
       <dsp:txBody>
-        <a:bodyPr spcFirstLastPara="0" vert="horz" wrap="square" lIns="102870" tIns="102870" rIns="102870" bIns="102870" numCol="1" spcCol="1270" anchor="ctr" anchorCtr="0">
+        <a:bodyPr spcFirstLastPara="0" vert="horz" wrap="square" lIns="114300" tIns="114300" rIns="114300" bIns="114300" numCol="1" spcCol="1270" anchor="ctr" anchorCtr="0">
           <a:noAutofit/>
         </a:bodyPr>
         <a:lstStyle/>
         <a:p>
-          <a:pPr marL="0" lvl="0" indent="0" algn="ctr" defTabSz="1200150">
+          <a:pPr marL="0" lvl="0" indent="0" algn="ctr" defTabSz="1333500">
             <a:lnSpc>
               <a:spcPct val="90000"/>
             </a:lnSpc>
@@ -4858,7 +4858,7 @@
             <a:buNone/>
           </a:pPr>
           <a:r>
-            <a:rPr lang="en-US" sz="2700" kern="1200" dirty="0"/>
+            <a:rPr lang="en-US" sz="3000" kern="1200" dirty="0"/>
             <a:t>Work hard</a:t>
           </a:r>
         </a:p>
@@ -4918,7 +4918,7 @@
         </a:bodyPr>
         <a:lstStyle/>
         <a:p>
-          <a:pPr marL="0" lvl="0" indent="0" algn="ctr" defTabSz="666750">
+          <a:pPr marL="0" lvl="0" indent="0" algn="ctr" defTabSz="711200">
             <a:lnSpc>
               <a:spcPct val="90000"/>
             </a:lnSpc>
@@ -4930,7 +4930,7 @@
             </a:spcAft>
             <a:buNone/>
           </a:pPr>
-          <a:endParaRPr lang="en-US" sz="1500" kern="1200"/>
+          <a:endParaRPr lang="en-US" sz="1600" kern="1200"/>
         </a:p>
       </dsp:txBody>
       <dsp:txXfrm>
@@ -6183,92 +6183,25 @@
       </p:grpSpPr>
       <p:sp>
         <p:nvSpPr>
-          <p:cNvPr id="11" name="Freeform 6"/>
+          <p:cNvPr id="7" name="Rectangle 6"/>
           <p:cNvSpPr/>
           <p:nvPr/>
         </p:nvSpPr>
-        <p:spPr bwMode="auto">
+        <p:spPr>
           <a:xfrm>
-            <a:off x="0" y="-3175"/>
-            <a:ext cx="12192000" cy="5203825"/>
+            <a:off x="446534" y="3085765"/>
+            <a:ext cx="11262866" cy="3304800"/>
           </a:xfrm>
-          <a:custGeom>
+          <a:prstGeom prst="rect">
             <a:avLst/>
-            <a:gdLst/>
-            <a:ahLst/>
-            <a:cxnLst/>
-            <a:rect l="0" t="0" r="r" b="b"/>
-            <a:pathLst>
-              <a:path w="5760" h="3278">
-                <a:moveTo>
-                  <a:pt x="5760" y="0"/>
-                </a:moveTo>
-                <a:lnTo>
-                  <a:pt x="0" y="0"/>
-                </a:lnTo>
-                <a:lnTo>
-                  <a:pt x="0" y="3090"/>
-                </a:lnTo>
-                <a:lnTo>
-                  <a:pt x="943" y="3090"/>
-                </a:lnTo>
-                <a:lnTo>
-                  <a:pt x="1123" y="3270"/>
-                </a:lnTo>
-                <a:lnTo>
-                  <a:pt x="1123" y="3270"/>
-                </a:lnTo>
-                <a:lnTo>
-                  <a:pt x="1127" y="3272"/>
-                </a:lnTo>
-                <a:lnTo>
-                  <a:pt x="1133" y="3275"/>
-                </a:lnTo>
-                <a:lnTo>
-                  <a:pt x="1139" y="3278"/>
-                </a:lnTo>
-                <a:lnTo>
-                  <a:pt x="1144" y="3278"/>
-                </a:lnTo>
-                <a:lnTo>
-                  <a:pt x="1150" y="3278"/>
-                </a:lnTo>
-                <a:lnTo>
-                  <a:pt x="1155" y="3275"/>
-                </a:lnTo>
-                <a:lnTo>
-                  <a:pt x="1161" y="3272"/>
-                </a:lnTo>
-                <a:lnTo>
-                  <a:pt x="1165" y="3270"/>
-                </a:lnTo>
-                <a:lnTo>
-                  <a:pt x="1345" y="3090"/>
-                </a:lnTo>
-                <a:lnTo>
-                  <a:pt x="5760" y="3090"/>
-                </a:lnTo>
-                <a:lnTo>
-                  <a:pt x="5760" y="0"/>
-                </a:lnTo>
-                <a:close/>
-              </a:path>
-            </a:pathLst>
-          </a:custGeom>
-          <a:ln/>
+          </a:prstGeom>
+          <a:solidFill>
+            <a:schemeClr val="accent1"/>
+          </a:solidFill>
+          <a:ln>
+            <a:noFill/>
+          </a:ln>
           <a:effectLst/>
-          <a:extLst>
-            <a:ext uri="{91240B29-F687-4f45-9708-019B960494DF}">
-              <a14:hiddenLine xmlns="" xmlns:a14="http://schemas.microsoft.com/office/drawing/2010/main" w="9525">
-                <a:solidFill>
-                  <a:srgbClr val="000000"/>
-                </a:solidFill>
-                <a:round/>
-                <a:headEnd/>
-                <a:tailEnd/>
-              </a14:hiddenLine>
-            </a:ext>
-          </a:extLst>
         </p:spPr>
         <p:style>
           <a:lnRef idx="1">
@@ -6297,15 +6230,22 @@
         </p:nvSpPr>
         <p:spPr>
           <a:xfrm>
-            <a:off x="810001" y="1449147"/>
-            <a:ext cx="10572000" cy="2971051"/>
+            <a:off x="581191" y="1020431"/>
+            <a:ext cx="10993549" cy="1475013"/>
           </a:xfrm>
+          <a:effectLst/>
         </p:spPr>
         <p:txBody>
-          <a:bodyPr/>
+          <a:bodyPr anchor="b">
+            <a:normAutofit/>
+          </a:bodyPr>
           <a:lstStyle>
             <a:lvl1pPr>
-              <a:defRPr sz="5400"/>
+              <a:defRPr sz="3600">
+                <a:solidFill>
+                  <a:schemeClr val="accent1"/>
+                </a:solidFill>
+              </a:defRPr>
             </a:lvl1pPr>
           </a:lstStyle>
           <a:p>
@@ -6329,18 +6269,20 @@
         </p:nvSpPr>
         <p:spPr>
           <a:xfrm>
-            <a:off x="810001" y="5280847"/>
-            <a:ext cx="10572000" cy="434974"/>
+            <a:off x="581194" y="2495445"/>
+            <a:ext cx="10993546" cy="590321"/>
           </a:xfrm>
         </p:spPr>
         <p:txBody>
-          <a:bodyPr anchor="t"/>
+          <a:bodyPr anchor="t">
+            <a:normAutofit/>
+          </a:bodyPr>
           <a:lstStyle>
             <a:lvl1pPr marL="0" indent="0" algn="l">
               <a:buNone/>
-              <a:defRPr>
+              <a:defRPr sz="1600" cap="all">
                 <a:solidFill>
-                  <a:schemeClr val="tx1"/>
+                  <a:schemeClr val="accent2"/>
                 </a:solidFill>
               </a:defRPr>
             </a:lvl1pPr>
@@ -6444,13 +6386,293 @@
             <p:ph type="dt" sz="half" idx="10"/>
           </p:nvPr>
         </p:nvSpPr>
+        <p:spPr>
+          <a:xfrm>
+            <a:off x="7605951" y="5956137"/>
+            <a:ext cx="2844800" cy="365125"/>
+          </a:xfrm>
+        </p:spPr>
+        <p:txBody>
+          <a:bodyPr/>
+          <a:lstStyle>
+            <a:lvl1pPr>
+              <a:defRPr>
+                <a:solidFill>
+                  <a:schemeClr val="accent1">
+                    <a:lumMod val="75000"/>
+                    <a:lumOff val="25000"/>
+                  </a:schemeClr>
+                </a:solidFill>
+              </a:defRPr>
+            </a:lvl1pPr>
+          </a:lstStyle>
+          <a:p>
+            <a:fld id="{08B9EBBA-996F-894A-B54A-D6246ED52CEA}" type="datetimeFigureOut">
+              <a:rPr lang="en-US" smtClean="0"/>
+              <a:pPr/>
+              <a:t>5/30/18</a:t>
+            </a:fld>
+            <a:endParaRPr lang="en-US" dirty="0"/>
+          </a:p>
+        </p:txBody>
+      </p:sp>
+      <p:sp>
+        <p:nvSpPr>
+          <p:cNvPr id="5" name="Footer Placeholder 4"/>
+          <p:cNvSpPr>
+            <a:spLocks noGrp="1"/>
+          </p:cNvSpPr>
+          <p:nvPr>
+            <p:ph type="ftr" sz="quarter" idx="11"/>
+          </p:nvPr>
+        </p:nvSpPr>
+        <p:spPr>
+          <a:xfrm>
+            <a:off x="581192" y="5951811"/>
+            <a:ext cx="6917210" cy="365125"/>
+          </a:xfrm>
+        </p:spPr>
+        <p:txBody>
+          <a:bodyPr/>
+          <a:lstStyle>
+            <a:lvl1pPr>
+              <a:defRPr>
+                <a:solidFill>
+                  <a:schemeClr val="accent1">
+                    <a:lumMod val="75000"/>
+                    <a:lumOff val="25000"/>
+                  </a:schemeClr>
+                </a:solidFill>
+              </a:defRPr>
+            </a:lvl1pPr>
+          </a:lstStyle>
+          <a:p>
+            <a:endParaRPr lang="en-US" dirty="0"/>
+          </a:p>
+        </p:txBody>
+      </p:sp>
+      <p:sp>
+        <p:nvSpPr>
+          <p:cNvPr id="6" name="Slide Number Placeholder 5"/>
+          <p:cNvSpPr>
+            <a:spLocks noGrp="1"/>
+          </p:cNvSpPr>
+          <p:nvPr>
+            <p:ph type="sldNum" sz="quarter" idx="12"/>
+          </p:nvPr>
+        </p:nvSpPr>
+        <p:spPr>
+          <a:xfrm>
+            <a:off x="10558300" y="5956137"/>
+            <a:ext cx="1016440" cy="365125"/>
+          </a:xfrm>
+        </p:spPr>
+        <p:txBody>
+          <a:bodyPr/>
+          <a:lstStyle>
+            <a:lvl1pPr>
+              <a:defRPr>
+                <a:solidFill>
+                  <a:schemeClr val="accent1">
+                    <a:lumMod val="75000"/>
+                    <a:lumOff val="25000"/>
+                  </a:schemeClr>
+                </a:solidFill>
+              </a:defRPr>
+            </a:lvl1pPr>
+          </a:lstStyle>
+          <a:p>
+            <a:fld id="{D57F1E4F-1CFF-5643-939E-217C01CDF565}" type="slidenum">
+              <a:rPr lang="en-US" smtClean="0"/>
+              <a:pPr/>
+              <a:t>‹#›</a:t>
+            </a:fld>
+            <a:endParaRPr lang="en-US" dirty="0"/>
+          </a:p>
+        </p:txBody>
+      </p:sp>
+    </p:spTree>
+    <p:extLst>
+      <p:ext uri="{BB962C8B-B14F-4D97-AF65-F5344CB8AC3E}">
+        <p14:creationId xmlns:p14="http://schemas.microsoft.com/office/powerpoint/2010/main" val="1998522695"/>
+      </p:ext>
+    </p:extLst>
+  </p:cSld>
+  <p:clrMapOvr>
+    <a:masterClrMapping/>
+  </p:clrMapOvr>
+</p:sldLayout>
+</file>
+
+<file path=ppt/slideLayouts/slideLayout10.xml><?xml version="1.0" encoding="utf-8"?>
+<p:sldLayout xmlns:a="http://schemas.openxmlformats.org/drawingml/2006/main" xmlns:r="http://schemas.openxmlformats.org/officeDocument/2006/relationships" xmlns:p="http://schemas.openxmlformats.org/presentationml/2006/main" type="vertTx" preserve="1">
+  <p:cSld name="Title and Vertical Text">
+    <p:spTree>
+      <p:nvGrpSpPr>
+        <p:cNvPr id="1" name=""/>
+        <p:cNvGrpSpPr/>
+        <p:nvPr/>
+      </p:nvGrpSpPr>
+      <p:grpSpPr>
+        <a:xfrm>
+          <a:off x="0" y="0"/>
+          <a:ext cx="0" cy="0"/>
+          <a:chOff x="0" y="0"/>
+          <a:chExt cx="0" cy="0"/>
+        </a:xfrm>
+      </p:grpSpPr>
+      <p:sp>
+        <p:nvSpPr>
+          <p:cNvPr id="8" name="Rectangle 7"/>
+          <p:cNvSpPr>
+            <a:spLocks noChangeAspect="1"/>
+          </p:cNvSpPr>
+          <p:nvPr/>
+        </p:nvSpPr>
+        <p:spPr>
+          <a:xfrm>
+            <a:off x="440286" y="614407"/>
+            <a:ext cx="11309338" cy="1189298"/>
+          </a:xfrm>
+          <a:prstGeom prst="rect">
+            <a:avLst/>
+          </a:prstGeom>
+          <a:solidFill>
+            <a:schemeClr val="accent1"/>
+          </a:solidFill>
+          <a:ln>
+            <a:noFill/>
+          </a:ln>
+          <a:effectLst/>
+        </p:spPr>
+        <p:style>
+          <a:lnRef idx="1">
+            <a:schemeClr val="accent1"/>
+          </a:lnRef>
+          <a:fillRef idx="3">
+            <a:schemeClr val="accent1"/>
+          </a:fillRef>
+          <a:effectRef idx="2">
+            <a:schemeClr val="accent1"/>
+          </a:effectRef>
+          <a:fontRef idx="minor">
+            <a:schemeClr val="lt1"/>
+          </a:fontRef>
+        </p:style>
+      </p:sp>
+      <p:sp>
+        <p:nvSpPr>
+          <p:cNvPr id="9" name="Title 1"/>
+          <p:cNvSpPr>
+            <a:spLocks noGrp="1"/>
+          </p:cNvSpPr>
+          <p:nvPr>
+            <p:ph type="title"/>
+          </p:nvPr>
+        </p:nvSpPr>
+        <p:spPr>
+          <a:xfrm>
+            <a:off x="581192" y="702156"/>
+            <a:ext cx="11029616" cy="1013800"/>
+          </a:xfrm>
+        </p:spPr>
+        <p:txBody>
+          <a:bodyPr/>
+          <a:lstStyle/>
+          <a:p>
+            <a:r>
+              <a:rPr lang="en-US"/>
+              <a:t>Click to edit Master title style</a:t>
+            </a:r>
+            <a:endParaRPr lang="en-US" dirty="0"/>
+          </a:p>
+        </p:txBody>
+      </p:sp>
+      <p:sp>
+        <p:nvSpPr>
+          <p:cNvPr id="3" name="Vertical Text Placeholder 2"/>
+          <p:cNvSpPr>
+            <a:spLocks noGrp="1"/>
+          </p:cNvSpPr>
+          <p:nvPr>
+            <p:ph type="body" orient="vert" idx="1"/>
+          </p:nvPr>
+        </p:nvSpPr>
+        <p:spPr/>
+        <p:txBody>
+          <a:bodyPr vert="eaVert" anchor="t"/>
+          <a:lstStyle>
+            <a:lvl1pPr algn="l">
+              <a:defRPr/>
+            </a:lvl1pPr>
+            <a:lvl2pPr algn="l">
+              <a:defRPr/>
+            </a:lvl2pPr>
+            <a:lvl3pPr algn="l">
+              <a:defRPr/>
+            </a:lvl3pPr>
+            <a:lvl4pPr algn="l">
+              <a:defRPr/>
+            </a:lvl4pPr>
+            <a:lvl5pPr algn="l">
+              <a:defRPr/>
+            </a:lvl5pPr>
+          </a:lstStyle>
+          <a:p>
+            <a:pPr lvl="0"/>
+            <a:r>
+              <a:rPr lang="en-US"/>
+              <a:t>Edit Master text styles</a:t>
+            </a:r>
+          </a:p>
+          <a:p>
+            <a:pPr lvl="1"/>
+            <a:r>
+              <a:rPr lang="en-US"/>
+              <a:t>Second level</a:t>
+            </a:r>
+          </a:p>
+          <a:p>
+            <a:pPr lvl="2"/>
+            <a:r>
+              <a:rPr lang="en-US"/>
+              <a:t>Third level</a:t>
+            </a:r>
+          </a:p>
+          <a:p>
+            <a:pPr lvl="3"/>
+            <a:r>
+              <a:rPr lang="en-US"/>
+              <a:t>Fourth level</a:t>
+            </a:r>
+          </a:p>
+          <a:p>
+            <a:pPr lvl="4"/>
+            <a:r>
+              <a:rPr lang="en-US"/>
+              <a:t>Fifth level</a:t>
+            </a:r>
+            <a:endParaRPr lang="en-US" dirty="0"/>
+          </a:p>
+        </p:txBody>
+      </p:sp>
+      <p:sp>
+        <p:nvSpPr>
+          <p:cNvPr id="4" name="Date Placeholder 3"/>
+          <p:cNvSpPr>
+            <a:spLocks noGrp="1"/>
+          </p:cNvSpPr>
+          <p:nvPr>
+            <p:ph type="dt" sz="half" idx="10"/>
+          </p:nvPr>
+        </p:nvSpPr>
         <p:spPr/>
         <p:txBody>
           <a:bodyPr/>
           <a:lstStyle/>
           <a:p>
-            <a:fld id="{08B9EBBA-996F-894A-B54A-D6246ED52CEA}" type="datetimeFigureOut">
-              <a:rPr lang="en-US" dirty="0"/>
+            <a:fld id="{C6C52C72-DE31-F449-A4ED-4C594FD91407}" type="datetimeFigureOut">
+              <a:rPr lang="en-US" smtClean="0"/>
               <a:pPr/>
               <a:t>5/30/18</a:t>
             </a:fld>
@@ -6493,7 +6715,7 @@
           <a:lstStyle/>
           <a:p>
             <a:fld id="{D57F1E4F-1CFF-5643-939E-217C01CDF565}" type="slidenum">
-              <a:rPr lang="en-US" dirty="0"/>
+              <a:rPr lang="en-US" smtClean="0"/>
               <a:pPr/>
               <a:t>‹#›</a:t>
             </a:fld>
@@ -6502,6 +6724,11 @@
         </p:txBody>
       </p:sp>
     </p:spTree>
+    <p:extLst>
+      <p:ext uri="{BB962C8B-B14F-4D97-AF65-F5344CB8AC3E}">
+        <p14:creationId xmlns:p14="http://schemas.microsoft.com/office/powerpoint/2010/main" val="860424812"/>
+      </p:ext>
+    </p:extLst>
   </p:cSld>
   <p:clrMapOvr>
     <a:masterClrMapping/>
@@ -6509,9 +6736,9 @@
 </p:sldLayout>
 </file>
 
-<file path=ppt/slideLayouts/slideLayout10.xml><?xml version="1.0" encoding="utf-8"?>
-<p:sldLayout xmlns:a="http://schemas.openxmlformats.org/drawingml/2006/main" xmlns:r="http://schemas.openxmlformats.org/officeDocument/2006/relationships" xmlns:p="http://schemas.openxmlformats.org/presentationml/2006/main" preserve="1">
-  <p:cSld name="Panoramic Picture with Caption">
+<file path=ppt/slideLayouts/slideLayout11.xml><?xml version="1.0" encoding="utf-8"?>
+<p:sldLayout xmlns:a="http://schemas.openxmlformats.org/drawingml/2006/main" xmlns:r="http://schemas.openxmlformats.org/officeDocument/2006/relationships" xmlns:p="http://schemas.openxmlformats.org/presentationml/2006/main" type="vertTitleAndTx" preserve="1">
+  <p:cSld name="Vertical Title and Text">
     <p:spTree>
       <p:nvGrpSpPr>
         <p:cNvPr id="1" name=""/>
@@ -6528,122 +6755,27 @@
       </p:grpSpPr>
       <p:sp>
         <p:nvSpPr>
-          <p:cNvPr id="2" name="Title 1"/>
+          <p:cNvPr id="7" name="Rectangle 6"/>
           <p:cNvSpPr>
-            <a:spLocks noGrp="1"/>
+            <a:spLocks noChangeAspect="1"/>
           </p:cNvSpPr>
-          <p:nvPr>
-            <p:ph type="title"/>
-          </p:nvPr>
+          <p:nvPr/>
         </p:nvSpPr>
         <p:spPr>
           <a:xfrm>
-            <a:off x="810000" y="4800600"/>
-            <a:ext cx="10561418" cy="566738"/>
+            <a:off x="8839201" y="599725"/>
+            <a:ext cx="2906817" cy="5816950"/>
           </a:xfrm>
-        </p:spPr>
-        <p:txBody>
-          <a:bodyPr anchor="b">
-            <a:normAutofit/>
-          </a:bodyPr>
-          <a:lstStyle>
-            <a:lvl1pPr algn="l">
-              <a:defRPr sz="2400" b="0"/>
-            </a:lvl1pPr>
-          </a:lstStyle>
-          <a:p>
-            <a:r>
-              <a:rPr lang="en-US"/>
-              <a:t>Click to edit Master title style</a:t>
-            </a:r>
-            <a:endParaRPr lang="en-US" dirty="0"/>
-          </a:p>
-        </p:txBody>
-      </p:sp>
-      <p:sp>
-        <p:nvSpPr>
-          <p:cNvPr id="15" name="Picture Placeholder 14"/>
-          <p:cNvSpPr>
-            <a:spLocks noGrp="1" noChangeAspect="1"/>
-          </p:cNvSpPr>
-          <p:nvPr>
-            <p:ph type="pic" sz="quarter" idx="13"/>
-          </p:nvPr>
-        </p:nvSpPr>
-        <p:spPr bwMode="auto">
-          <a:xfrm>
-            <a:off x="0" y="0"/>
-            <a:ext cx="12192000" cy="4800600"/>
-          </a:xfrm>
-          <a:custGeom>
+          <a:prstGeom prst="rect">
             <a:avLst/>
-            <a:gdLst/>
-            <a:ahLst/>
-            <a:cxnLst/>
-            <a:rect l="0" t="0" r="r" b="b"/>
-            <a:pathLst>
-              <a:path w="5760" h="3289">
-                <a:moveTo>
-                  <a:pt x="5760" y="0"/>
-                </a:moveTo>
-                <a:lnTo>
-                  <a:pt x="0" y="0"/>
-                </a:lnTo>
-                <a:lnTo>
-                  <a:pt x="0" y="3100"/>
-                </a:lnTo>
-                <a:lnTo>
-                  <a:pt x="943" y="3100"/>
-                </a:lnTo>
-                <a:lnTo>
-                  <a:pt x="1123" y="3281"/>
-                </a:lnTo>
-                <a:lnTo>
-                  <a:pt x="1123" y="3281"/>
-                </a:lnTo>
-                <a:lnTo>
-                  <a:pt x="1127" y="3283"/>
-                </a:lnTo>
-                <a:lnTo>
-                  <a:pt x="1133" y="3286"/>
-                </a:lnTo>
-                <a:lnTo>
-                  <a:pt x="1139" y="3289"/>
-                </a:lnTo>
-                <a:lnTo>
-                  <a:pt x="1144" y="3289"/>
-                </a:lnTo>
-                <a:lnTo>
-                  <a:pt x="1150" y="3289"/>
-                </a:lnTo>
-                <a:lnTo>
-                  <a:pt x="1155" y="3286"/>
-                </a:lnTo>
-                <a:lnTo>
-                  <a:pt x="1161" y="3283"/>
-                </a:lnTo>
-                <a:lnTo>
-                  <a:pt x="1165" y="3281"/>
-                </a:lnTo>
-                <a:lnTo>
-                  <a:pt x="1345" y="3100"/>
-                </a:lnTo>
-                <a:lnTo>
-                  <a:pt x="5760" y="3100"/>
-                </a:lnTo>
-                <a:lnTo>
-                  <a:pt x="5760" y="0"/>
-                </a:lnTo>
-                <a:close/>
-              </a:path>
-            </a:pathLst>
-          </a:custGeom>
-          <a:noFill/>
+          </a:prstGeom>
+          <a:solidFill>
+            <a:schemeClr val="accent1"/>
+          </a:solidFill>
           <a:ln>
-            <a:solidFill>
-              <a:schemeClr val="tx2"/>
-            </a:solidFill>
+            <a:noFill/>
           </a:ln>
+          <a:effectLst/>
         </p:spPr>
         <p:style>
           <a:lnRef idx="1">
@@ -6659,24 +6791,30 @@
             <a:schemeClr val="lt1"/>
           </a:fontRef>
         </p:style>
+      </p:sp>
+      <p:sp>
+        <p:nvSpPr>
+          <p:cNvPr id="2" name="Vertical Title 1"/>
+          <p:cNvSpPr>
+            <a:spLocks noGrp="1"/>
+          </p:cNvSpPr>
+          <p:nvPr>
+            <p:ph type="title" orient="vert"/>
+          </p:nvPr>
+        </p:nvSpPr>
+        <p:spPr>
+          <a:xfrm>
+            <a:off x="8839201" y="675726"/>
+            <a:ext cx="2004164" cy="5183073"/>
+          </a:xfrm>
+        </p:spPr>
         <p:txBody>
-          <a:bodyPr wrap="square" numCol="1" anchor="t" anchorCtr="0" compatLnSpc="1">
-            <a:prstTxWarp prst="textNoShape">
-              <a:avLst/>
-            </a:prstTxWarp>
-            <a:normAutofit/>
-          </a:bodyPr>
-          <a:lstStyle>
-            <a:lvl1pPr marL="0" indent="0" algn="ctr">
-              <a:buFontTx/>
-              <a:buNone/>
-              <a:defRPr sz="1600"/>
-            </a:lvl1pPr>
-          </a:lstStyle>
+          <a:bodyPr vert="eaVert"/>
+          <a:lstStyle/>
           <a:p>
             <a:r>
               <a:rPr lang="en-US"/>
-              <a:t>Click icon to add picture</a:t>
+              <a:t>Click to edit Master title style</a:t>
             </a:r>
             <a:endParaRPr lang="en-US" dirty="0"/>
           </a:p>
@@ -6684,62 +6822,23 @@
       </p:sp>
       <p:sp>
         <p:nvSpPr>
-          <p:cNvPr id="4" name="Text Placeholder 3"/>
+          <p:cNvPr id="3" name="Vertical Text Placeholder 2"/>
           <p:cNvSpPr>
             <a:spLocks noGrp="1"/>
           </p:cNvSpPr>
           <p:nvPr>
-            <p:ph type="body" sz="half" idx="2"/>
+            <p:ph type="body" orient="vert" idx="1"/>
           </p:nvPr>
         </p:nvSpPr>
         <p:spPr>
           <a:xfrm>
-            <a:off x="810000" y="5367338"/>
-            <a:ext cx="10561418" cy="493712"/>
+            <a:off x="774923" y="675726"/>
+            <a:ext cx="7896279" cy="5183073"/>
           </a:xfrm>
         </p:spPr>
         <p:txBody>
-          <a:bodyPr>
-            <a:normAutofit/>
-          </a:bodyPr>
-          <a:lstStyle>
-            <a:lvl1pPr marL="0" indent="0">
-              <a:buNone/>
-              <a:defRPr sz="1200"/>
-            </a:lvl1pPr>
-            <a:lvl2pPr marL="457200" indent="0">
-              <a:buNone/>
-              <a:defRPr sz="1200"/>
-            </a:lvl2pPr>
-            <a:lvl3pPr marL="914400" indent="0">
-              <a:buNone/>
-              <a:defRPr sz="1000"/>
-            </a:lvl3pPr>
-            <a:lvl4pPr marL="1371600" indent="0">
-              <a:buNone/>
-              <a:defRPr sz="900"/>
-            </a:lvl4pPr>
-            <a:lvl5pPr marL="1828800" indent="0">
-              <a:buNone/>
-              <a:defRPr sz="900"/>
-            </a:lvl5pPr>
-            <a:lvl6pPr marL="2286000" indent="0">
-              <a:buNone/>
-              <a:defRPr sz="900"/>
-            </a:lvl6pPr>
-            <a:lvl7pPr marL="2743200" indent="0">
-              <a:buNone/>
-              <a:defRPr sz="900"/>
-            </a:lvl7pPr>
-            <a:lvl8pPr marL="3200400" indent="0">
-              <a:buNone/>
-              <a:defRPr sz="900"/>
-            </a:lvl8pPr>
-            <a:lvl9pPr marL="3657600" indent="0">
-              <a:buNone/>
-              <a:defRPr sz="900"/>
-            </a:lvl9pPr>
-          </a:lstStyle>
+          <a:bodyPr vert="eaVert" anchor="t"/>
+          <a:lstStyle/>
           <a:p>
             <a:pPr lvl="0"/>
             <a:r>
@@ -6747,11 +6846,40 @@
               <a:t>Edit Master text styles</a:t>
             </a:r>
           </a:p>
+          <a:p>
+            <a:pPr lvl="1"/>
+            <a:r>
+              <a:rPr lang="en-US"/>
+              <a:t>Second level</a:t>
+            </a:r>
+          </a:p>
+          <a:p>
+            <a:pPr lvl="2"/>
+            <a:r>
+              <a:rPr lang="en-US"/>
+              <a:t>Third level</a:t>
+            </a:r>
+          </a:p>
+          <a:p>
+            <a:pPr lvl="3"/>
+            <a:r>
+              <a:rPr lang="en-US"/>
+              <a:t>Fourth level</a:t>
+            </a:r>
+          </a:p>
+          <a:p>
+            <a:pPr lvl="4"/>
+            <a:r>
+              <a:rPr lang="en-US"/>
+              <a:t>Fifth level</a:t>
+            </a:r>
+            <a:endParaRPr lang="en-US" dirty="0"/>
+          </a:p>
         </p:txBody>
       </p:sp>
       <p:sp>
         <p:nvSpPr>
-          <p:cNvPr id="5" name="Date Placeholder 4"/>
+          <p:cNvPr id="4" name="Date Placeholder 3"/>
           <p:cNvSpPr>
             <a:spLocks noGrp="1"/>
           </p:cNvSpPr>
@@ -6759,13 +6887,29 @@
             <p:ph type="dt" sz="half" idx="10"/>
           </p:nvPr>
         </p:nvSpPr>
-        <p:spPr/>
+        <p:spPr>
+          <a:xfrm>
+            <a:off x="8993673" y="5956137"/>
+            <a:ext cx="1328141" cy="365125"/>
+          </a:xfrm>
+        </p:spPr>
         <p:txBody>
           <a:bodyPr/>
-          <a:lstStyle/>
-          <a:p>
-            <a:fld id="{18C79C5D-2A6F-F04D-97DA-BEF2467B64E4}" type="datetimeFigureOut">
-              <a:rPr lang="en-US" dirty="0"/>
+          <a:lstStyle>
+            <a:lvl1pPr>
+              <a:defRPr>
+                <a:solidFill>
+                  <a:schemeClr val="accent1">
+                    <a:lumMod val="75000"/>
+                    <a:lumOff val="25000"/>
+                  </a:schemeClr>
+                </a:solidFill>
+              </a:defRPr>
+            </a:lvl1pPr>
+          </a:lstStyle>
+          <a:p>
+            <a:fld id="{ED62726E-379B-B349-9EED-81ED093FA806}" type="datetimeFigureOut">
+              <a:rPr lang="en-US" smtClean="0"/>
               <a:pPr/>
               <a:t>5/30/18</a:t>
             </a:fld>
@@ -6775,7 +6919,7 @@
       </p:sp>
       <p:sp>
         <p:nvSpPr>
-          <p:cNvPr id="6" name="Footer Placeholder 5"/>
+          <p:cNvPr id="5" name="Footer Placeholder 4"/>
           <p:cNvSpPr>
             <a:spLocks noGrp="1"/>
           </p:cNvSpPr>
@@ -6783,7 +6927,12 @@
             <p:ph type="ftr" sz="quarter" idx="11"/>
           </p:nvPr>
         </p:nvSpPr>
-        <p:spPr/>
+        <p:spPr>
+          <a:xfrm>
+            <a:off x="774923" y="5951811"/>
+            <a:ext cx="7896279" cy="365125"/>
+          </a:xfrm>
+        </p:spPr>
         <p:txBody>
           <a:bodyPr/>
           <a:lstStyle/>
@@ -6794,7 +6943,7 @@
       </p:sp>
       <p:sp>
         <p:nvSpPr>
-          <p:cNvPr id="7" name="Slide Number Placeholder 6"/>
+          <p:cNvPr id="6" name="Slide Number Placeholder 5"/>
           <p:cNvSpPr>
             <a:spLocks noGrp="1"/>
           </p:cNvSpPr>
@@ -6802,13 +6951,29 @@
             <p:ph type="sldNum" sz="quarter" idx="12"/>
           </p:nvPr>
         </p:nvSpPr>
-        <p:spPr/>
+        <p:spPr>
+          <a:xfrm>
+            <a:off x="10446615" y="5956137"/>
+            <a:ext cx="1164195" cy="365125"/>
+          </a:xfrm>
+        </p:spPr>
         <p:txBody>
           <a:bodyPr/>
-          <a:lstStyle/>
+          <a:lstStyle>
+            <a:lvl1pPr>
+              <a:defRPr>
+                <a:solidFill>
+                  <a:schemeClr val="accent1">
+                    <a:lumMod val="75000"/>
+                    <a:lumOff val="25000"/>
+                  </a:schemeClr>
+                </a:solidFill>
+              </a:defRPr>
+            </a:lvl1pPr>
+          </a:lstStyle>
           <a:p>
             <a:fld id="{D57F1E4F-1CFF-5643-939E-217C01CDF565}" type="slidenum">
-              <a:rPr lang="en-US" dirty="0"/>
+              <a:rPr lang="en-US" smtClean="0"/>
               <a:pPr/>
               <a:t>‹#›</a:t>
             </a:fld>
@@ -6817,6 +6982,11 @@
         </p:txBody>
       </p:sp>
     </p:spTree>
+    <p:extLst>
+      <p:ext uri="{BB962C8B-B14F-4D97-AF65-F5344CB8AC3E}">
+        <p14:creationId xmlns:p14="http://schemas.microsoft.com/office/powerpoint/2010/main" val="1668317580"/>
+      </p:ext>
+    </p:extLst>
   </p:cSld>
   <p:clrMapOvr>
     <a:masterClrMapping/>
@@ -6824,9 +6994,9 @@
 </p:sldLayout>
 </file>
 
-<file path=ppt/slideLayouts/slideLayout11.xml><?xml version="1.0" encoding="utf-8"?>
-<p:sldLayout xmlns:a="http://schemas.openxmlformats.org/drawingml/2006/main" xmlns:r="http://schemas.openxmlformats.org/officeDocument/2006/relationships" xmlns:p="http://schemas.openxmlformats.org/presentationml/2006/main" preserve="1">
-  <p:cSld name="Quote with Caption">
+<file path=ppt/slideLayouts/slideLayout2.xml><?xml version="1.0" encoding="utf-8"?>
+<p:sldLayout xmlns:a="http://schemas.openxmlformats.org/drawingml/2006/main" xmlns:r="http://schemas.openxmlformats.org/officeDocument/2006/relationships" xmlns:p="http://schemas.openxmlformats.org/presentationml/2006/main" type="obj" preserve="1">
+  <p:cSld name="Title and Content">
     <p:spTree>
       <p:nvGrpSpPr>
         <p:cNvPr id="1" name=""/>
@@ -6843,196 +7013,27 @@
       </p:grpSpPr>
       <p:sp>
         <p:nvSpPr>
-          <p:cNvPr id="8" name="Freeform 6"/>
+          <p:cNvPr id="7" name="Rectangle 6"/>
           <p:cNvSpPr>
             <a:spLocks noChangeAspect="1"/>
           </p:cNvSpPr>
           <p:nvPr/>
         </p:nvSpPr>
-        <p:spPr bwMode="auto">
+        <p:spPr>
           <a:xfrm>
-            <a:off x="631697" y="1081456"/>
-            <a:ext cx="6332416" cy="3239188"/>
+            <a:off x="440286" y="614407"/>
+            <a:ext cx="11309338" cy="1189298"/>
           </a:xfrm>
-          <a:custGeom>
+          <a:prstGeom prst="rect">
             <a:avLst/>
-            <a:gdLst/>
-            <a:ahLst/>
-            <a:cxnLst/>
-            <a:rect l="0" t="0" r="r" b="b"/>
-            <a:pathLst>
-              <a:path w="3384" h="2308">
-                <a:moveTo>
-                  <a:pt x="3340" y="0"/>
-                </a:moveTo>
-                <a:lnTo>
-                  <a:pt x="44" y="0"/>
-                </a:lnTo>
-                <a:lnTo>
-                  <a:pt x="44" y="0"/>
-                </a:lnTo>
-                <a:lnTo>
-                  <a:pt x="34" y="0"/>
-                </a:lnTo>
-                <a:lnTo>
-                  <a:pt x="26" y="4"/>
-                </a:lnTo>
-                <a:lnTo>
-                  <a:pt x="20" y="8"/>
-                </a:lnTo>
-                <a:lnTo>
-                  <a:pt x="12" y="12"/>
-                </a:lnTo>
-                <a:lnTo>
-                  <a:pt x="8" y="20"/>
-                </a:lnTo>
-                <a:lnTo>
-                  <a:pt x="4" y="26"/>
-                </a:lnTo>
-                <a:lnTo>
-                  <a:pt x="0" y="34"/>
-                </a:lnTo>
-                <a:lnTo>
-                  <a:pt x="0" y="44"/>
-                </a:lnTo>
-                <a:lnTo>
-                  <a:pt x="0" y="2076"/>
-                </a:lnTo>
-                <a:lnTo>
-                  <a:pt x="0" y="2076"/>
-                </a:lnTo>
-                <a:lnTo>
-                  <a:pt x="0" y="2086"/>
-                </a:lnTo>
-                <a:lnTo>
-                  <a:pt x="4" y="2094"/>
-                </a:lnTo>
-                <a:lnTo>
-                  <a:pt x="8" y="2100"/>
-                </a:lnTo>
-                <a:lnTo>
-                  <a:pt x="12" y="2108"/>
-                </a:lnTo>
-                <a:lnTo>
-                  <a:pt x="20" y="2112"/>
-                </a:lnTo>
-                <a:lnTo>
-                  <a:pt x="26" y="2116"/>
-                </a:lnTo>
-                <a:lnTo>
-                  <a:pt x="34" y="2120"/>
-                </a:lnTo>
-                <a:lnTo>
-                  <a:pt x="44" y="2120"/>
-                </a:lnTo>
-                <a:lnTo>
-                  <a:pt x="474" y="2120"/>
-                </a:lnTo>
-                <a:lnTo>
-                  <a:pt x="650" y="2296"/>
-                </a:lnTo>
-                <a:lnTo>
-                  <a:pt x="650" y="2296"/>
-                </a:lnTo>
-                <a:lnTo>
-                  <a:pt x="656" y="2300"/>
-                </a:lnTo>
-                <a:lnTo>
-                  <a:pt x="664" y="2304"/>
-                </a:lnTo>
-                <a:lnTo>
-                  <a:pt x="672" y="2308"/>
-                </a:lnTo>
-                <a:lnTo>
-                  <a:pt x="680" y="2308"/>
-                </a:lnTo>
-                <a:lnTo>
-                  <a:pt x="688" y="2308"/>
-                </a:lnTo>
-                <a:lnTo>
-                  <a:pt x="696" y="2304"/>
-                </a:lnTo>
-                <a:lnTo>
-                  <a:pt x="704" y="2300"/>
-                </a:lnTo>
-                <a:lnTo>
-                  <a:pt x="710" y="2296"/>
-                </a:lnTo>
-                <a:lnTo>
-                  <a:pt x="886" y="2120"/>
-                </a:lnTo>
-                <a:lnTo>
-                  <a:pt x="3340" y="2120"/>
-                </a:lnTo>
-                <a:lnTo>
-                  <a:pt x="3340" y="2120"/>
-                </a:lnTo>
-                <a:lnTo>
-                  <a:pt x="3350" y="2120"/>
-                </a:lnTo>
-                <a:lnTo>
-                  <a:pt x="3358" y="2116"/>
-                </a:lnTo>
-                <a:lnTo>
-                  <a:pt x="3364" y="2112"/>
-                </a:lnTo>
-                <a:lnTo>
-                  <a:pt x="3372" y="2108"/>
-                </a:lnTo>
-                <a:lnTo>
-                  <a:pt x="3376" y="2100"/>
-                </a:lnTo>
-                <a:lnTo>
-                  <a:pt x="3380" y="2094"/>
-                </a:lnTo>
-                <a:lnTo>
-                  <a:pt x="3384" y="2086"/>
-                </a:lnTo>
-                <a:lnTo>
-                  <a:pt x="3384" y="2076"/>
-                </a:lnTo>
-                <a:lnTo>
-                  <a:pt x="3384" y="44"/>
-                </a:lnTo>
-                <a:lnTo>
-                  <a:pt x="3384" y="44"/>
-                </a:lnTo>
-                <a:lnTo>
-                  <a:pt x="3384" y="34"/>
-                </a:lnTo>
-                <a:lnTo>
-                  <a:pt x="3380" y="26"/>
-                </a:lnTo>
-                <a:lnTo>
-                  <a:pt x="3376" y="20"/>
-                </a:lnTo>
-                <a:lnTo>
-                  <a:pt x="3372" y="12"/>
-                </a:lnTo>
-                <a:lnTo>
-                  <a:pt x="3364" y="8"/>
-                </a:lnTo>
-                <a:lnTo>
-                  <a:pt x="3358" y="4"/>
-                </a:lnTo>
-                <a:lnTo>
-                  <a:pt x="3350" y="0"/>
-                </a:lnTo>
-                <a:lnTo>
-                  <a:pt x="3340" y="0"/>
-                </a:lnTo>
-                <a:lnTo>
-                  <a:pt x="3340" y="0"/>
-                </a:lnTo>
-                <a:close/>
-              </a:path>
-            </a:pathLst>
-          </a:custGeom>
+          </a:prstGeom>
+          <a:solidFill>
+            <a:schemeClr val="accent1"/>
+          </a:solidFill>
           <a:ln>
-            <a:solidFill>
-              <a:schemeClr val="accent1"/>
-            </a:solidFill>
+            <a:noFill/>
           </a:ln>
+          <a:effectLst/>
         </p:spPr>
         <p:style>
           <a:lnRef idx="1">
@@ -7061,15 +7062,247 @@
         </p:nvSpPr>
         <p:spPr>
           <a:xfrm>
-            <a:off x="850985" y="1238502"/>
-            <a:ext cx="5893840" cy="2645912"/>
+            <a:off x="581192" y="702156"/>
+            <a:ext cx="11029616" cy="1013800"/>
           </a:xfrm>
         </p:spPr>
         <p:txBody>
-          <a:bodyPr anchor="b"/>
+          <a:bodyPr/>
+          <a:lstStyle/>
+          <a:p>
+            <a:r>
+              <a:rPr lang="en-US"/>
+              <a:t>Click to edit Master title style</a:t>
+            </a:r>
+            <a:endParaRPr lang="en-US" dirty="0"/>
+          </a:p>
+        </p:txBody>
+      </p:sp>
+      <p:sp>
+        <p:nvSpPr>
+          <p:cNvPr id="3" name="Content Placeholder 2"/>
+          <p:cNvSpPr>
+            <a:spLocks noGrp="1"/>
+          </p:cNvSpPr>
+          <p:nvPr>
+            <p:ph idx="1"/>
+          </p:nvPr>
+        </p:nvSpPr>
+        <p:spPr>
+          <a:xfrm>
+            <a:off x="581192" y="2180496"/>
+            <a:ext cx="11029615" cy="3678303"/>
+          </a:xfrm>
+        </p:spPr>
+        <p:txBody>
+          <a:bodyPr/>
+          <a:lstStyle/>
+          <a:p>
+            <a:pPr lvl="0"/>
+            <a:r>
+              <a:rPr lang="en-US"/>
+              <a:t>Edit Master text styles</a:t>
+            </a:r>
+          </a:p>
+          <a:p>
+            <a:pPr lvl="1"/>
+            <a:r>
+              <a:rPr lang="en-US"/>
+              <a:t>Second level</a:t>
+            </a:r>
+          </a:p>
+          <a:p>
+            <a:pPr lvl="2"/>
+            <a:r>
+              <a:rPr lang="en-US"/>
+              <a:t>Third level</a:t>
+            </a:r>
+          </a:p>
+          <a:p>
+            <a:pPr lvl="3"/>
+            <a:r>
+              <a:rPr lang="en-US"/>
+              <a:t>Fourth level</a:t>
+            </a:r>
+          </a:p>
+          <a:p>
+            <a:pPr lvl="4"/>
+            <a:r>
+              <a:rPr lang="en-US"/>
+              <a:t>Fifth level</a:t>
+            </a:r>
+            <a:endParaRPr lang="en-US" dirty="0"/>
+          </a:p>
+        </p:txBody>
+      </p:sp>
+      <p:sp>
+        <p:nvSpPr>
+          <p:cNvPr id="4" name="Date Placeholder 3"/>
+          <p:cNvSpPr>
+            <a:spLocks noGrp="1"/>
+          </p:cNvSpPr>
+          <p:nvPr>
+            <p:ph type="dt" sz="half" idx="10"/>
+          </p:nvPr>
+        </p:nvSpPr>
+        <p:spPr/>
+        <p:txBody>
+          <a:bodyPr/>
+          <a:lstStyle/>
+          <a:p>
+            <a:fld id="{9B3A1323-8D79-1946-B0D7-40001CF92E9D}" type="datetimeFigureOut">
+              <a:rPr lang="en-US" smtClean="0"/>
+              <a:pPr/>
+              <a:t>5/30/18</a:t>
+            </a:fld>
+            <a:endParaRPr lang="en-US" dirty="0"/>
+          </a:p>
+        </p:txBody>
+      </p:sp>
+      <p:sp>
+        <p:nvSpPr>
+          <p:cNvPr id="5" name="Footer Placeholder 4"/>
+          <p:cNvSpPr>
+            <a:spLocks noGrp="1"/>
+          </p:cNvSpPr>
+          <p:nvPr>
+            <p:ph type="ftr" sz="quarter" idx="11"/>
+          </p:nvPr>
+        </p:nvSpPr>
+        <p:spPr/>
+        <p:txBody>
+          <a:bodyPr/>
+          <a:lstStyle/>
+          <a:p>
+            <a:endParaRPr lang="en-US" dirty="0"/>
+          </a:p>
+        </p:txBody>
+      </p:sp>
+      <p:sp>
+        <p:nvSpPr>
+          <p:cNvPr id="6" name="Slide Number Placeholder 5"/>
+          <p:cNvSpPr>
+            <a:spLocks noGrp="1"/>
+          </p:cNvSpPr>
+          <p:nvPr>
+            <p:ph type="sldNum" sz="quarter" idx="12"/>
+          </p:nvPr>
+        </p:nvSpPr>
+        <p:spPr>
+          <a:xfrm>
+            <a:off x="10558300" y="5956137"/>
+            <a:ext cx="1052508" cy="365125"/>
+          </a:xfrm>
+        </p:spPr>
+        <p:txBody>
+          <a:bodyPr/>
+          <a:lstStyle/>
+          <a:p>
+            <a:fld id="{D57F1E4F-1CFF-5643-939E-217C01CDF565}" type="slidenum">
+              <a:rPr lang="en-US" smtClean="0"/>
+              <a:pPr/>
+              <a:t>‹#›</a:t>
+            </a:fld>
+            <a:endParaRPr lang="en-US" dirty="0"/>
+          </a:p>
+        </p:txBody>
+      </p:sp>
+    </p:spTree>
+    <p:extLst>
+      <p:ext uri="{BB962C8B-B14F-4D97-AF65-F5344CB8AC3E}">
+        <p14:creationId xmlns:p14="http://schemas.microsoft.com/office/powerpoint/2010/main" val="4085553681"/>
+      </p:ext>
+    </p:extLst>
+  </p:cSld>
+  <p:clrMapOvr>
+    <a:masterClrMapping/>
+  </p:clrMapOvr>
+</p:sldLayout>
+</file>
+
+<file path=ppt/slideLayouts/slideLayout3.xml><?xml version="1.0" encoding="utf-8"?>
+<p:sldLayout xmlns:a="http://schemas.openxmlformats.org/drawingml/2006/main" xmlns:r="http://schemas.openxmlformats.org/officeDocument/2006/relationships" xmlns:p="http://schemas.openxmlformats.org/presentationml/2006/main" type="secHead" preserve="1">
+  <p:cSld name="Section Header">
+    <p:spTree>
+      <p:nvGrpSpPr>
+        <p:cNvPr id="1" name=""/>
+        <p:cNvGrpSpPr/>
+        <p:nvPr/>
+      </p:nvGrpSpPr>
+      <p:grpSpPr>
+        <a:xfrm>
+          <a:off x="0" y="0"/>
+          <a:ext cx="0" cy="0"/>
+          <a:chOff x="0" y="0"/>
+          <a:chExt cx="0" cy="0"/>
+        </a:xfrm>
+      </p:grpSpPr>
+      <p:sp>
+        <p:nvSpPr>
+          <p:cNvPr id="8" name="Rectangle 7"/>
+          <p:cNvSpPr>
+            <a:spLocks noChangeAspect="1"/>
+          </p:cNvSpPr>
+          <p:nvPr/>
+        </p:nvSpPr>
+        <p:spPr>
+          <a:xfrm>
+            <a:off x="447817" y="5141974"/>
+            <a:ext cx="11290860" cy="1258827"/>
+          </a:xfrm>
+          <a:prstGeom prst="rect">
+            <a:avLst/>
+          </a:prstGeom>
+          <a:solidFill>
+            <a:schemeClr val="accent1"/>
+          </a:solidFill>
+          <a:ln>
+            <a:noFill/>
+          </a:ln>
+          <a:effectLst/>
+        </p:spPr>
+        <p:style>
+          <a:lnRef idx="1">
+            <a:schemeClr val="accent1"/>
+          </a:lnRef>
+          <a:fillRef idx="3">
+            <a:schemeClr val="accent1"/>
+          </a:fillRef>
+          <a:effectRef idx="2">
+            <a:schemeClr val="accent1"/>
+          </a:effectRef>
+          <a:fontRef idx="minor">
+            <a:schemeClr val="lt1"/>
+          </a:fontRef>
+        </p:style>
+      </p:sp>
+      <p:sp>
+        <p:nvSpPr>
+          <p:cNvPr id="2" name="Title 1"/>
+          <p:cNvSpPr>
+            <a:spLocks noGrp="1"/>
+          </p:cNvSpPr>
+          <p:nvPr>
+            <p:ph type="title"/>
+          </p:nvPr>
+        </p:nvSpPr>
+        <p:spPr>
+          <a:xfrm>
+            <a:off x="581193" y="3043910"/>
+            <a:ext cx="11029615" cy="1497507"/>
+          </a:xfrm>
+        </p:spPr>
+        <p:txBody>
+          <a:bodyPr anchor="b">
+            <a:normAutofit/>
+          </a:bodyPr>
           <a:lstStyle>
             <a:lvl1pPr algn="l">
-              <a:defRPr sz="4200" b="1" cap="none"/>
+              <a:defRPr sz="3600" b="0" cap="all">
+                <a:solidFill>
+                  <a:schemeClr val="accent1"/>
+                </a:solidFill>
+              </a:defRPr>
             </a:lvl1pPr>
           </a:lstStyle>
           <a:p>
@@ -7093,20 +7326,20 @@
         </p:nvSpPr>
         <p:spPr>
           <a:xfrm>
-            <a:off x="853190" y="4443680"/>
-            <a:ext cx="5891636" cy="713241"/>
+            <a:off x="581192" y="4541417"/>
+            <a:ext cx="11029615" cy="600556"/>
           </a:xfrm>
         </p:spPr>
         <p:txBody>
           <a:bodyPr anchor="t">
-            <a:noAutofit/>
+            <a:normAutofit/>
           </a:bodyPr>
           <a:lstStyle>
             <a:lvl1pPr marL="0" indent="0" algn="l">
               <a:buNone/>
-              <a:defRPr sz="1800">
+              <a:defRPr sz="1800" cap="all">
                 <a:solidFill>
-                  <a:schemeClr val="tx1"/>
+                  <a:schemeClr val="accent2"/>
                 </a:solidFill>
               </a:defRPr>
             </a:lvl1pPr>
@@ -7202,40 +7435,6 @@
       </p:sp>
       <p:sp>
         <p:nvSpPr>
-          <p:cNvPr id="9" name="Text Placeholder 5"/>
-          <p:cNvSpPr>
-            <a:spLocks noGrp="1"/>
-          </p:cNvSpPr>
-          <p:nvPr>
-            <p:ph type="body" sz="quarter" idx="16"/>
-          </p:nvPr>
-        </p:nvSpPr>
-        <p:spPr>
-          <a:xfrm>
-            <a:off x="7574642" y="1081456"/>
-            <a:ext cx="3810001" cy="4075465"/>
-          </a:xfrm>
-        </p:spPr>
-        <p:txBody>
-          <a:bodyPr anchor="t"/>
-          <a:lstStyle>
-            <a:lvl1pPr marL="0" indent="0">
-              <a:buFontTx/>
-              <a:buNone/>
-              <a:defRPr/>
-            </a:lvl1pPr>
-          </a:lstStyle>
-          <a:p>
-            <a:pPr lvl="0"/>
-            <a:r>
-              <a:rPr lang="en-US"/>
-              <a:t>Edit Master text styles</a:t>
-            </a:r>
-          </a:p>
-        </p:txBody>
-      </p:sp>
-      <p:sp>
-        <p:nvSpPr>
           <p:cNvPr id="4" name="Date Placeholder 3"/>
           <p:cNvSpPr>
             <a:spLocks noGrp="1"/>
@@ -7247,10 +7446,21 @@
         <p:spPr/>
         <p:txBody>
           <a:bodyPr/>
-          <a:lstStyle/>
+          <a:lstStyle>
+            <a:lvl1pPr>
+              <a:defRPr>
+                <a:solidFill>
+                  <a:schemeClr val="accent1">
+                    <a:lumMod val="75000"/>
+                    <a:lumOff val="25000"/>
+                  </a:schemeClr>
+                </a:solidFill>
+              </a:defRPr>
+            </a:lvl1pPr>
+          </a:lstStyle>
           <a:p>
             <a:fld id="{8DFA1846-DA80-1C48-A609-854EA85C59AD}" type="datetimeFigureOut">
-              <a:rPr lang="en-US" dirty="0"/>
+              <a:rPr lang="en-US" smtClean="0"/>
               <a:pPr/>
               <a:t>5/30/18</a:t>
             </a:fld>
@@ -7271,7 +7481,18 @@
         <p:spPr/>
         <p:txBody>
           <a:bodyPr/>
-          <a:lstStyle/>
+          <a:lstStyle>
+            <a:lvl1pPr>
+              <a:defRPr>
+                <a:solidFill>
+                  <a:schemeClr val="accent1">
+                    <a:lumMod val="75000"/>
+                    <a:lumOff val="25000"/>
+                  </a:schemeClr>
+                </a:solidFill>
+              </a:defRPr>
+            </a:lvl1pPr>
+          </a:lstStyle>
           <a:p>
             <a:endParaRPr lang="en-US" dirty="0"/>
           </a:p>
@@ -7290,10 +7511,21 @@
         <p:spPr/>
         <p:txBody>
           <a:bodyPr/>
-          <a:lstStyle/>
+          <a:lstStyle>
+            <a:lvl1pPr>
+              <a:defRPr>
+                <a:solidFill>
+                  <a:schemeClr val="accent1">
+                    <a:lumMod val="75000"/>
+                    <a:lumOff val="25000"/>
+                  </a:schemeClr>
+                </a:solidFill>
+              </a:defRPr>
+            </a:lvl1pPr>
+          </a:lstStyle>
           <a:p>
             <a:fld id="{D57F1E4F-1CFF-5643-939E-217C01CDF565}" type="slidenum">
-              <a:rPr lang="en-US" dirty="0"/>
+              <a:rPr lang="en-US" smtClean="0"/>
               <a:pPr/>
               <a:t>‹#›</a:t>
             </a:fld>
@@ -7302,6 +7534,11 @@
         </p:txBody>
       </p:sp>
     </p:spTree>
+    <p:extLst>
+      <p:ext uri="{BB962C8B-B14F-4D97-AF65-F5344CB8AC3E}">
+        <p14:creationId xmlns:p14="http://schemas.microsoft.com/office/powerpoint/2010/main" val="3603804389"/>
+      </p:ext>
+    </p:extLst>
   </p:cSld>
   <p:clrMapOvr>
     <a:masterClrMapping/>
@@ -7309,9 +7546,9 @@
 </p:sldLayout>
 </file>
 
-<file path=ppt/slideLayouts/slideLayout12.xml><?xml version="1.0" encoding="utf-8"?>
-<p:sldLayout xmlns:a="http://schemas.openxmlformats.org/drawingml/2006/main" xmlns:r="http://schemas.openxmlformats.org/officeDocument/2006/relationships" xmlns:p="http://schemas.openxmlformats.org/presentationml/2006/main" preserve="1">
-  <p:cSld name="Name Card">
+<file path=ppt/slideLayouts/slideLayout4.xml><?xml version="1.0" encoding="utf-8"?>
+<p:sldLayout xmlns:a="http://schemas.openxmlformats.org/drawingml/2006/main" xmlns:r="http://schemas.openxmlformats.org/officeDocument/2006/relationships" xmlns:p="http://schemas.openxmlformats.org/presentationml/2006/main" type="twoObj" preserve="1">
+  <p:cSld name="Two Content">
     <p:spTree>
       <p:nvGrpSpPr>
         <p:cNvPr id="1" name=""/>
@@ -7328,1009 +7565,27 @@
       </p:grpSpPr>
       <p:sp>
         <p:nvSpPr>
-          <p:cNvPr id="9" name="Freeform 6"/>
+          <p:cNvPr id="8" name="Rectangle 7"/>
           <p:cNvSpPr>
             <a:spLocks noChangeAspect="1"/>
           </p:cNvSpPr>
           <p:nvPr/>
         </p:nvSpPr>
-        <p:spPr bwMode="auto">
-          <a:xfrm>
-            <a:off x="1140884" y="2286585"/>
-            <a:ext cx="4895115" cy="2503972"/>
-          </a:xfrm>
-          <a:custGeom>
-            <a:avLst/>
-            <a:gdLst/>
-            <a:ahLst/>
-            <a:cxnLst/>
-            <a:rect l="0" t="0" r="r" b="b"/>
-            <a:pathLst>
-              <a:path w="3384" h="2308">
-                <a:moveTo>
-                  <a:pt x="3340" y="0"/>
-                </a:moveTo>
-                <a:lnTo>
-                  <a:pt x="44" y="0"/>
-                </a:lnTo>
-                <a:lnTo>
-                  <a:pt x="44" y="0"/>
-                </a:lnTo>
-                <a:lnTo>
-                  <a:pt x="34" y="0"/>
-                </a:lnTo>
-                <a:lnTo>
-                  <a:pt x="26" y="4"/>
-                </a:lnTo>
-                <a:lnTo>
-                  <a:pt x="20" y="8"/>
-                </a:lnTo>
-                <a:lnTo>
-                  <a:pt x="12" y="12"/>
-                </a:lnTo>
-                <a:lnTo>
-                  <a:pt x="8" y="20"/>
-                </a:lnTo>
-                <a:lnTo>
-                  <a:pt x="4" y="26"/>
-                </a:lnTo>
-                <a:lnTo>
-                  <a:pt x="0" y="34"/>
-                </a:lnTo>
-                <a:lnTo>
-                  <a:pt x="0" y="44"/>
-                </a:lnTo>
-                <a:lnTo>
-                  <a:pt x="0" y="2076"/>
-                </a:lnTo>
-                <a:lnTo>
-                  <a:pt x="0" y="2076"/>
-                </a:lnTo>
-                <a:lnTo>
-                  <a:pt x="0" y="2086"/>
-                </a:lnTo>
-                <a:lnTo>
-                  <a:pt x="4" y="2094"/>
-                </a:lnTo>
-                <a:lnTo>
-                  <a:pt x="8" y="2100"/>
-                </a:lnTo>
-                <a:lnTo>
-                  <a:pt x="12" y="2108"/>
-                </a:lnTo>
-                <a:lnTo>
-                  <a:pt x="20" y="2112"/>
-                </a:lnTo>
-                <a:lnTo>
-                  <a:pt x="26" y="2116"/>
-                </a:lnTo>
-                <a:lnTo>
-                  <a:pt x="34" y="2120"/>
-                </a:lnTo>
-                <a:lnTo>
-                  <a:pt x="44" y="2120"/>
-                </a:lnTo>
-                <a:lnTo>
-                  <a:pt x="474" y="2120"/>
-                </a:lnTo>
-                <a:lnTo>
-                  <a:pt x="650" y="2296"/>
-                </a:lnTo>
-                <a:lnTo>
-                  <a:pt x="650" y="2296"/>
-                </a:lnTo>
-                <a:lnTo>
-                  <a:pt x="656" y="2300"/>
-                </a:lnTo>
-                <a:lnTo>
-                  <a:pt x="664" y="2304"/>
-                </a:lnTo>
-                <a:lnTo>
-                  <a:pt x="672" y="2308"/>
-                </a:lnTo>
-                <a:lnTo>
-                  <a:pt x="680" y="2308"/>
-                </a:lnTo>
-                <a:lnTo>
-                  <a:pt x="688" y="2308"/>
-                </a:lnTo>
-                <a:lnTo>
-                  <a:pt x="696" y="2304"/>
-                </a:lnTo>
-                <a:lnTo>
-                  <a:pt x="704" y="2300"/>
-                </a:lnTo>
-                <a:lnTo>
-                  <a:pt x="710" y="2296"/>
-                </a:lnTo>
-                <a:lnTo>
-                  <a:pt x="886" y="2120"/>
-                </a:lnTo>
-                <a:lnTo>
-                  <a:pt x="3340" y="2120"/>
-                </a:lnTo>
-                <a:lnTo>
-                  <a:pt x="3340" y="2120"/>
-                </a:lnTo>
-                <a:lnTo>
-                  <a:pt x="3350" y="2120"/>
-                </a:lnTo>
-                <a:lnTo>
-                  <a:pt x="3358" y="2116"/>
-                </a:lnTo>
-                <a:lnTo>
-                  <a:pt x="3364" y="2112"/>
-                </a:lnTo>
-                <a:lnTo>
-                  <a:pt x="3372" y="2108"/>
-                </a:lnTo>
-                <a:lnTo>
-                  <a:pt x="3376" y="2100"/>
-                </a:lnTo>
-                <a:lnTo>
-                  <a:pt x="3380" y="2094"/>
-                </a:lnTo>
-                <a:lnTo>
-                  <a:pt x="3384" y="2086"/>
-                </a:lnTo>
-                <a:lnTo>
-                  <a:pt x="3384" y="2076"/>
-                </a:lnTo>
-                <a:lnTo>
-                  <a:pt x="3384" y="44"/>
-                </a:lnTo>
-                <a:lnTo>
-                  <a:pt x="3384" y="44"/>
-                </a:lnTo>
-                <a:lnTo>
-                  <a:pt x="3384" y="34"/>
-                </a:lnTo>
-                <a:lnTo>
-                  <a:pt x="3380" y="26"/>
-                </a:lnTo>
-                <a:lnTo>
-                  <a:pt x="3376" y="20"/>
-                </a:lnTo>
-                <a:lnTo>
-                  <a:pt x="3372" y="12"/>
-                </a:lnTo>
-                <a:lnTo>
-                  <a:pt x="3364" y="8"/>
-                </a:lnTo>
-                <a:lnTo>
-                  <a:pt x="3358" y="4"/>
-                </a:lnTo>
-                <a:lnTo>
-                  <a:pt x="3350" y="0"/>
-                </a:lnTo>
-                <a:lnTo>
-                  <a:pt x="3340" y="0"/>
-                </a:lnTo>
-                <a:lnTo>
-                  <a:pt x="3340" y="0"/>
-                </a:lnTo>
-                <a:close/>
-              </a:path>
-            </a:pathLst>
-          </a:custGeom>
-          <a:ln>
-            <a:solidFill>
-              <a:schemeClr val="accent1"/>
-            </a:solidFill>
-          </a:ln>
-        </p:spPr>
-        <p:style>
-          <a:lnRef idx="1">
-            <a:schemeClr val="accent1"/>
-          </a:lnRef>
-          <a:fillRef idx="3">
-            <a:schemeClr val="accent1"/>
-          </a:fillRef>
-          <a:effectRef idx="2">
-            <a:schemeClr val="accent1"/>
-          </a:effectRef>
-          <a:fontRef idx="minor">
-            <a:schemeClr val="lt1"/>
-          </a:fontRef>
-        </p:style>
-      </p:sp>
-      <p:sp>
-        <p:nvSpPr>
-          <p:cNvPr id="38" name="Title 1"/>
-          <p:cNvSpPr>
-            <a:spLocks noGrp="1"/>
-          </p:cNvSpPr>
-          <p:nvPr>
-            <p:ph type="title"/>
-          </p:nvPr>
-        </p:nvSpPr>
         <p:spPr>
           <a:xfrm>
-            <a:off x="1357089" y="2435957"/>
-            <a:ext cx="4382521" cy="2007789"/>
+            <a:off x="445982" y="606554"/>
+            <a:ext cx="11300036" cy="1258827"/>
           </a:xfrm>
-        </p:spPr>
-        <p:txBody>
-          <a:bodyPr/>
-          <a:lstStyle>
-            <a:lvl1pPr>
-              <a:defRPr sz="3200"/>
-            </a:lvl1pPr>
-          </a:lstStyle>
-          <a:p>
-            <a:r>
-              <a:rPr lang="en-US"/>
-              <a:t>Click to edit Master title style</a:t>
-            </a:r>
-            <a:endParaRPr lang="en-US" dirty="0"/>
-          </a:p>
-        </p:txBody>
-      </p:sp>
-      <p:sp>
-        <p:nvSpPr>
-          <p:cNvPr id="6" name="Text Placeholder 5"/>
-          <p:cNvSpPr>
-            <a:spLocks noGrp="1"/>
-          </p:cNvSpPr>
-          <p:nvPr>
-            <p:ph type="body" sz="quarter" idx="16"/>
-          </p:nvPr>
-        </p:nvSpPr>
-        <p:spPr>
-          <a:xfrm>
-            <a:off x="6156000" y="2286000"/>
-            <a:ext cx="4880300" cy="2295525"/>
-          </a:xfrm>
-        </p:spPr>
-        <p:txBody>
-          <a:bodyPr anchor="t"/>
-          <a:lstStyle>
-            <a:lvl1pPr marL="0" indent="0">
-              <a:buFontTx/>
-              <a:buNone/>
-              <a:defRPr/>
-            </a:lvl1pPr>
-          </a:lstStyle>
-          <a:p>
-            <a:pPr lvl="0"/>
-            <a:r>
-              <a:rPr lang="en-US"/>
-              <a:t>Edit Master text styles</a:t>
-            </a:r>
-          </a:p>
-        </p:txBody>
-      </p:sp>
-      <p:sp>
-        <p:nvSpPr>
-          <p:cNvPr id="2" name="Date Placeholder 1"/>
-          <p:cNvSpPr>
-            <a:spLocks noGrp="1"/>
-          </p:cNvSpPr>
-          <p:nvPr>
-            <p:ph type="dt" sz="half" idx="10"/>
-          </p:nvPr>
-        </p:nvSpPr>
-        <p:spPr/>
-        <p:txBody>
-          <a:bodyPr/>
-          <a:lstStyle/>
-          <a:p>
-            <a:fld id="{FBF54567-0DE4-3F47-BF90-CB84690072F9}" type="datetimeFigureOut">
-              <a:rPr lang="en-US" dirty="0"/>
-              <a:pPr/>
-              <a:t>5/30/18</a:t>
-            </a:fld>
-            <a:endParaRPr lang="en-US" dirty="0"/>
-          </a:p>
-        </p:txBody>
-      </p:sp>
-      <p:sp>
-        <p:nvSpPr>
-          <p:cNvPr id="3" name="Footer Placeholder 2"/>
-          <p:cNvSpPr>
-            <a:spLocks noGrp="1"/>
-          </p:cNvSpPr>
-          <p:nvPr>
-            <p:ph type="ftr" sz="quarter" idx="11"/>
-          </p:nvPr>
-        </p:nvSpPr>
-        <p:spPr/>
-        <p:txBody>
-          <a:bodyPr/>
-          <a:lstStyle/>
-          <a:p>
-            <a:endParaRPr lang="en-US" dirty="0"/>
-          </a:p>
-        </p:txBody>
-      </p:sp>
-      <p:sp>
-        <p:nvSpPr>
-          <p:cNvPr id="4" name="Slide Number Placeholder 3"/>
-          <p:cNvSpPr>
-            <a:spLocks noGrp="1"/>
-          </p:cNvSpPr>
-          <p:nvPr>
-            <p:ph type="sldNum" sz="quarter" idx="12"/>
-          </p:nvPr>
-        </p:nvSpPr>
-        <p:spPr/>
-        <p:txBody>
-          <a:bodyPr/>
-          <a:lstStyle/>
-          <a:p>
-            <a:fld id="{D57F1E4F-1CFF-5643-939E-217C01CDF565}" type="slidenum">
-              <a:rPr lang="en-US" dirty="0"/>
-              <a:pPr/>
-              <a:t>‹#›</a:t>
-            </a:fld>
-            <a:endParaRPr lang="en-US" dirty="0"/>
-          </a:p>
-        </p:txBody>
-      </p:sp>
-    </p:spTree>
-  </p:cSld>
-  <p:clrMapOvr>
-    <a:masterClrMapping/>
-  </p:clrMapOvr>
-</p:sldLayout>
-</file>
-
-<file path=ppt/slideLayouts/slideLayout13.xml><?xml version="1.0" encoding="utf-8"?>
-<p:sldLayout xmlns:a="http://schemas.openxmlformats.org/drawingml/2006/main" xmlns:r="http://schemas.openxmlformats.org/officeDocument/2006/relationships" xmlns:p="http://schemas.openxmlformats.org/presentationml/2006/main" type="vertTx" preserve="1">
-  <p:cSld name="Title and Vertical Text">
-    <p:spTree>
-      <p:nvGrpSpPr>
-        <p:cNvPr id="1" name=""/>
-        <p:cNvGrpSpPr/>
-        <p:nvPr/>
-      </p:nvGrpSpPr>
-      <p:grpSpPr>
-        <a:xfrm>
-          <a:off x="0" y="0"/>
-          <a:ext cx="0" cy="0"/>
-          <a:chOff x="0" y="0"/>
-          <a:chExt cx="0" cy="0"/>
-        </a:xfrm>
-      </p:grpSpPr>
-      <p:sp>
-        <p:nvSpPr>
-          <p:cNvPr id="7" name="Freeform 6"/>
-          <p:cNvSpPr/>
-          <p:nvPr/>
-        </p:nvSpPr>
-        <p:spPr bwMode="auto">
-          <a:xfrm>
-            <a:off x="0" y="0"/>
-            <a:ext cx="12192000" cy="2185988"/>
-          </a:xfrm>
-          <a:custGeom>
+          <a:prstGeom prst="rect">
             <a:avLst/>
-            <a:gdLst/>
-            <a:ahLst/>
-            <a:cxnLst/>
-            <a:rect l="0" t="0" r="r" b="b"/>
-            <a:pathLst>
-              <a:path w="5760" h="1377">
-                <a:moveTo>
-                  <a:pt x="5760" y="0"/>
-                </a:moveTo>
-                <a:lnTo>
-                  <a:pt x="0" y="0"/>
-                </a:lnTo>
-                <a:lnTo>
-                  <a:pt x="0" y="1189"/>
-                </a:lnTo>
-                <a:lnTo>
-                  <a:pt x="943" y="1189"/>
-                </a:lnTo>
-                <a:lnTo>
-                  <a:pt x="1123" y="1369"/>
-                </a:lnTo>
-                <a:lnTo>
-                  <a:pt x="1123" y="1369"/>
-                </a:lnTo>
-                <a:lnTo>
-                  <a:pt x="1127" y="1371"/>
-                </a:lnTo>
-                <a:lnTo>
-                  <a:pt x="1133" y="1374"/>
-                </a:lnTo>
-                <a:lnTo>
-                  <a:pt x="1139" y="1377"/>
-                </a:lnTo>
-                <a:lnTo>
-                  <a:pt x="1144" y="1377"/>
-                </a:lnTo>
-                <a:lnTo>
-                  <a:pt x="1150" y="1377"/>
-                </a:lnTo>
-                <a:lnTo>
-                  <a:pt x="1155" y="1374"/>
-                </a:lnTo>
-                <a:lnTo>
-                  <a:pt x="1161" y="1371"/>
-                </a:lnTo>
-                <a:lnTo>
-                  <a:pt x="1165" y="1369"/>
-                </a:lnTo>
-                <a:lnTo>
-                  <a:pt x="1345" y="1189"/>
-                </a:lnTo>
-                <a:lnTo>
-                  <a:pt x="5760" y="1189"/>
-                </a:lnTo>
-                <a:lnTo>
-                  <a:pt x="5760" y="0"/>
-                </a:lnTo>
-                <a:close/>
-              </a:path>
-            </a:pathLst>
-          </a:custGeom>
-          <a:ln/>
-          <a:extLst>
-            <a:ext uri="{91240B29-F687-4f45-9708-019B960494DF}">
-              <a14:hiddenLine xmlns="" xmlns:a14="http://schemas.microsoft.com/office/drawing/2010/main" w="9525">
-                <a:solidFill>
-                  <a:srgbClr val="000000"/>
-                </a:solidFill>
-                <a:round/>
-                <a:headEnd/>
-                <a:tailEnd/>
-              </a14:hiddenLine>
-            </a:ext>
-          </a:extLst>
-        </p:spPr>
-        <p:style>
-          <a:lnRef idx="1">
+          </a:prstGeom>
+          <a:solidFill>
             <a:schemeClr val="accent1"/>
-          </a:lnRef>
-          <a:fillRef idx="3">
-            <a:schemeClr val="accent1"/>
-          </a:fillRef>
-          <a:effectRef idx="2">
-            <a:schemeClr val="accent1"/>
-          </a:effectRef>
-          <a:fontRef idx="minor">
-            <a:schemeClr val="lt1"/>
-          </a:fontRef>
-        </p:style>
-      </p:sp>
-      <p:sp>
-        <p:nvSpPr>
-          <p:cNvPr id="2" name="Title 1"/>
-          <p:cNvSpPr>
-            <a:spLocks noGrp="1"/>
-          </p:cNvSpPr>
-          <p:nvPr>
-            <p:ph type="title"/>
-          </p:nvPr>
-        </p:nvSpPr>
-        <p:spPr/>
-        <p:txBody>
-          <a:bodyPr/>
-          <a:lstStyle/>
-          <a:p>
-            <a:r>
-              <a:rPr lang="en-US"/>
-              <a:t>Click to edit Master title style</a:t>
-            </a:r>
-            <a:endParaRPr lang="en-US" dirty="0"/>
-          </a:p>
-        </p:txBody>
-      </p:sp>
-      <p:sp>
-        <p:nvSpPr>
-          <p:cNvPr id="3" name="Vertical Text Placeholder 2"/>
-          <p:cNvSpPr>
-            <a:spLocks noGrp="1"/>
-          </p:cNvSpPr>
-          <p:nvPr>
-            <p:ph type="body" orient="vert" idx="1"/>
-          </p:nvPr>
-        </p:nvSpPr>
-        <p:spPr/>
-        <p:txBody>
-          <a:bodyPr vert="eaVert" anchor="t"/>
-          <a:lstStyle/>
-          <a:p>
-            <a:pPr lvl="0"/>
-            <a:r>
-              <a:rPr lang="en-US"/>
-              <a:t>Edit Master text styles</a:t>
-            </a:r>
-          </a:p>
-          <a:p>
-            <a:pPr lvl="1"/>
-            <a:r>
-              <a:rPr lang="en-US"/>
-              <a:t>Second level</a:t>
-            </a:r>
-          </a:p>
-          <a:p>
-            <a:pPr lvl="2"/>
-            <a:r>
-              <a:rPr lang="en-US"/>
-              <a:t>Third level</a:t>
-            </a:r>
-          </a:p>
-          <a:p>
-            <a:pPr lvl="3"/>
-            <a:r>
-              <a:rPr lang="en-US"/>
-              <a:t>Fourth level</a:t>
-            </a:r>
-          </a:p>
-          <a:p>
-            <a:pPr lvl="4"/>
-            <a:r>
-              <a:rPr lang="en-US"/>
-              <a:t>Fifth level</a:t>
-            </a:r>
-            <a:endParaRPr lang="en-US" dirty="0"/>
-          </a:p>
-        </p:txBody>
-      </p:sp>
-      <p:sp>
-        <p:nvSpPr>
-          <p:cNvPr id="4" name="Date Placeholder 3"/>
-          <p:cNvSpPr>
-            <a:spLocks noGrp="1"/>
-          </p:cNvSpPr>
-          <p:nvPr>
-            <p:ph type="dt" sz="half" idx="10"/>
-          </p:nvPr>
-        </p:nvSpPr>
-        <p:spPr/>
-        <p:txBody>
-          <a:bodyPr/>
-          <a:lstStyle/>
-          <a:p>
-            <a:fld id="{C6C52C72-DE31-F449-A4ED-4C594FD91407}" type="datetimeFigureOut">
-              <a:rPr lang="en-US" dirty="0"/>
-              <a:pPr/>
-              <a:t>5/30/18</a:t>
-            </a:fld>
-            <a:endParaRPr lang="en-US" dirty="0"/>
-          </a:p>
-        </p:txBody>
-      </p:sp>
-      <p:sp>
-        <p:nvSpPr>
-          <p:cNvPr id="5" name="Footer Placeholder 4"/>
-          <p:cNvSpPr>
-            <a:spLocks noGrp="1"/>
-          </p:cNvSpPr>
-          <p:nvPr>
-            <p:ph type="ftr" sz="quarter" idx="11"/>
-          </p:nvPr>
-        </p:nvSpPr>
-        <p:spPr/>
-        <p:txBody>
-          <a:bodyPr/>
-          <a:lstStyle/>
-          <a:p>
-            <a:endParaRPr lang="en-US" dirty="0"/>
-          </a:p>
-        </p:txBody>
-      </p:sp>
-      <p:sp>
-        <p:nvSpPr>
-          <p:cNvPr id="6" name="Slide Number Placeholder 5"/>
-          <p:cNvSpPr>
-            <a:spLocks noGrp="1"/>
-          </p:cNvSpPr>
-          <p:nvPr>
-            <p:ph type="sldNum" sz="quarter" idx="12"/>
-          </p:nvPr>
-        </p:nvSpPr>
-        <p:spPr/>
-        <p:txBody>
-          <a:bodyPr/>
-          <a:lstStyle/>
-          <a:p>
-            <a:fld id="{D57F1E4F-1CFF-5643-939E-217C01CDF565}" type="slidenum">
-              <a:rPr lang="en-US" dirty="0"/>
-              <a:pPr/>
-              <a:t>‹#›</a:t>
-            </a:fld>
-            <a:endParaRPr lang="en-US" dirty="0"/>
-          </a:p>
-        </p:txBody>
-      </p:sp>
-    </p:spTree>
-  </p:cSld>
-  <p:clrMapOvr>
-    <a:masterClrMapping/>
-  </p:clrMapOvr>
-</p:sldLayout>
-</file>
-
-<file path=ppt/slideLayouts/slideLayout14.xml><?xml version="1.0" encoding="utf-8"?>
-<p:sldLayout xmlns:a="http://schemas.openxmlformats.org/drawingml/2006/main" xmlns:r="http://schemas.openxmlformats.org/officeDocument/2006/relationships" xmlns:p="http://schemas.openxmlformats.org/presentationml/2006/main" type="vertTitleAndTx" preserve="1">
-  <p:cSld name="Vertical Title and Text">
-    <p:spTree>
-      <p:nvGrpSpPr>
-        <p:cNvPr id="1" name=""/>
-        <p:cNvGrpSpPr/>
-        <p:nvPr/>
-      </p:nvGrpSpPr>
-      <p:grpSpPr>
-        <a:xfrm>
-          <a:off x="0" y="0"/>
-          <a:ext cx="0" cy="0"/>
-          <a:chOff x="0" y="0"/>
-          <a:chExt cx="0" cy="0"/>
-        </a:xfrm>
-      </p:grpSpPr>
-      <p:sp>
-        <p:nvSpPr>
-          <p:cNvPr id="12" name="Freeform 6"/>
-          <p:cNvSpPr>
-            <a:spLocks noChangeAspect="1"/>
-          </p:cNvSpPr>
-          <p:nvPr/>
-        </p:nvSpPr>
-        <p:spPr bwMode="auto">
-          <a:xfrm>
-            <a:off x="7669651" y="446089"/>
-            <a:ext cx="4522349" cy="5414962"/>
-          </a:xfrm>
-          <a:custGeom>
-            <a:avLst/>
-            <a:gdLst/>
-            <a:ahLst/>
-            <a:cxnLst/>
-            <a:rect l="0" t="0" r="r" b="b"/>
-            <a:pathLst>
-              <a:path w="2879" h="4320">
-                <a:moveTo>
-                  <a:pt x="183" y="0"/>
-                </a:moveTo>
-                <a:lnTo>
-                  <a:pt x="183" y="1197"/>
-                </a:lnTo>
-                <a:lnTo>
-                  <a:pt x="8" y="1372"/>
-                </a:lnTo>
-                <a:lnTo>
-                  <a:pt x="8" y="1372"/>
-                </a:lnTo>
-                <a:lnTo>
-                  <a:pt x="6" y="1376"/>
-                </a:lnTo>
-                <a:lnTo>
-                  <a:pt x="3" y="1382"/>
-                </a:lnTo>
-                <a:lnTo>
-                  <a:pt x="0" y="1387"/>
-                </a:lnTo>
-                <a:lnTo>
-                  <a:pt x="0" y="1393"/>
-                </a:lnTo>
-                <a:lnTo>
-                  <a:pt x="0" y="1399"/>
-                </a:lnTo>
-                <a:lnTo>
-                  <a:pt x="3" y="1404"/>
-                </a:lnTo>
-                <a:lnTo>
-                  <a:pt x="6" y="1410"/>
-                </a:lnTo>
-                <a:lnTo>
-                  <a:pt x="8" y="1414"/>
-                </a:lnTo>
-                <a:lnTo>
-                  <a:pt x="183" y="1589"/>
-                </a:lnTo>
-                <a:lnTo>
-                  <a:pt x="183" y="4320"/>
-                </a:lnTo>
-                <a:lnTo>
-                  <a:pt x="2879" y="4320"/>
-                </a:lnTo>
-                <a:lnTo>
-                  <a:pt x="2879" y="0"/>
-                </a:lnTo>
-                <a:lnTo>
-                  <a:pt x="183" y="0"/>
-                </a:lnTo>
-                <a:close/>
-              </a:path>
-            </a:pathLst>
-          </a:custGeom>
-          <a:ln/>
-          <a:extLst>
-            <a:ext uri="{91240B29-F687-4f45-9708-019B960494DF}">
-              <a14:hiddenLine xmlns="" xmlns:a14="http://schemas.microsoft.com/office/drawing/2010/main" w="9525">
-                <a:solidFill>
-                  <a:srgbClr val="000000"/>
-                </a:solidFill>
-                <a:round/>
-                <a:headEnd/>
-                <a:tailEnd/>
-              </a14:hiddenLine>
-            </a:ext>
-          </a:extLst>
-        </p:spPr>
-        <p:style>
-          <a:lnRef idx="1">
-            <a:schemeClr val="accent1"/>
-          </a:lnRef>
-          <a:fillRef idx="3">
-            <a:schemeClr val="accent1"/>
-          </a:fillRef>
-          <a:effectRef idx="2">
-            <a:schemeClr val="accent1"/>
-          </a:effectRef>
-          <a:fontRef idx="minor">
-            <a:schemeClr val="lt1"/>
-          </a:fontRef>
-        </p:style>
-      </p:sp>
-      <p:sp>
-        <p:nvSpPr>
-          <p:cNvPr id="2" name="Vertical Title 1"/>
-          <p:cNvSpPr>
-            <a:spLocks noGrp="1"/>
-          </p:cNvSpPr>
-          <p:nvPr>
-            <p:ph type="title" orient="vert"/>
-          </p:nvPr>
-        </p:nvSpPr>
-        <p:spPr>
-          <a:xfrm>
-            <a:off x="8183540" y="586171"/>
-            <a:ext cx="2494791" cy="5134798"/>
-          </a:xfrm>
-        </p:spPr>
-        <p:txBody>
-          <a:bodyPr vert="eaVert"/>
-          <a:lstStyle/>
-          <a:p>
-            <a:r>
-              <a:rPr lang="en-US"/>
-              <a:t>Click to edit Master title style</a:t>
-            </a:r>
-            <a:endParaRPr lang="en-US" dirty="0"/>
-          </a:p>
-        </p:txBody>
-      </p:sp>
-      <p:sp>
-        <p:nvSpPr>
-          <p:cNvPr id="3" name="Vertical Text Placeholder 2"/>
-          <p:cNvSpPr>
-            <a:spLocks noGrp="1"/>
-          </p:cNvSpPr>
-          <p:nvPr>
-            <p:ph type="body" orient="vert" idx="1"/>
-          </p:nvPr>
-        </p:nvSpPr>
-        <p:spPr>
-          <a:xfrm>
-            <a:off x="810001" y="446089"/>
-            <a:ext cx="6611540" cy="5414962"/>
-          </a:xfrm>
-        </p:spPr>
-        <p:txBody>
-          <a:bodyPr vert="eaVert" anchor="t"/>
-          <a:lstStyle/>
-          <a:p>
-            <a:pPr lvl="0"/>
-            <a:r>
-              <a:rPr lang="en-US"/>
-              <a:t>Edit Master text styles</a:t>
-            </a:r>
-          </a:p>
-          <a:p>
-            <a:pPr lvl="1"/>
-            <a:r>
-              <a:rPr lang="en-US"/>
-              <a:t>Second level</a:t>
-            </a:r>
-          </a:p>
-          <a:p>
-            <a:pPr lvl="2"/>
-            <a:r>
-              <a:rPr lang="en-US"/>
-              <a:t>Third level</a:t>
-            </a:r>
-          </a:p>
-          <a:p>
-            <a:pPr lvl="3"/>
-            <a:r>
-              <a:rPr lang="en-US"/>
-              <a:t>Fourth level</a:t>
-            </a:r>
-          </a:p>
-          <a:p>
-            <a:pPr lvl="4"/>
-            <a:r>
-              <a:rPr lang="en-US"/>
-              <a:t>Fifth level</a:t>
-            </a:r>
-            <a:endParaRPr lang="en-US" dirty="0"/>
-          </a:p>
-        </p:txBody>
-      </p:sp>
-      <p:sp>
-        <p:nvSpPr>
-          <p:cNvPr id="4" name="Date Placeholder 3"/>
-          <p:cNvSpPr>
-            <a:spLocks noGrp="1"/>
-          </p:cNvSpPr>
-          <p:nvPr>
-            <p:ph type="dt" sz="half" idx="10"/>
-          </p:nvPr>
-        </p:nvSpPr>
-        <p:spPr/>
-        <p:txBody>
-          <a:bodyPr/>
-          <a:lstStyle/>
-          <a:p>
-            <a:fld id="{ED62726E-379B-B349-9EED-81ED093FA806}" type="datetimeFigureOut">
-              <a:rPr lang="en-US" dirty="0"/>
-              <a:pPr/>
-              <a:t>5/30/18</a:t>
-            </a:fld>
-            <a:endParaRPr lang="en-US" dirty="0"/>
-          </a:p>
-        </p:txBody>
-      </p:sp>
-      <p:sp>
-        <p:nvSpPr>
-          <p:cNvPr id="5" name="Footer Placeholder 4"/>
-          <p:cNvSpPr>
-            <a:spLocks noGrp="1"/>
-          </p:cNvSpPr>
-          <p:nvPr>
-            <p:ph type="ftr" sz="quarter" idx="11"/>
-          </p:nvPr>
-        </p:nvSpPr>
-        <p:spPr/>
-        <p:txBody>
-          <a:bodyPr/>
-          <a:lstStyle/>
-          <a:p>
-            <a:endParaRPr lang="en-US" dirty="0"/>
-          </a:p>
-        </p:txBody>
-      </p:sp>
-      <p:sp>
-        <p:nvSpPr>
-          <p:cNvPr id="6" name="Slide Number Placeholder 5"/>
-          <p:cNvSpPr>
-            <a:spLocks noGrp="1"/>
-          </p:cNvSpPr>
-          <p:nvPr>
-            <p:ph type="sldNum" sz="quarter" idx="12"/>
-          </p:nvPr>
-        </p:nvSpPr>
-        <p:spPr/>
-        <p:txBody>
-          <a:bodyPr/>
-          <a:lstStyle/>
-          <a:p>
-            <a:fld id="{D57F1E4F-1CFF-5643-939E-217C01CDF565}" type="slidenum">
-              <a:rPr lang="en-US" dirty="0"/>
-              <a:pPr/>
-              <a:t>‹#›</a:t>
-            </a:fld>
-            <a:endParaRPr lang="en-US" dirty="0"/>
-          </a:p>
-        </p:txBody>
-      </p:sp>
-    </p:spTree>
-  </p:cSld>
-  <p:clrMapOvr>
-    <a:masterClrMapping/>
-  </p:clrMapOvr>
-</p:sldLayout>
-</file>
-
-<file path=ppt/slideLayouts/slideLayout2.xml><?xml version="1.0" encoding="utf-8"?>
-<p:sldLayout xmlns:a="http://schemas.openxmlformats.org/drawingml/2006/main" xmlns:r="http://schemas.openxmlformats.org/officeDocument/2006/relationships" xmlns:p="http://schemas.openxmlformats.org/presentationml/2006/main" type="obj" preserve="1">
-  <p:cSld name="Title and Content">
-    <p:spTree>
-      <p:nvGrpSpPr>
-        <p:cNvPr id="1" name=""/>
-        <p:cNvGrpSpPr/>
-        <p:nvPr/>
-      </p:nvGrpSpPr>
-      <p:grpSpPr>
-        <a:xfrm>
-          <a:off x="0" y="0"/>
-          <a:ext cx="0" cy="0"/>
-          <a:chOff x="0" y="0"/>
-          <a:chExt cx="0" cy="0"/>
-        </a:xfrm>
-      </p:grpSpPr>
-      <p:sp>
-        <p:nvSpPr>
-          <p:cNvPr id="11" name="Freeform 6"/>
-          <p:cNvSpPr/>
-          <p:nvPr/>
-        </p:nvSpPr>
-        <p:spPr bwMode="auto">
-          <a:xfrm>
-            <a:off x="0" y="0"/>
-            <a:ext cx="12192000" cy="2185988"/>
-          </a:xfrm>
-          <a:custGeom>
-            <a:avLst/>
-            <a:gdLst/>
-            <a:ahLst/>
-            <a:cxnLst/>
-            <a:rect l="0" t="0" r="r" b="b"/>
-            <a:pathLst>
-              <a:path w="5760" h="1377">
-                <a:moveTo>
-                  <a:pt x="5760" y="0"/>
-                </a:moveTo>
-                <a:lnTo>
-                  <a:pt x="0" y="0"/>
-                </a:lnTo>
-                <a:lnTo>
-                  <a:pt x="0" y="1189"/>
-                </a:lnTo>
-                <a:lnTo>
-                  <a:pt x="943" y="1189"/>
-                </a:lnTo>
-                <a:lnTo>
-                  <a:pt x="1123" y="1369"/>
-                </a:lnTo>
-                <a:lnTo>
-                  <a:pt x="1123" y="1369"/>
-                </a:lnTo>
-                <a:lnTo>
-                  <a:pt x="1127" y="1371"/>
-                </a:lnTo>
-                <a:lnTo>
-                  <a:pt x="1133" y="1374"/>
-                </a:lnTo>
-                <a:lnTo>
-                  <a:pt x="1139" y="1377"/>
-                </a:lnTo>
-                <a:lnTo>
-                  <a:pt x="1144" y="1377"/>
-                </a:lnTo>
-                <a:lnTo>
-                  <a:pt x="1150" y="1377"/>
-                </a:lnTo>
-                <a:lnTo>
-                  <a:pt x="1155" y="1374"/>
-                </a:lnTo>
-                <a:lnTo>
-                  <a:pt x="1161" y="1371"/>
-                </a:lnTo>
-                <a:lnTo>
-                  <a:pt x="1165" y="1369"/>
-                </a:lnTo>
-                <a:lnTo>
-                  <a:pt x="1345" y="1189"/>
-                </a:lnTo>
-                <a:lnTo>
-                  <a:pt x="5760" y="1189"/>
-                </a:lnTo>
-                <a:lnTo>
-                  <a:pt x="5760" y="0"/>
-                </a:lnTo>
-                <a:close/>
-              </a:path>
-            </a:pathLst>
-          </a:custGeom>
-          <a:ln/>
-          <a:extLst>
-            <a:ext uri="{91240B29-F687-4f45-9708-019B960494DF}">
-              <a14:hiddenLine xmlns="" xmlns:a14="http://schemas.microsoft.com/office/drawing/2010/main" w="9525">
-                <a:solidFill>
-                  <a:srgbClr val="000000"/>
-                </a:solidFill>
-                <a:round/>
-                <a:headEnd/>
-                <a:tailEnd/>
-              </a14:hiddenLine>
-            </a:ext>
-          </a:extLst>
+          </a:solidFill>
+          <a:ln>
+            <a:noFill/>
+          </a:ln>
+          <a:effectLst/>
         </p:spPr>
         <p:style>
           <a:lnRef idx="1">
@@ -8359,625 +7614,10 @@
         </p:nvSpPr>
         <p:spPr>
           <a:xfrm>
-            <a:off x="810000" y="447188"/>
-            <a:ext cx="10571998" cy="970450"/>
+            <a:off x="581193" y="729658"/>
+            <a:ext cx="11029616" cy="988332"/>
           </a:xfrm>
         </p:spPr>
-        <p:txBody>
-          <a:bodyPr/>
-          <a:lstStyle/>
-          <a:p>
-            <a:r>
-              <a:rPr lang="en-US"/>
-              <a:t>Click to edit Master title style</a:t>
-            </a:r>
-            <a:endParaRPr lang="en-US" dirty="0"/>
-          </a:p>
-        </p:txBody>
-      </p:sp>
-      <p:sp>
-        <p:nvSpPr>
-          <p:cNvPr id="3" name="Content Placeholder 2"/>
-          <p:cNvSpPr>
-            <a:spLocks noGrp="1"/>
-          </p:cNvSpPr>
-          <p:nvPr>
-            <p:ph idx="1"/>
-          </p:nvPr>
-        </p:nvSpPr>
-        <p:spPr>
-          <a:xfrm>
-            <a:off x="818712" y="2222287"/>
-            <a:ext cx="10554574" cy="3636511"/>
-          </a:xfrm>
-        </p:spPr>
-        <p:txBody>
-          <a:bodyPr/>
-          <a:lstStyle/>
-          <a:p>
-            <a:pPr lvl="0"/>
-            <a:r>
-              <a:rPr lang="en-US"/>
-              <a:t>Edit Master text styles</a:t>
-            </a:r>
-          </a:p>
-          <a:p>
-            <a:pPr lvl="1"/>
-            <a:r>
-              <a:rPr lang="en-US"/>
-              <a:t>Second level</a:t>
-            </a:r>
-          </a:p>
-          <a:p>
-            <a:pPr lvl="2"/>
-            <a:r>
-              <a:rPr lang="en-US"/>
-              <a:t>Third level</a:t>
-            </a:r>
-          </a:p>
-          <a:p>
-            <a:pPr lvl="3"/>
-            <a:r>
-              <a:rPr lang="en-US"/>
-              <a:t>Fourth level</a:t>
-            </a:r>
-          </a:p>
-          <a:p>
-            <a:pPr lvl="4"/>
-            <a:r>
-              <a:rPr lang="en-US"/>
-              <a:t>Fifth level</a:t>
-            </a:r>
-            <a:endParaRPr lang="en-US" dirty="0"/>
-          </a:p>
-        </p:txBody>
-      </p:sp>
-      <p:sp>
-        <p:nvSpPr>
-          <p:cNvPr id="4" name="Date Placeholder 3"/>
-          <p:cNvSpPr>
-            <a:spLocks noGrp="1"/>
-          </p:cNvSpPr>
-          <p:nvPr>
-            <p:ph type="dt" sz="half" idx="10"/>
-          </p:nvPr>
-        </p:nvSpPr>
-        <p:spPr/>
-        <p:txBody>
-          <a:bodyPr/>
-          <a:lstStyle/>
-          <a:p>
-            <a:fld id="{9B3A1323-8D79-1946-B0D7-40001CF92E9D}" type="datetimeFigureOut">
-              <a:rPr lang="en-US" dirty="0"/>
-              <a:pPr/>
-              <a:t>5/30/18</a:t>
-            </a:fld>
-            <a:endParaRPr lang="en-US" dirty="0"/>
-          </a:p>
-        </p:txBody>
-      </p:sp>
-      <p:sp>
-        <p:nvSpPr>
-          <p:cNvPr id="5" name="Footer Placeholder 4"/>
-          <p:cNvSpPr>
-            <a:spLocks noGrp="1"/>
-          </p:cNvSpPr>
-          <p:nvPr>
-            <p:ph type="ftr" sz="quarter" idx="11"/>
-          </p:nvPr>
-        </p:nvSpPr>
-        <p:spPr/>
-        <p:txBody>
-          <a:bodyPr/>
-          <a:lstStyle/>
-          <a:p>
-            <a:endParaRPr lang="en-US" dirty="0"/>
-          </a:p>
-        </p:txBody>
-      </p:sp>
-      <p:sp>
-        <p:nvSpPr>
-          <p:cNvPr id="6" name="Slide Number Placeholder 5"/>
-          <p:cNvSpPr>
-            <a:spLocks noGrp="1"/>
-          </p:cNvSpPr>
-          <p:nvPr>
-            <p:ph type="sldNum" sz="quarter" idx="12"/>
-          </p:nvPr>
-        </p:nvSpPr>
-        <p:spPr/>
-        <p:txBody>
-          <a:bodyPr/>
-          <a:lstStyle/>
-          <a:p>
-            <a:fld id="{D57F1E4F-1CFF-5643-939E-217C01CDF565}" type="slidenum">
-              <a:rPr lang="en-US" dirty="0"/>
-              <a:pPr/>
-              <a:t>‹#›</a:t>
-            </a:fld>
-            <a:endParaRPr lang="en-US" dirty="0"/>
-          </a:p>
-        </p:txBody>
-      </p:sp>
-    </p:spTree>
-  </p:cSld>
-  <p:clrMapOvr>
-    <a:masterClrMapping/>
-  </p:clrMapOvr>
-</p:sldLayout>
-</file>
-
-<file path=ppt/slideLayouts/slideLayout3.xml><?xml version="1.0" encoding="utf-8"?>
-<p:sldLayout xmlns:a="http://schemas.openxmlformats.org/drawingml/2006/main" xmlns:r="http://schemas.openxmlformats.org/officeDocument/2006/relationships" xmlns:p="http://schemas.openxmlformats.org/presentationml/2006/main" type="secHead" preserve="1">
-  <p:cSld name="Section Header">
-    <p:spTree>
-      <p:nvGrpSpPr>
-        <p:cNvPr id="1" name=""/>
-        <p:cNvGrpSpPr/>
-        <p:nvPr/>
-      </p:nvGrpSpPr>
-      <p:grpSpPr>
-        <a:xfrm>
-          <a:off x="0" y="0"/>
-          <a:ext cx="0" cy="0"/>
-          <a:chOff x="0" y="0"/>
-          <a:chExt cx="0" cy="0"/>
-        </a:xfrm>
-      </p:grpSpPr>
-      <p:sp>
-        <p:nvSpPr>
-          <p:cNvPr id="10" name="Freeform 7"/>
-          <p:cNvSpPr/>
-          <p:nvPr/>
-        </p:nvSpPr>
-        <p:spPr bwMode="auto">
-          <a:xfrm>
-            <a:off x="0" y="1"/>
-            <a:ext cx="12192000" cy="5203825"/>
-          </a:xfrm>
-          <a:custGeom>
-            <a:avLst/>
-            <a:gdLst/>
-            <a:ahLst/>
-            <a:cxnLst/>
-            <a:rect l="0" t="0" r="r" b="b"/>
-            <a:pathLst>
-              <a:path w="5760" h="3278">
-                <a:moveTo>
-                  <a:pt x="0" y="0"/>
-                </a:moveTo>
-                <a:lnTo>
-                  <a:pt x="5760" y="0"/>
-                </a:lnTo>
-                <a:lnTo>
-                  <a:pt x="5760" y="3090"/>
-                </a:lnTo>
-                <a:lnTo>
-                  <a:pt x="4817" y="3090"/>
-                </a:lnTo>
-                <a:lnTo>
-                  <a:pt x="4637" y="3270"/>
-                </a:lnTo>
-                <a:lnTo>
-                  <a:pt x="4637" y="3270"/>
-                </a:lnTo>
-                <a:lnTo>
-                  <a:pt x="4633" y="3272"/>
-                </a:lnTo>
-                <a:lnTo>
-                  <a:pt x="4627" y="3275"/>
-                </a:lnTo>
-                <a:lnTo>
-                  <a:pt x="4621" y="3278"/>
-                </a:lnTo>
-                <a:lnTo>
-                  <a:pt x="4616" y="3278"/>
-                </a:lnTo>
-                <a:lnTo>
-                  <a:pt x="4610" y="3278"/>
-                </a:lnTo>
-                <a:lnTo>
-                  <a:pt x="4605" y="3275"/>
-                </a:lnTo>
-                <a:lnTo>
-                  <a:pt x="4599" y="3272"/>
-                </a:lnTo>
-                <a:lnTo>
-                  <a:pt x="4595" y="3270"/>
-                </a:lnTo>
-                <a:lnTo>
-                  <a:pt x="4415" y="3090"/>
-                </a:lnTo>
-                <a:lnTo>
-                  <a:pt x="0" y="3090"/>
-                </a:lnTo>
-                <a:lnTo>
-                  <a:pt x="0" y="0"/>
-                </a:lnTo>
-                <a:lnTo>
-                  <a:pt x="0" y="0"/>
-                </a:lnTo>
-                <a:close/>
-              </a:path>
-            </a:pathLst>
-          </a:custGeom>
-          <a:ln>
-            <a:headEnd/>
-            <a:tailEnd/>
-          </a:ln>
-        </p:spPr>
-        <p:style>
-          <a:lnRef idx="1">
-            <a:schemeClr val="accent1"/>
-          </a:lnRef>
-          <a:fillRef idx="3">
-            <a:schemeClr val="accent1"/>
-          </a:fillRef>
-          <a:effectRef idx="2">
-            <a:schemeClr val="accent1"/>
-          </a:effectRef>
-          <a:fontRef idx="minor">
-            <a:schemeClr val="lt1"/>
-          </a:fontRef>
-        </p:style>
-      </p:sp>
-      <p:sp>
-        <p:nvSpPr>
-          <p:cNvPr id="2" name="Title 1"/>
-          <p:cNvSpPr>
-            <a:spLocks noGrp="1"/>
-          </p:cNvSpPr>
-          <p:nvPr>
-            <p:ph type="title"/>
-          </p:nvPr>
-        </p:nvSpPr>
-        <p:spPr>
-          <a:xfrm>
-            <a:off x="810000" y="2951396"/>
-            <a:ext cx="10561418" cy="1468800"/>
-          </a:xfrm>
-        </p:spPr>
-        <p:txBody>
-          <a:bodyPr anchor="b"/>
-          <a:lstStyle>
-            <a:lvl1pPr algn="r">
-              <a:defRPr sz="4800" b="1" cap="none"/>
-            </a:lvl1pPr>
-          </a:lstStyle>
-          <a:p>
-            <a:r>
-              <a:rPr lang="en-US"/>
-              <a:t>Click to edit Master title style</a:t>
-            </a:r>
-            <a:endParaRPr lang="en-US" dirty="0"/>
-          </a:p>
-        </p:txBody>
-      </p:sp>
-      <p:sp>
-        <p:nvSpPr>
-          <p:cNvPr id="3" name="Text Placeholder 2"/>
-          <p:cNvSpPr>
-            <a:spLocks noGrp="1"/>
-          </p:cNvSpPr>
-          <p:nvPr>
-            <p:ph type="body" idx="1"/>
-          </p:nvPr>
-        </p:nvSpPr>
-        <p:spPr>
-          <a:xfrm>
-            <a:off x="810000" y="5281201"/>
-            <a:ext cx="10561418" cy="433955"/>
-          </a:xfrm>
-        </p:spPr>
-        <p:txBody>
-          <a:bodyPr anchor="t">
-            <a:noAutofit/>
-          </a:bodyPr>
-          <a:lstStyle>
-            <a:lvl1pPr marL="0" indent="0" algn="r">
-              <a:buNone/>
-              <a:defRPr sz="1800">
-                <a:solidFill>
-                  <a:schemeClr val="tx1"/>
-                </a:solidFill>
-              </a:defRPr>
-            </a:lvl1pPr>
-            <a:lvl2pPr marL="457200" indent="0">
-              <a:buNone/>
-              <a:defRPr sz="1800">
-                <a:solidFill>
-                  <a:schemeClr val="tx1">
-                    <a:tint val="75000"/>
-                  </a:schemeClr>
-                </a:solidFill>
-              </a:defRPr>
-            </a:lvl2pPr>
-            <a:lvl3pPr marL="914400" indent="0">
-              <a:buNone/>
-              <a:defRPr sz="1600">
-                <a:solidFill>
-                  <a:schemeClr val="tx1">
-                    <a:tint val="75000"/>
-                  </a:schemeClr>
-                </a:solidFill>
-              </a:defRPr>
-            </a:lvl3pPr>
-            <a:lvl4pPr marL="1371600" indent="0">
-              <a:buNone/>
-              <a:defRPr sz="1400">
-                <a:solidFill>
-                  <a:schemeClr val="tx1">
-                    <a:tint val="75000"/>
-                  </a:schemeClr>
-                </a:solidFill>
-              </a:defRPr>
-            </a:lvl4pPr>
-            <a:lvl5pPr marL="1828800" indent="0">
-              <a:buNone/>
-              <a:defRPr sz="1400">
-                <a:solidFill>
-                  <a:schemeClr val="tx1">
-                    <a:tint val="75000"/>
-                  </a:schemeClr>
-                </a:solidFill>
-              </a:defRPr>
-            </a:lvl5pPr>
-            <a:lvl6pPr marL="2286000" indent="0">
-              <a:buNone/>
-              <a:defRPr sz="1400">
-                <a:solidFill>
-                  <a:schemeClr val="tx1">
-                    <a:tint val="75000"/>
-                  </a:schemeClr>
-                </a:solidFill>
-              </a:defRPr>
-            </a:lvl6pPr>
-            <a:lvl7pPr marL="2743200" indent="0">
-              <a:buNone/>
-              <a:defRPr sz="1400">
-                <a:solidFill>
-                  <a:schemeClr val="tx1">
-                    <a:tint val="75000"/>
-                  </a:schemeClr>
-                </a:solidFill>
-              </a:defRPr>
-            </a:lvl7pPr>
-            <a:lvl8pPr marL="3200400" indent="0">
-              <a:buNone/>
-              <a:defRPr sz="1400">
-                <a:solidFill>
-                  <a:schemeClr val="tx1">
-                    <a:tint val="75000"/>
-                  </a:schemeClr>
-                </a:solidFill>
-              </a:defRPr>
-            </a:lvl8pPr>
-            <a:lvl9pPr marL="3657600" indent="0">
-              <a:buNone/>
-              <a:defRPr sz="1400">
-                <a:solidFill>
-                  <a:schemeClr val="tx1">
-                    <a:tint val="75000"/>
-                  </a:schemeClr>
-                </a:solidFill>
-              </a:defRPr>
-            </a:lvl9pPr>
-          </a:lstStyle>
-          <a:p>
-            <a:pPr lvl="0"/>
-            <a:r>
-              <a:rPr lang="en-US"/>
-              <a:t>Edit Master text styles</a:t>
-            </a:r>
-          </a:p>
-        </p:txBody>
-      </p:sp>
-      <p:sp>
-        <p:nvSpPr>
-          <p:cNvPr id="4" name="Date Placeholder 3"/>
-          <p:cNvSpPr>
-            <a:spLocks noGrp="1"/>
-          </p:cNvSpPr>
-          <p:nvPr>
-            <p:ph type="dt" sz="half" idx="10"/>
-          </p:nvPr>
-        </p:nvSpPr>
-        <p:spPr/>
-        <p:txBody>
-          <a:bodyPr/>
-          <a:lstStyle/>
-          <a:p>
-            <a:fld id="{8DFA1846-DA80-1C48-A609-854EA85C59AD}" type="datetimeFigureOut">
-              <a:rPr lang="en-US" dirty="0"/>
-              <a:pPr/>
-              <a:t>5/30/18</a:t>
-            </a:fld>
-            <a:endParaRPr lang="en-US" dirty="0"/>
-          </a:p>
-        </p:txBody>
-      </p:sp>
-      <p:sp>
-        <p:nvSpPr>
-          <p:cNvPr id="5" name="Footer Placeholder 4"/>
-          <p:cNvSpPr>
-            <a:spLocks noGrp="1"/>
-          </p:cNvSpPr>
-          <p:nvPr>
-            <p:ph type="ftr" sz="quarter" idx="11"/>
-          </p:nvPr>
-        </p:nvSpPr>
-        <p:spPr/>
-        <p:txBody>
-          <a:bodyPr/>
-          <a:lstStyle/>
-          <a:p>
-            <a:endParaRPr lang="en-US" dirty="0"/>
-          </a:p>
-        </p:txBody>
-      </p:sp>
-      <p:sp>
-        <p:nvSpPr>
-          <p:cNvPr id="6" name="Slide Number Placeholder 5"/>
-          <p:cNvSpPr>
-            <a:spLocks noGrp="1"/>
-          </p:cNvSpPr>
-          <p:nvPr>
-            <p:ph type="sldNum" sz="quarter" idx="12"/>
-          </p:nvPr>
-        </p:nvSpPr>
-        <p:spPr/>
-        <p:txBody>
-          <a:bodyPr/>
-          <a:lstStyle/>
-          <a:p>
-            <a:fld id="{D57F1E4F-1CFF-5643-939E-217C01CDF565}" type="slidenum">
-              <a:rPr lang="en-US" dirty="0"/>
-              <a:pPr/>
-              <a:t>‹#›</a:t>
-            </a:fld>
-            <a:endParaRPr lang="en-US" dirty="0"/>
-          </a:p>
-        </p:txBody>
-      </p:sp>
-    </p:spTree>
-  </p:cSld>
-  <p:clrMapOvr>
-    <a:masterClrMapping/>
-  </p:clrMapOvr>
-</p:sldLayout>
-</file>
-
-<file path=ppt/slideLayouts/slideLayout4.xml><?xml version="1.0" encoding="utf-8"?>
-<p:sldLayout xmlns:a="http://schemas.openxmlformats.org/drawingml/2006/main" xmlns:r="http://schemas.openxmlformats.org/officeDocument/2006/relationships" xmlns:p="http://schemas.openxmlformats.org/presentationml/2006/main" type="twoObj" preserve="1">
-  <p:cSld name="Two Content">
-    <p:spTree>
-      <p:nvGrpSpPr>
-        <p:cNvPr id="1" name=""/>
-        <p:cNvGrpSpPr/>
-        <p:nvPr/>
-      </p:nvGrpSpPr>
-      <p:grpSpPr>
-        <a:xfrm>
-          <a:off x="0" y="0"/>
-          <a:ext cx="0" cy="0"/>
-          <a:chOff x="0" y="0"/>
-          <a:chExt cx="0" cy="0"/>
-        </a:xfrm>
-      </p:grpSpPr>
-      <p:sp>
-        <p:nvSpPr>
-          <p:cNvPr id="8" name="Freeform 6"/>
-          <p:cNvSpPr/>
-          <p:nvPr/>
-        </p:nvSpPr>
-        <p:spPr bwMode="auto">
-          <a:xfrm>
-            <a:off x="0" y="0"/>
-            <a:ext cx="12192000" cy="2185988"/>
-          </a:xfrm>
-          <a:custGeom>
-            <a:avLst/>
-            <a:gdLst/>
-            <a:ahLst/>
-            <a:cxnLst/>
-            <a:rect l="0" t="0" r="r" b="b"/>
-            <a:pathLst>
-              <a:path w="5760" h="1377">
-                <a:moveTo>
-                  <a:pt x="5760" y="0"/>
-                </a:moveTo>
-                <a:lnTo>
-                  <a:pt x="0" y="0"/>
-                </a:lnTo>
-                <a:lnTo>
-                  <a:pt x="0" y="1189"/>
-                </a:lnTo>
-                <a:lnTo>
-                  <a:pt x="943" y="1189"/>
-                </a:lnTo>
-                <a:lnTo>
-                  <a:pt x="1123" y="1369"/>
-                </a:lnTo>
-                <a:lnTo>
-                  <a:pt x="1123" y="1369"/>
-                </a:lnTo>
-                <a:lnTo>
-                  <a:pt x="1127" y="1371"/>
-                </a:lnTo>
-                <a:lnTo>
-                  <a:pt x="1133" y="1374"/>
-                </a:lnTo>
-                <a:lnTo>
-                  <a:pt x="1139" y="1377"/>
-                </a:lnTo>
-                <a:lnTo>
-                  <a:pt x="1144" y="1377"/>
-                </a:lnTo>
-                <a:lnTo>
-                  <a:pt x="1150" y="1377"/>
-                </a:lnTo>
-                <a:lnTo>
-                  <a:pt x="1155" y="1374"/>
-                </a:lnTo>
-                <a:lnTo>
-                  <a:pt x="1161" y="1371"/>
-                </a:lnTo>
-                <a:lnTo>
-                  <a:pt x="1165" y="1369"/>
-                </a:lnTo>
-                <a:lnTo>
-                  <a:pt x="1345" y="1189"/>
-                </a:lnTo>
-                <a:lnTo>
-                  <a:pt x="5760" y="1189"/>
-                </a:lnTo>
-                <a:lnTo>
-                  <a:pt x="5760" y="0"/>
-                </a:lnTo>
-                <a:close/>
-              </a:path>
-            </a:pathLst>
-          </a:custGeom>
-          <a:ln/>
-          <a:extLst>
-            <a:ext uri="{91240B29-F687-4f45-9708-019B960494DF}">
-              <a14:hiddenLine xmlns="" xmlns:a14="http://schemas.microsoft.com/office/drawing/2010/main" w="9525">
-                <a:solidFill>
-                  <a:srgbClr val="000000"/>
-                </a:solidFill>
-                <a:round/>
-                <a:headEnd/>
-                <a:tailEnd/>
-              </a14:hiddenLine>
-            </a:ext>
-          </a:extLst>
-        </p:spPr>
-        <p:style>
-          <a:lnRef idx="1">
-            <a:schemeClr val="accent1"/>
-          </a:lnRef>
-          <a:fillRef idx="3">
-            <a:schemeClr val="accent1"/>
-          </a:fillRef>
-          <a:effectRef idx="2">
-            <a:schemeClr val="accent1"/>
-          </a:effectRef>
-          <a:fontRef idx="minor">
-            <a:schemeClr val="lt1"/>
-          </a:fontRef>
-        </p:style>
-      </p:sp>
-      <p:sp>
-        <p:nvSpPr>
-          <p:cNvPr id="2" name="Title 1"/>
-          <p:cNvSpPr>
-            <a:spLocks noGrp="1"/>
-          </p:cNvSpPr>
-          <p:nvPr>
-            <p:ph type="title"/>
-          </p:nvPr>
-        </p:nvSpPr>
-        <p:spPr/>
         <p:txBody>
           <a:bodyPr/>
           <a:lstStyle/>
@@ -9002,8 +7642,8 @@
         </p:nvSpPr>
         <p:spPr>
           <a:xfrm>
-            <a:off x="818712" y="2222287"/>
-            <a:ext cx="5185873" cy="3638763"/>
+            <a:off x="581193" y="2228003"/>
+            <a:ext cx="5422390" cy="3633047"/>
           </a:xfrm>
         </p:spPr>
         <p:txBody>
@@ -9061,8 +7701,8 @@
         </p:nvSpPr>
         <p:spPr>
           <a:xfrm>
-            <a:off x="6187415" y="2222287"/>
-            <a:ext cx="5194583" cy="3638764"/>
+            <a:off x="6188417" y="2228003"/>
+            <a:ext cx="5422392" cy="3633047"/>
           </a:xfrm>
         </p:spPr>
         <p:txBody>
@@ -9124,7 +7764,7 @@
           <a:lstStyle/>
           <a:p>
             <a:fld id="{57302355-E14B-8545-A8F8-0FE83CC9D524}" type="datetimeFigureOut">
-              <a:rPr lang="en-US" dirty="0"/>
+              <a:rPr lang="en-US" smtClean="0"/>
               <a:pPr/>
               <a:t>5/30/18</a:t>
             </a:fld>
@@ -9167,7 +7807,7 @@
           <a:lstStyle/>
           <a:p>
             <a:fld id="{D57F1E4F-1CFF-5643-939E-217C01CDF565}" type="slidenum">
-              <a:rPr lang="en-US" dirty="0"/>
+              <a:rPr lang="en-US" smtClean="0"/>
               <a:pPr/>
               <a:t>‹#›</a:t>
             </a:fld>
@@ -9176,6 +7816,11 @@
         </p:txBody>
       </p:sp>
     </p:spTree>
+    <p:extLst>
+      <p:ext uri="{BB962C8B-B14F-4D97-AF65-F5344CB8AC3E}">
+        <p14:creationId xmlns:p14="http://schemas.microsoft.com/office/powerpoint/2010/main" val="1957742812"/>
+      </p:ext>
+    </p:extLst>
   </p:cSld>
   <p:clrMapOvr>
     <a:masterClrMapping/>
@@ -9202,91 +7847,27 @@
       </p:grpSpPr>
       <p:sp>
         <p:nvSpPr>
-          <p:cNvPr id="10" name="Freeform 6"/>
-          <p:cNvSpPr/>
+          <p:cNvPr id="11" name="Rectangle 10"/>
+          <p:cNvSpPr>
+            <a:spLocks noChangeAspect="1"/>
+          </p:cNvSpPr>
           <p:nvPr/>
         </p:nvSpPr>
-        <p:spPr bwMode="auto">
+        <p:spPr>
           <a:xfrm>
-            <a:off x="0" y="0"/>
-            <a:ext cx="12192000" cy="2185988"/>
+            <a:off x="445982" y="606554"/>
+            <a:ext cx="11300036" cy="1258827"/>
           </a:xfrm>
-          <a:custGeom>
+          <a:prstGeom prst="rect">
             <a:avLst/>
-            <a:gdLst/>
-            <a:ahLst/>
-            <a:cxnLst/>
-            <a:rect l="0" t="0" r="r" b="b"/>
-            <a:pathLst>
-              <a:path w="5760" h="1377">
-                <a:moveTo>
-                  <a:pt x="5760" y="0"/>
-                </a:moveTo>
-                <a:lnTo>
-                  <a:pt x="0" y="0"/>
-                </a:lnTo>
-                <a:lnTo>
-                  <a:pt x="0" y="1189"/>
-                </a:lnTo>
-                <a:lnTo>
-                  <a:pt x="943" y="1189"/>
-                </a:lnTo>
-                <a:lnTo>
-                  <a:pt x="1123" y="1369"/>
-                </a:lnTo>
-                <a:lnTo>
-                  <a:pt x="1123" y="1369"/>
-                </a:lnTo>
-                <a:lnTo>
-                  <a:pt x="1127" y="1371"/>
-                </a:lnTo>
-                <a:lnTo>
-                  <a:pt x="1133" y="1374"/>
-                </a:lnTo>
-                <a:lnTo>
-                  <a:pt x="1139" y="1377"/>
-                </a:lnTo>
-                <a:lnTo>
-                  <a:pt x="1144" y="1377"/>
-                </a:lnTo>
-                <a:lnTo>
-                  <a:pt x="1150" y="1377"/>
-                </a:lnTo>
-                <a:lnTo>
-                  <a:pt x="1155" y="1374"/>
-                </a:lnTo>
-                <a:lnTo>
-                  <a:pt x="1161" y="1371"/>
-                </a:lnTo>
-                <a:lnTo>
-                  <a:pt x="1165" y="1369"/>
-                </a:lnTo>
-                <a:lnTo>
-                  <a:pt x="1345" y="1189"/>
-                </a:lnTo>
-                <a:lnTo>
-                  <a:pt x="5760" y="1189"/>
-                </a:lnTo>
-                <a:lnTo>
-                  <a:pt x="5760" y="0"/>
-                </a:lnTo>
-                <a:close/>
-              </a:path>
-            </a:pathLst>
-          </a:custGeom>
-          <a:ln/>
-          <a:extLst>
-            <a:ext uri="{91240B29-F687-4f45-9708-019B960494DF}">
-              <a14:hiddenLine xmlns="" xmlns:a14="http://schemas.microsoft.com/office/drawing/2010/main" w="9525">
-                <a:solidFill>
-                  <a:srgbClr val="000000"/>
-                </a:solidFill>
-                <a:round/>
-                <a:headEnd/>
-                <a:tailEnd/>
-              </a14:hiddenLine>
-            </a:ext>
-          </a:extLst>
+          </a:prstGeom>
+          <a:solidFill>
+            <a:schemeClr val="accent1"/>
+          </a:solidFill>
+          <a:ln>
+            <a:noFill/>
+          </a:ln>
+          <a:effectLst/>
         </p:spPr>
         <p:style>
           <a:lnRef idx="1">
@@ -9305,7 +7886,7 @@
       </p:sp>
       <p:sp>
         <p:nvSpPr>
-          <p:cNvPr id="2" name="Title 1"/>
+          <p:cNvPr id="12" name="Title 1"/>
           <p:cNvSpPr>
             <a:spLocks noGrp="1"/>
           </p:cNvSpPr>
@@ -9313,14 +7894,15 @@
             <p:ph type="title"/>
           </p:nvPr>
         </p:nvSpPr>
-        <p:spPr/>
+        <p:spPr>
+          <a:xfrm>
+            <a:off x="581193" y="729658"/>
+            <a:ext cx="11029616" cy="988332"/>
+          </a:xfrm>
+        </p:spPr>
         <p:txBody>
           <a:bodyPr/>
-          <a:lstStyle>
-            <a:lvl1pPr>
-              <a:defRPr/>
-            </a:lvl1pPr>
-          </a:lstStyle>
+          <a:lstStyle/>
           <a:p>
             <a:r>
               <a:rPr lang="en-US"/>
@@ -9342,8 +7924,8 @@
         </p:nvSpPr>
         <p:spPr>
           <a:xfrm>
-            <a:off x="814728" y="2174875"/>
-            <a:ext cx="5189857" cy="576262"/>
+            <a:off x="887219" y="2250892"/>
+            <a:ext cx="5087075" cy="536005"/>
           </a:xfrm>
         </p:spPr>
         <p:txBody>
@@ -9351,9 +7933,13 @@
             <a:noAutofit/>
           </a:bodyPr>
           <a:lstStyle>
-            <a:lvl1pPr marL="0" indent="0" algn="ctr">
+            <a:lvl1pPr marL="0" indent="0">
               <a:buNone/>
-              <a:defRPr sz="2000" b="0"/>
+              <a:defRPr sz="2200" b="0">
+                <a:solidFill>
+                  <a:schemeClr val="accent2"/>
+                </a:solidFill>
+              </a:defRPr>
             </a:lvl1pPr>
             <a:lvl2pPr marL="457200" indent="0">
               <a:buNone/>
@@ -9409,8 +7995,8 @@
         </p:nvSpPr>
         <p:spPr>
           <a:xfrm>
-            <a:off x="814729" y="2751138"/>
-            <a:ext cx="5189856" cy="3109913"/>
+            <a:off x="581194" y="2926052"/>
+            <a:ext cx="5393100" cy="2934999"/>
           </a:xfrm>
         </p:spPr>
         <p:txBody>
@@ -9468,8 +8054,8 @@
         </p:nvSpPr>
         <p:spPr>
           <a:xfrm>
-            <a:off x="6187415" y="2174875"/>
-            <a:ext cx="5194583" cy="576262"/>
+            <a:off x="6523735" y="2250892"/>
+            <a:ext cx="5087073" cy="553373"/>
           </a:xfrm>
         </p:spPr>
         <p:txBody>
@@ -9477,9 +8063,13 @@
             <a:noAutofit/>
           </a:bodyPr>
           <a:lstStyle>
-            <a:lvl1pPr marL="0" indent="0" algn="ctr">
+            <a:lvl1pPr marL="0" indent="0">
               <a:buNone/>
-              <a:defRPr sz="2000" b="0"/>
+              <a:defRPr sz="2200" b="0">
+                <a:solidFill>
+                  <a:schemeClr val="accent2"/>
+                </a:solidFill>
+              </a:defRPr>
             </a:lvl1pPr>
             <a:lvl2pPr marL="457200" indent="0">
               <a:buNone/>
@@ -9535,8 +8125,8 @@
         </p:nvSpPr>
         <p:spPr>
           <a:xfrm>
-            <a:off x="6187415" y="2751138"/>
-            <a:ext cx="5194583" cy="3109913"/>
+            <a:off x="6217709" y="2926052"/>
+            <a:ext cx="5393100" cy="2934999"/>
           </a:xfrm>
         </p:spPr>
         <p:txBody>
@@ -9597,8 +8187,8 @@
           <a:bodyPr/>
           <a:lstStyle/>
           <a:p>
-            <a:fld id="{02640F58-564D-2B4F-AE67-E407BA4FCF45}" type="datetimeFigureOut">
-              <a:rPr lang="en-US" dirty="0"/>
+            <a:fld id="{09B482E8-6E0E-1B4F-B1FD-C69DB9E858D9}" type="datetimeFigureOut">
+              <a:rPr lang="en-US" smtClean="0"/>
               <a:pPr/>
               <a:t>5/30/18</a:t>
             </a:fld>
@@ -9641,7 +8231,7 @@
           <a:lstStyle/>
           <a:p>
             <a:fld id="{D57F1E4F-1CFF-5643-939E-217C01CDF565}" type="slidenum">
-              <a:rPr lang="en-US" dirty="0"/>
+              <a:rPr lang="en-US" smtClean="0"/>
               <a:pPr/>
               <a:t>‹#›</a:t>
             </a:fld>
@@ -9650,10 +8240,16 @@
         </p:txBody>
       </p:sp>
     </p:spTree>
+    <p:extLst>
+      <p:ext uri="{BB962C8B-B14F-4D97-AF65-F5344CB8AC3E}">
+        <p14:creationId xmlns:p14="http://schemas.microsoft.com/office/powerpoint/2010/main" val="2922136909"/>
+      </p:ext>
+    </p:extLst>
   </p:cSld>
   <p:clrMapOvr>
     <a:masterClrMapping/>
   </p:clrMapOvr>
+  <p:hf sldNum="0" hdr="0" ftr="0" dt="0"/>
 </p:sldLayout>
 </file>
 
@@ -9676,91 +8272,27 @@
       </p:grpSpPr>
       <p:sp>
         <p:nvSpPr>
-          <p:cNvPr id="6" name="Freeform 6"/>
-          <p:cNvSpPr/>
+          <p:cNvPr id="7" name="Rectangle 6"/>
+          <p:cNvSpPr>
+            <a:spLocks noChangeAspect="1"/>
+          </p:cNvSpPr>
           <p:nvPr/>
         </p:nvSpPr>
-        <p:spPr bwMode="auto">
+        <p:spPr>
           <a:xfrm>
-            <a:off x="0" y="0"/>
-            <a:ext cx="12192000" cy="2185988"/>
+            <a:off x="440683" y="606554"/>
+            <a:ext cx="11300036" cy="1258827"/>
           </a:xfrm>
-          <a:custGeom>
+          <a:prstGeom prst="rect">
             <a:avLst/>
-            <a:gdLst/>
-            <a:ahLst/>
-            <a:cxnLst/>
-            <a:rect l="0" t="0" r="r" b="b"/>
-            <a:pathLst>
-              <a:path w="5760" h="1377">
-                <a:moveTo>
-                  <a:pt x="5760" y="0"/>
-                </a:moveTo>
-                <a:lnTo>
-                  <a:pt x="0" y="0"/>
-                </a:lnTo>
-                <a:lnTo>
-                  <a:pt x="0" y="1189"/>
-                </a:lnTo>
-                <a:lnTo>
-                  <a:pt x="943" y="1189"/>
-                </a:lnTo>
-                <a:lnTo>
-                  <a:pt x="1123" y="1369"/>
-                </a:lnTo>
-                <a:lnTo>
-                  <a:pt x="1123" y="1369"/>
-                </a:lnTo>
-                <a:lnTo>
-                  <a:pt x="1127" y="1371"/>
-                </a:lnTo>
-                <a:lnTo>
-                  <a:pt x="1133" y="1374"/>
-                </a:lnTo>
-                <a:lnTo>
-                  <a:pt x="1139" y="1377"/>
-                </a:lnTo>
-                <a:lnTo>
-                  <a:pt x="1144" y="1377"/>
-                </a:lnTo>
-                <a:lnTo>
-                  <a:pt x="1150" y="1377"/>
-                </a:lnTo>
-                <a:lnTo>
-                  <a:pt x="1155" y="1374"/>
-                </a:lnTo>
-                <a:lnTo>
-                  <a:pt x="1161" y="1371"/>
-                </a:lnTo>
-                <a:lnTo>
-                  <a:pt x="1165" y="1369"/>
-                </a:lnTo>
-                <a:lnTo>
-                  <a:pt x="1345" y="1189"/>
-                </a:lnTo>
-                <a:lnTo>
-                  <a:pt x="5760" y="1189"/>
-                </a:lnTo>
-                <a:lnTo>
-                  <a:pt x="5760" y="0"/>
-                </a:lnTo>
-                <a:close/>
-              </a:path>
-            </a:pathLst>
-          </a:custGeom>
-          <a:ln/>
-          <a:extLst>
-            <a:ext uri="{91240B29-F687-4f45-9708-019B960494DF}">
-              <a14:hiddenLine xmlns="" xmlns:a14="http://schemas.microsoft.com/office/drawing/2010/main" w="9525">
-                <a:solidFill>
-                  <a:srgbClr val="000000"/>
-                </a:solidFill>
-                <a:round/>
-                <a:headEnd/>
-                <a:tailEnd/>
-              </a14:hiddenLine>
-            </a:ext>
-          </a:extLst>
+          </a:prstGeom>
+          <a:solidFill>
+            <a:schemeClr val="accent1"/>
+          </a:solidFill>
+          <a:ln>
+            <a:noFill/>
+          </a:ln>
+          <a:effectLst/>
         </p:spPr>
         <p:style>
           <a:lnRef idx="1">
@@ -9779,7 +8311,7 @@
       </p:sp>
       <p:sp>
         <p:nvSpPr>
-          <p:cNvPr id="2" name="Title 1"/>
+          <p:cNvPr id="8" name="Title 1"/>
           <p:cNvSpPr>
             <a:spLocks noGrp="1"/>
           </p:cNvSpPr>
@@ -9787,7 +8319,12 @@
             <p:ph type="title"/>
           </p:nvPr>
         </p:nvSpPr>
-        <p:spPr/>
+        <p:spPr>
+          <a:xfrm>
+            <a:off x="575894" y="729658"/>
+            <a:ext cx="11029616" cy="988332"/>
+          </a:xfrm>
+        </p:spPr>
         <p:txBody>
           <a:bodyPr/>
           <a:lstStyle/>
@@ -9816,7 +8353,7 @@
           <a:lstStyle/>
           <a:p>
             <a:fld id="{F13A34C8-038E-2045-AF43-DF7DBB8E0E9E}" type="datetimeFigureOut">
-              <a:rPr lang="en-US" dirty="0"/>
+              <a:rPr lang="en-US" smtClean="0"/>
               <a:pPr/>
               <a:t>5/30/18</a:t>
             </a:fld>
@@ -9859,7 +8396,7 @@
           <a:lstStyle/>
           <a:p>
             <a:fld id="{D57F1E4F-1CFF-5643-939E-217C01CDF565}" type="slidenum">
-              <a:rPr lang="en-US" dirty="0"/>
+              <a:rPr lang="en-US" smtClean="0"/>
               <a:pPr/>
               <a:t>‹#›</a:t>
             </a:fld>
@@ -9868,6 +8405,11 @@
         </p:txBody>
       </p:sp>
     </p:spTree>
+    <p:extLst>
+      <p:ext uri="{BB962C8B-B14F-4D97-AF65-F5344CB8AC3E}">
+        <p14:creationId xmlns:p14="http://schemas.microsoft.com/office/powerpoint/2010/main" val="3625896433"/>
+      </p:ext>
+    </p:extLst>
   </p:cSld>
   <p:clrMapOvr>
     <a:masterClrMapping/>
@@ -9908,7 +8450,7 @@
           <a:lstStyle/>
           <a:p>
             <a:fld id="{8818C68F-D26B-8F47-958C-23B49CF8A634}" type="datetimeFigureOut">
-              <a:rPr lang="en-US" dirty="0"/>
+              <a:rPr lang="en-US" smtClean="0"/>
               <a:pPr/>
               <a:t>5/30/18</a:t>
             </a:fld>
@@ -9951,7 +8493,7 @@
           <a:lstStyle/>
           <a:p>
             <a:fld id="{D57F1E4F-1CFF-5643-939E-217C01CDF565}" type="slidenum">
-              <a:rPr lang="en-US" dirty="0"/>
+              <a:rPr lang="en-US" smtClean="0"/>
               <a:pPr/>
               <a:t>‹#›</a:t>
             </a:fld>
@@ -9960,6 +8502,11 @@
         </p:txBody>
       </p:sp>
     </p:spTree>
+    <p:extLst>
+      <p:ext uri="{BB962C8B-B14F-4D97-AF65-F5344CB8AC3E}">
+        <p14:creationId xmlns:p14="http://schemas.microsoft.com/office/powerpoint/2010/main" val="301592813"/>
+      </p:ext>
+    </p:extLst>
   </p:cSld>
   <p:clrMapOvr>
     <a:masterClrMapping/>
@@ -9986,204 +8533,27 @@
       </p:grpSpPr>
       <p:sp>
         <p:nvSpPr>
-          <p:cNvPr id="12" name="Freeform 6"/>
+          <p:cNvPr id="9" name="Rectangle 8"/>
           <p:cNvSpPr>
             <a:spLocks noChangeAspect="1"/>
           </p:cNvSpPr>
           <p:nvPr/>
         </p:nvSpPr>
-        <p:spPr bwMode="auto">
+        <p:spPr>
           <a:xfrm>
-            <a:off x="1073151" y="446087"/>
-            <a:ext cx="3547533" cy="1814651"/>
+            <a:off x="447817" y="5141973"/>
+            <a:ext cx="11298200" cy="1274702"/>
           </a:xfrm>
-          <a:custGeom>
+          <a:prstGeom prst="rect">
             <a:avLst/>
-            <a:gdLst/>
-            <a:ahLst/>
-            <a:cxnLst/>
-            <a:rect l="0" t="0" r="r" b="b"/>
-            <a:pathLst>
-              <a:path w="3384" h="2308">
-                <a:moveTo>
-                  <a:pt x="3340" y="0"/>
-                </a:moveTo>
-                <a:lnTo>
-                  <a:pt x="44" y="0"/>
-                </a:lnTo>
-                <a:lnTo>
-                  <a:pt x="44" y="0"/>
-                </a:lnTo>
-                <a:lnTo>
-                  <a:pt x="34" y="0"/>
-                </a:lnTo>
-                <a:lnTo>
-                  <a:pt x="26" y="4"/>
-                </a:lnTo>
-                <a:lnTo>
-                  <a:pt x="20" y="8"/>
-                </a:lnTo>
-                <a:lnTo>
-                  <a:pt x="12" y="12"/>
-                </a:lnTo>
-                <a:lnTo>
-                  <a:pt x="8" y="20"/>
-                </a:lnTo>
-                <a:lnTo>
-                  <a:pt x="4" y="26"/>
-                </a:lnTo>
-                <a:lnTo>
-                  <a:pt x="0" y="34"/>
-                </a:lnTo>
-                <a:lnTo>
-                  <a:pt x="0" y="44"/>
-                </a:lnTo>
-                <a:lnTo>
-                  <a:pt x="0" y="2076"/>
-                </a:lnTo>
-                <a:lnTo>
-                  <a:pt x="0" y="2076"/>
-                </a:lnTo>
-                <a:lnTo>
-                  <a:pt x="0" y="2086"/>
-                </a:lnTo>
-                <a:lnTo>
-                  <a:pt x="4" y="2094"/>
-                </a:lnTo>
-                <a:lnTo>
-                  <a:pt x="8" y="2100"/>
-                </a:lnTo>
-                <a:lnTo>
-                  <a:pt x="12" y="2108"/>
-                </a:lnTo>
-                <a:lnTo>
-                  <a:pt x="20" y="2112"/>
-                </a:lnTo>
-                <a:lnTo>
-                  <a:pt x="26" y="2116"/>
-                </a:lnTo>
-                <a:lnTo>
-                  <a:pt x="34" y="2120"/>
-                </a:lnTo>
-                <a:lnTo>
-                  <a:pt x="44" y="2120"/>
-                </a:lnTo>
-                <a:lnTo>
-                  <a:pt x="474" y="2120"/>
-                </a:lnTo>
-                <a:lnTo>
-                  <a:pt x="650" y="2296"/>
-                </a:lnTo>
-                <a:lnTo>
-                  <a:pt x="650" y="2296"/>
-                </a:lnTo>
-                <a:lnTo>
-                  <a:pt x="656" y="2300"/>
-                </a:lnTo>
-                <a:lnTo>
-                  <a:pt x="664" y="2304"/>
-                </a:lnTo>
-                <a:lnTo>
-                  <a:pt x="672" y="2308"/>
-                </a:lnTo>
-                <a:lnTo>
-                  <a:pt x="680" y="2308"/>
-                </a:lnTo>
-                <a:lnTo>
-                  <a:pt x="688" y="2308"/>
-                </a:lnTo>
-                <a:lnTo>
-                  <a:pt x="696" y="2304"/>
-                </a:lnTo>
-                <a:lnTo>
-                  <a:pt x="704" y="2300"/>
-                </a:lnTo>
-                <a:lnTo>
-                  <a:pt x="710" y="2296"/>
-                </a:lnTo>
-                <a:lnTo>
-                  <a:pt x="886" y="2120"/>
-                </a:lnTo>
-                <a:lnTo>
-                  <a:pt x="3340" y="2120"/>
-                </a:lnTo>
-                <a:lnTo>
-                  <a:pt x="3340" y="2120"/>
-                </a:lnTo>
-                <a:lnTo>
-                  <a:pt x="3350" y="2120"/>
-                </a:lnTo>
-                <a:lnTo>
-                  <a:pt x="3358" y="2116"/>
-                </a:lnTo>
-                <a:lnTo>
-                  <a:pt x="3364" y="2112"/>
-                </a:lnTo>
-                <a:lnTo>
-                  <a:pt x="3372" y="2108"/>
-                </a:lnTo>
-                <a:lnTo>
-                  <a:pt x="3376" y="2100"/>
-                </a:lnTo>
-                <a:lnTo>
-                  <a:pt x="3380" y="2094"/>
-                </a:lnTo>
-                <a:lnTo>
-                  <a:pt x="3384" y="2086"/>
-                </a:lnTo>
-                <a:lnTo>
-                  <a:pt x="3384" y="2076"/>
-                </a:lnTo>
-                <a:lnTo>
-                  <a:pt x="3384" y="44"/>
-                </a:lnTo>
-                <a:lnTo>
-                  <a:pt x="3384" y="44"/>
-                </a:lnTo>
-                <a:lnTo>
-                  <a:pt x="3384" y="34"/>
-                </a:lnTo>
-                <a:lnTo>
-                  <a:pt x="3380" y="26"/>
-                </a:lnTo>
-                <a:lnTo>
-                  <a:pt x="3376" y="20"/>
-                </a:lnTo>
-                <a:lnTo>
-                  <a:pt x="3372" y="12"/>
-                </a:lnTo>
-                <a:lnTo>
-                  <a:pt x="3364" y="8"/>
-                </a:lnTo>
-                <a:lnTo>
-                  <a:pt x="3358" y="4"/>
-                </a:lnTo>
-                <a:lnTo>
-                  <a:pt x="3350" y="0"/>
-                </a:lnTo>
-                <a:lnTo>
-                  <a:pt x="3340" y="0"/>
-                </a:lnTo>
-                <a:lnTo>
-                  <a:pt x="3340" y="0"/>
-                </a:lnTo>
-                <a:close/>
-              </a:path>
-            </a:pathLst>
-          </a:custGeom>
-          <a:ln/>
-          <a:extLst>
-            <a:ext uri="{91240B29-F687-4f45-9708-019B960494DF}">
-              <a14:hiddenLine xmlns="" xmlns:a14="http://schemas.microsoft.com/office/drawing/2010/main" w="9525">
-                <a:solidFill>
-                  <a:srgbClr val="000000"/>
-                </a:solidFill>
-                <a:round/>
-                <a:headEnd/>
-                <a:tailEnd/>
-              </a14:hiddenLine>
-            </a:ext>
-          </a:extLst>
+          </a:prstGeom>
+          <a:solidFill>
+            <a:schemeClr val="accent1"/>
+          </a:solidFill>
+          <a:ln>
+            <a:noFill/>
+          </a:ln>
+          <a:effectLst/>
         </p:spPr>
         <p:style>
           <a:lnRef idx="1">
@@ -10212,15 +8582,22 @@
         </p:nvSpPr>
         <p:spPr>
           <a:xfrm>
-            <a:off x="1073151" y="446088"/>
-            <a:ext cx="3547533" cy="1618396"/>
+            <a:off x="581192" y="5262296"/>
+            <a:ext cx="4909445" cy="689514"/>
           </a:xfrm>
         </p:spPr>
         <p:txBody>
-          <a:bodyPr anchor="b"/>
+          <a:bodyPr anchor="ctr"/>
           <a:lstStyle>
             <a:lvl1pPr algn="l">
-              <a:defRPr sz="2000" b="1"/>
+              <a:defRPr sz="2000" b="0">
+                <a:solidFill>
+                  <a:schemeClr val="accent1">
+                    <a:lumMod val="75000"/>
+                    <a:lumOff val="25000"/>
+                  </a:schemeClr>
+                </a:solidFill>
+              </a:defRPr>
             </a:lvl1pPr>
           </a:lstStyle>
           <a:p>
@@ -10244,15 +8621,79 @@
         </p:nvSpPr>
         <p:spPr>
           <a:xfrm>
-            <a:off x="4855633" y="446088"/>
-            <a:ext cx="6252633" cy="5414963"/>
+            <a:off x="447816" y="601200"/>
+            <a:ext cx="11292840" cy="4204800"/>
           </a:xfrm>
         </p:spPr>
         <p:txBody>
-          <a:bodyPr>
+          <a:bodyPr anchor="ctr">
             <a:normAutofit/>
           </a:bodyPr>
-          <a:lstStyle/>
+          <a:lstStyle>
+            <a:lvl1pPr>
+              <a:defRPr sz="2000">
+                <a:solidFill>
+                  <a:schemeClr val="tx2"/>
+                </a:solidFill>
+              </a:defRPr>
+            </a:lvl1pPr>
+            <a:lvl2pPr>
+              <a:defRPr sz="1800">
+                <a:solidFill>
+                  <a:schemeClr val="tx2"/>
+                </a:solidFill>
+              </a:defRPr>
+            </a:lvl2pPr>
+            <a:lvl3pPr>
+              <a:defRPr sz="1600">
+                <a:solidFill>
+                  <a:schemeClr val="tx2"/>
+                </a:solidFill>
+              </a:defRPr>
+            </a:lvl3pPr>
+            <a:lvl4pPr>
+              <a:defRPr sz="1400">
+                <a:solidFill>
+                  <a:schemeClr val="tx2"/>
+                </a:solidFill>
+              </a:defRPr>
+            </a:lvl4pPr>
+            <a:lvl5pPr>
+              <a:defRPr sz="1400">
+                <a:solidFill>
+                  <a:schemeClr val="tx2"/>
+                </a:solidFill>
+              </a:defRPr>
+            </a:lvl5pPr>
+            <a:lvl6pPr>
+              <a:defRPr sz="1400">
+                <a:solidFill>
+                  <a:schemeClr val="tx2"/>
+                </a:solidFill>
+              </a:defRPr>
+            </a:lvl6pPr>
+            <a:lvl7pPr>
+              <a:defRPr sz="1400">
+                <a:solidFill>
+                  <a:schemeClr val="tx2"/>
+                </a:solidFill>
+              </a:defRPr>
+            </a:lvl7pPr>
+            <a:lvl8pPr>
+              <a:defRPr sz="1400">
+                <a:solidFill>
+                  <a:schemeClr val="tx2"/>
+                </a:solidFill>
+              </a:defRPr>
+            </a:lvl8pPr>
+            <a:lvl9pPr>
+              <a:defRPr sz="1400">
+                <a:solidFill>
+                  <a:schemeClr val="tx2"/>
+                </a:solidFill>
+              </a:defRPr>
+            </a:lvl9pPr>
+          </a:lstStyle>
           <a:p>
             <a:pPr lvl="0"/>
             <a:r>
@@ -10303,20 +8744,26 @@
         </p:nvSpPr>
         <p:spPr>
           <a:xfrm>
-            <a:off x="1073151" y="2260738"/>
-            <a:ext cx="3547533" cy="3600311"/>
+            <a:off x="5740823" y="5262296"/>
+            <a:ext cx="5869987" cy="689515"/>
           </a:xfrm>
         </p:spPr>
         <p:txBody>
-          <a:bodyPr/>
+          <a:bodyPr anchor="ctr">
+            <a:normAutofit/>
+          </a:bodyPr>
           <a:lstStyle>
-            <a:lvl1pPr marL="0" indent="0">
+            <a:lvl1pPr marL="0" indent="0" algn="r">
               <a:buNone/>
-              <a:defRPr sz="1400"/>
+              <a:defRPr sz="1100">
+                <a:solidFill>
+                  <a:schemeClr val="bg1"/>
+                </a:solidFill>
+              </a:defRPr>
             </a:lvl1pPr>
             <a:lvl2pPr marL="457200" indent="0">
               <a:buNone/>
-              <a:defRPr sz="1200"/>
+              <a:defRPr sz="1100"/>
             </a:lvl2pPr>
             <a:lvl3pPr marL="914400" indent="0">
               <a:buNone/>
@@ -10369,10 +8816,21 @@
         <p:spPr/>
         <p:txBody>
           <a:bodyPr/>
-          <a:lstStyle/>
+          <a:lstStyle>
+            <a:lvl1pPr>
+              <a:defRPr>
+                <a:solidFill>
+                  <a:schemeClr val="accent1">
+                    <a:lumMod val="75000"/>
+                    <a:lumOff val="25000"/>
+                  </a:schemeClr>
+                </a:solidFill>
+              </a:defRPr>
+            </a:lvl1pPr>
+          </a:lstStyle>
           <a:p>
             <a:fld id="{D0DF5E60-9974-AC48-9591-99C2BB44B7CF}" type="datetimeFigureOut">
-              <a:rPr lang="en-US" dirty="0"/>
+              <a:rPr lang="en-US" smtClean="0"/>
               <a:pPr/>
               <a:t>5/30/18</a:t>
             </a:fld>
@@ -10393,7 +8851,18 @@
         <p:spPr/>
         <p:txBody>
           <a:bodyPr/>
-          <a:lstStyle/>
+          <a:lstStyle>
+            <a:lvl1pPr>
+              <a:defRPr>
+                <a:solidFill>
+                  <a:schemeClr val="accent1">
+                    <a:lumMod val="75000"/>
+                    <a:lumOff val="25000"/>
+                  </a:schemeClr>
+                </a:solidFill>
+              </a:defRPr>
+            </a:lvl1pPr>
+          </a:lstStyle>
           <a:p>
             <a:endParaRPr lang="en-US" dirty="0"/>
           </a:p>
@@ -10412,10 +8881,21 @@
         <p:spPr/>
         <p:txBody>
           <a:bodyPr/>
-          <a:lstStyle/>
+          <a:lstStyle>
+            <a:lvl1pPr>
+              <a:defRPr>
+                <a:solidFill>
+                  <a:schemeClr val="accent1">
+                    <a:lumMod val="75000"/>
+                    <a:lumOff val="25000"/>
+                  </a:schemeClr>
+                </a:solidFill>
+              </a:defRPr>
+            </a:lvl1pPr>
+          </a:lstStyle>
           <a:p>
             <a:fld id="{D57F1E4F-1CFF-5643-939E-217C01CDF565}" type="slidenum">
-              <a:rPr lang="en-US" dirty="0"/>
+              <a:rPr lang="en-US" smtClean="0"/>
               <a:pPr/>
               <a:t>‹#›</a:t>
             </a:fld>
@@ -10424,6 +8904,11 @@
         </p:txBody>
       </p:sp>
     </p:spTree>
+    <p:extLst>
+      <p:ext uri="{BB962C8B-B14F-4D97-AF65-F5344CB8AC3E}">
+        <p14:creationId xmlns:p14="http://schemas.microsoft.com/office/powerpoint/2010/main" val="1920915311"/>
+      </p:ext>
+    </p:extLst>
   </p:cSld>
   <p:clrMapOvr>
     <a:masterClrMapping/>
@@ -10460,8 +8945,8 @@
         </p:nvSpPr>
         <p:spPr>
           <a:xfrm>
-            <a:off x="814728" y="727522"/>
-            <a:ext cx="4852988" cy="1617163"/>
+            <a:off x="581193" y="4693389"/>
+            <a:ext cx="11029616" cy="566738"/>
           </a:xfrm>
         </p:spPr>
         <p:txBody>
@@ -10470,7 +8955,11 @@
           </a:bodyPr>
           <a:lstStyle>
             <a:lvl1pPr algn="l">
-              <a:defRPr sz="2400" b="0"/>
+              <a:defRPr sz="2400" b="0">
+                <a:solidFill>
+                  <a:schemeClr val="accent1"/>
+                </a:solidFill>
+              </a:defRPr>
             </a:lvl1pPr>
           </a:lstStyle>
           <a:p>
@@ -10484,106 +8973,61 @@
       </p:sp>
       <p:sp>
         <p:nvSpPr>
-          <p:cNvPr id="9" name="Picture Placeholder 11"/>
+          <p:cNvPr id="3" name="Picture Placeholder 2"/>
           <p:cNvSpPr>
             <a:spLocks noGrp="1" noChangeAspect="1"/>
           </p:cNvSpPr>
           <p:nvPr>
-            <p:ph type="pic" sz="quarter" idx="13"/>
+            <p:ph type="pic" idx="1"/>
           </p:nvPr>
         </p:nvSpPr>
-        <p:spPr bwMode="auto">
+        <p:spPr>
           <a:xfrm>
-            <a:off x="6098117" y="0"/>
-            <a:ext cx="6093883" cy="6858000"/>
+            <a:off x="447817" y="599725"/>
+            <a:ext cx="11290859" cy="3557252"/>
           </a:xfrm>
-          <a:custGeom>
-            <a:avLst/>
-            <a:gdLst/>
-            <a:ahLst/>
-            <a:cxnLst/>
-            <a:rect l="0" t="0" r="r" b="b"/>
-            <a:pathLst>
-              <a:path w="2879" h="4320">
-                <a:moveTo>
-                  <a:pt x="183" y="0"/>
-                </a:moveTo>
-                <a:lnTo>
-                  <a:pt x="183" y="1197"/>
-                </a:lnTo>
-                <a:lnTo>
-                  <a:pt x="8" y="1372"/>
-                </a:lnTo>
-                <a:lnTo>
-                  <a:pt x="8" y="1372"/>
-                </a:lnTo>
-                <a:lnTo>
-                  <a:pt x="6" y="1376"/>
-                </a:lnTo>
-                <a:lnTo>
-                  <a:pt x="3" y="1382"/>
-                </a:lnTo>
-                <a:lnTo>
-                  <a:pt x="0" y="1387"/>
-                </a:lnTo>
-                <a:lnTo>
-                  <a:pt x="0" y="1393"/>
-                </a:lnTo>
-                <a:lnTo>
-                  <a:pt x="0" y="1399"/>
-                </a:lnTo>
-                <a:lnTo>
-                  <a:pt x="3" y="1404"/>
-                </a:lnTo>
-                <a:lnTo>
-                  <a:pt x="6" y="1410"/>
-                </a:lnTo>
-                <a:lnTo>
-                  <a:pt x="8" y="1414"/>
-                </a:lnTo>
-                <a:lnTo>
-                  <a:pt x="183" y="1589"/>
-                </a:lnTo>
-                <a:lnTo>
-                  <a:pt x="183" y="4320"/>
-                </a:lnTo>
-                <a:lnTo>
-                  <a:pt x="2879" y="4320"/>
-                </a:lnTo>
-                <a:lnTo>
-                  <a:pt x="2879" y="0"/>
-                </a:lnTo>
-                <a:lnTo>
-                  <a:pt x="183" y="0"/>
-                </a:lnTo>
-                <a:close/>
-              </a:path>
-            </a:pathLst>
-          </a:custGeom>
-          <a:noFill/>
-          <a:ln w="9525">
-            <a:solidFill>
-              <a:schemeClr val="tx2"/>
-            </a:solidFill>
-            <a:round/>
-            <a:headEnd/>
-            <a:tailEnd/>
-          </a:ln>
-          <a:effectLst/>
         </p:spPr>
         <p:txBody>
-          <a:bodyPr wrap="square" numCol="1" anchor="t" anchorCtr="0" compatLnSpc="1">
-            <a:prstTxWarp prst="textNoShape">
-              <a:avLst/>
-            </a:prstTxWarp>
+          <a:bodyPr anchor="t">
             <a:normAutofit/>
           </a:bodyPr>
           <a:lstStyle>
-            <a:lvl1pPr algn="ctr">
-              <a:buFontTx/>
+            <a:lvl1pPr marL="0" indent="0" algn="ctr">
               <a:buNone/>
-              <a:defRPr sz="1400"/>
+              <a:defRPr sz="1600"/>
             </a:lvl1pPr>
+            <a:lvl2pPr marL="457200" indent="0">
+              <a:buNone/>
+              <a:defRPr sz="1600"/>
+            </a:lvl2pPr>
+            <a:lvl3pPr marL="914400" indent="0">
+              <a:buNone/>
+              <a:defRPr sz="1600"/>
+            </a:lvl3pPr>
+            <a:lvl4pPr marL="1371600" indent="0">
+              <a:buNone/>
+              <a:defRPr sz="1600"/>
+            </a:lvl4pPr>
+            <a:lvl5pPr marL="1828800" indent="0">
+              <a:buNone/>
+              <a:defRPr sz="1600"/>
+            </a:lvl5pPr>
+            <a:lvl6pPr marL="2286000" indent="0">
+              <a:buNone/>
+              <a:defRPr sz="1600"/>
+            </a:lvl6pPr>
+            <a:lvl7pPr marL="2743200" indent="0">
+              <a:buNone/>
+              <a:defRPr sz="1600"/>
+            </a:lvl7pPr>
+            <a:lvl8pPr marL="3200400" indent="0">
+              <a:buNone/>
+              <a:defRPr sz="1600"/>
+            </a:lvl8pPr>
+            <a:lvl9pPr marL="3657600" indent="0">
+              <a:buNone/>
+              <a:defRPr sz="1600"/>
+            </a:lvl9pPr>
           </a:lstStyle>
           <a:p>
             <a:r>
@@ -10606,12 +9050,12 @@
         </p:nvSpPr>
         <p:spPr>
           <a:xfrm>
-            <a:off x="814728" y="2344684"/>
-            <a:ext cx="4852988" cy="3516365"/>
+            <a:off x="581192" y="5260127"/>
+            <a:ext cx="11029617" cy="598671"/>
           </a:xfrm>
         </p:spPr>
         <p:txBody>
-          <a:bodyPr anchor="t">
+          <a:bodyPr>
             <a:normAutofit/>
           </a:bodyPr>
           <a:lstStyle>
@@ -10671,18 +9115,13 @@
             <p:ph type="dt" sz="half" idx="10"/>
           </p:nvPr>
         </p:nvSpPr>
-        <p:spPr>
-          <a:xfrm>
-            <a:off x="3885810" y="6041362"/>
-            <a:ext cx="976879" cy="365125"/>
-          </a:xfrm>
-        </p:spPr>
+        <p:spPr/>
         <p:txBody>
           <a:bodyPr/>
           <a:lstStyle/>
           <a:p>
-            <a:fld id="{18C79C5D-2A6F-F04D-97DA-BEF2467B64E4}" type="datetimeFigureOut">
-              <a:rPr lang="en-US" dirty="0"/>
+            <a:fld id="{09B482E8-6E0E-1B4F-B1FD-C69DB9E858D9}" type="datetimeFigureOut">
+              <a:rPr lang="en-US" smtClean="0"/>
               <a:pPr/>
               <a:t>5/30/18</a:t>
             </a:fld>
@@ -10700,12 +9139,7 @@
             <p:ph type="ftr" sz="quarter" idx="11"/>
           </p:nvPr>
         </p:nvSpPr>
-        <p:spPr>
-          <a:xfrm>
-            <a:off x="590396" y="6041362"/>
-            <a:ext cx="3295413" cy="365125"/>
-          </a:xfrm>
-        </p:spPr>
+        <p:spPr/>
         <p:txBody>
           <a:bodyPr/>
           <a:lstStyle/>
@@ -10724,18 +9158,13 @@
             <p:ph type="sldNum" sz="quarter" idx="12"/>
           </p:nvPr>
         </p:nvSpPr>
-        <p:spPr>
-          <a:xfrm>
-            <a:off x="4862689" y="5915888"/>
-            <a:ext cx="1062155" cy="490599"/>
-          </a:xfrm>
-        </p:spPr>
+        <p:spPr/>
         <p:txBody>
           <a:bodyPr/>
           <a:lstStyle/>
           <a:p>
             <a:fld id="{D57F1E4F-1CFF-5643-939E-217C01CDF565}" type="slidenum">
-              <a:rPr lang="en-US" dirty="0"/>
+              <a:rPr lang="en-US" smtClean="0"/>
               <a:pPr/>
               <a:t>‹#›</a:t>
             </a:fld>
@@ -10744,10 +9173,16 @@
         </p:txBody>
       </p:sp>
     </p:spTree>
+    <p:extLst>
+      <p:ext uri="{BB962C8B-B14F-4D97-AF65-F5344CB8AC3E}">
+        <p14:creationId xmlns:p14="http://schemas.microsoft.com/office/powerpoint/2010/main" val="1240182897"/>
+      </p:ext>
+    </p:extLst>
   </p:cSld>
   <p:clrMapOvr>
     <a:masterClrMapping/>
   </p:clrMapOvr>
+  <p:hf sldNum="0" hdr="0" ftr="0" dt="0"/>
 </p:sldLayout>
 </file>
 
@@ -10756,7 +9191,7 @@
   <p:cSld>
     <p:bg>
       <p:bgRef idx="1001">
-        <a:schemeClr val="bg2"/>
+        <a:schemeClr val="bg1"/>
       </p:bgRef>
     </p:bg>
     <p:spTree>
@@ -10785,23 +9220,16 @@
         </p:nvSpPr>
         <p:spPr>
           <a:xfrm>
-            <a:off x="810000" y="447188"/>
-            <a:ext cx="10571998" cy="970450"/>
+            <a:off x="581192" y="705124"/>
+            <a:ext cx="11029616" cy="1189554"/>
           </a:xfrm>
           <a:prstGeom prst="rect">
             <a:avLst/>
           </a:prstGeom>
-          <a:effectLst>
-            <a:outerShdw blurRad="50800" dir="14400000">
-              <a:srgbClr val="000000">
-                <a:alpha val="60000"/>
-              </a:srgbClr>
-            </a:outerShdw>
-          </a:effectLst>
         </p:spPr>
         <p:txBody>
           <a:bodyPr vert="horz" lIns="91440" tIns="45720" rIns="91440" bIns="45720" rtlCol="0" anchor="b">
-            <a:noAutofit/>
+            <a:normAutofit/>
           </a:bodyPr>
           <a:lstStyle/>
           <a:p>
@@ -10825,19 +9253,12 @@
         </p:nvSpPr>
         <p:spPr>
           <a:xfrm>
-            <a:off x="810000" y="2184401"/>
-            <a:ext cx="10563285" cy="3674397"/>
+            <a:off x="581192" y="2336003"/>
+            <a:ext cx="11029616" cy="3522794"/>
           </a:xfrm>
           <a:prstGeom prst="rect">
             <a:avLst/>
           </a:prstGeom>
-          <a:effectLst>
-            <a:outerShdw blurRad="50800" dir="14400000">
-              <a:srgbClr val="000000">
-                <a:alpha val="40000"/>
-              </a:srgbClr>
-            </a:outerShdw>
-          </a:effectLst>
         </p:spPr>
         <p:txBody>
           <a:bodyPr vert="horz" lIns="91440" tIns="45720" rIns="91440" bIns="45720" rtlCol="0" anchor="ctr">
@@ -10878,6 +9299,46 @@
               <a:rPr lang="en-US"/>
               <a:t>Fifth level</a:t>
             </a:r>
+            <a:endParaRPr lang="en-US" dirty="0"/>
+          </a:p>
+        </p:txBody>
+      </p:sp>
+      <p:sp>
+        <p:nvSpPr>
+          <p:cNvPr id="4" name="Date Placeholder 3"/>
+          <p:cNvSpPr>
+            <a:spLocks noGrp="1"/>
+          </p:cNvSpPr>
+          <p:nvPr>
+            <p:ph type="dt" sz="half" idx="2"/>
+          </p:nvPr>
+        </p:nvSpPr>
+        <p:spPr>
+          <a:xfrm>
+            <a:off x="7605951" y="5956137"/>
+            <a:ext cx="2844799" cy="365125"/>
+          </a:xfrm>
+          <a:prstGeom prst="rect">
+            <a:avLst/>
+          </a:prstGeom>
+        </p:spPr>
+        <p:txBody>
+          <a:bodyPr vert="horz" lIns="91440" tIns="45720" rIns="91440" bIns="45720" rtlCol="0" anchor="ctr"/>
+          <a:lstStyle>
+            <a:lvl1pPr algn="r">
+              <a:defRPr sz="900">
+                <a:solidFill>
+                  <a:schemeClr val="accent2"/>
+                </a:solidFill>
+              </a:defRPr>
+            </a:lvl1pPr>
+          </a:lstStyle>
+          <a:p>
+            <a:fld id="{09B482E8-6E0E-1B4F-B1FD-C69DB9E858D9}" type="datetimeFigureOut">
+              <a:rPr lang="en-US" smtClean="0"/>
+              <a:pPr/>
+              <a:t>5/30/18</a:t>
+            </a:fld>
             <a:endParaRPr lang="en-US" dirty="0"/>
           </a:p>
         </p:txBody>
@@ -10894,65 +9355,25 @@
         </p:nvSpPr>
         <p:spPr>
           <a:xfrm>
-            <a:off x="451514" y="6041362"/>
-            <a:ext cx="8644320" cy="365125"/>
+            <a:off x="581192" y="5951811"/>
+            <a:ext cx="6917210" cy="365125"/>
           </a:xfrm>
           <a:prstGeom prst="rect">
             <a:avLst/>
           </a:prstGeom>
         </p:spPr>
         <p:txBody>
-          <a:bodyPr vert="horz" lIns="91440" tIns="45720" rIns="91440" bIns="45720" rtlCol="0" anchor="b"/>
+          <a:bodyPr vert="horz" lIns="91440" tIns="45720" rIns="91440" bIns="45720" rtlCol="0" anchor="ctr"/>
           <a:lstStyle>
             <a:lvl1pPr algn="l">
-              <a:defRPr sz="900">
+              <a:defRPr sz="900" cap="all">
                 <a:solidFill>
-                  <a:schemeClr val="tx1"/>
+                  <a:schemeClr val="accent2"/>
                 </a:solidFill>
               </a:defRPr>
             </a:lvl1pPr>
           </a:lstStyle>
           <a:p>
-            <a:endParaRPr lang="en-US" dirty="0"/>
-          </a:p>
-        </p:txBody>
-      </p:sp>
-      <p:sp>
-        <p:nvSpPr>
-          <p:cNvPr id="4" name="Date Placeholder 3"/>
-          <p:cNvSpPr>
-            <a:spLocks noGrp="1"/>
-          </p:cNvSpPr>
-          <p:nvPr>
-            <p:ph type="dt" sz="half" idx="2"/>
-          </p:nvPr>
-        </p:nvSpPr>
-        <p:spPr>
-          <a:xfrm>
-            <a:off x="9334626" y="6041362"/>
-            <a:ext cx="1343706" cy="365125"/>
-          </a:xfrm>
-          <a:prstGeom prst="rect">
-            <a:avLst/>
-          </a:prstGeom>
-        </p:spPr>
-        <p:txBody>
-          <a:bodyPr vert="horz" lIns="91440" tIns="45720" rIns="91440" bIns="45720" rtlCol="0" anchor="b"/>
-          <a:lstStyle>
-            <a:lvl1pPr algn="r">
-              <a:defRPr sz="900">
-                <a:solidFill>
-                  <a:schemeClr val="tx1"/>
-                </a:solidFill>
-              </a:defRPr>
-            </a:lvl1pPr>
-          </a:lstStyle>
-          <a:p>
-            <a:fld id="{09B482E8-6E0E-1B4F-B1FD-C69DB9E858D9}" type="datetimeFigureOut">
-              <a:rPr lang="en-US" dirty="0"/>
-              <a:pPr/>
-              <a:t>5/30/18</a:t>
-            </a:fld>
             <a:endParaRPr lang="en-US" dirty="0"/>
           </a:p>
         </p:txBody>
@@ -10969,27 +9390,27 @@
         </p:nvSpPr>
         <p:spPr>
           <a:xfrm>
-            <a:off x="10678331" y="5915888"/>
-            <a:ext cx="1062155" cy="490599"/>
+            <a:off x="10558300" y="5956137"/>
+            <a:ext cx="1052510" cy="365125"/>
           </a:xfrm>
           <a:prstGeom prst="rect">
             <a:avLst/>
           </a:prstGeom>
         </p:spPr>
         <p:txBody>
-          <a:bodyPr vert="horz" lIns="91440" tIns="45720" rIns="91440" bIns="10800" rtlCol="0" anchor="b"/>
+          <a:bodyPr vert="horz" lIns="91440" tIns="45720" rIns="91440" bIns="45720" rtlCol="0" anchor="ctr"/>
           <a:lstStyle>
             <a:lvl1pPr algn="r">
-              <a:defRPr sz="2000">
+              <a:defRPr sz="900">
                 <a:solidFill>
-                  <a:schemeClr val="accent1"/>
+                  <a:schemeClr val="accent2"/>
                 </a:solidFill>
               </a:defRPr>
             </a:lvl1pPr>
           </a:lstStyle>
           <a:p>
             <a:fld id="{D57F1E4F-1CFF-5643-939E-217C01CDF565}" type="slidenum">
-              <a:rPr lang="en-US" dirty="0"/>
+              <a:rPr lang="en-US" smtClean="0"/>
               <a:pPr/>
               <a:t>‹#›</a:t>
             </a:fld>
@@ -10997,24 +9418,137 @@
           </a:p>
         </p:txBody>
       </p:sp>
+      <p:sp>
+        <p:nvSpPr>
+          <p:cNvPr id="9" name="Rectangle 8"/>
+          <p:cNvSpPr/>
+          <p:nvPr/>
+        </p:nvSpPr>
+        <p:spPr>
+          <a:xfrm>
+            <a:off x="446534" y="457200"/>
+            <a:ext cx="3703320" cy="94997"/>
+          </a:xfrm>
+          <a:prstGeom prst="rect">
+            <a:avLst/>
+          </a:prstGeom>
+          <a:solidFill>
+            <a:schemeClr val="accent1"/>
+          </a:solidFill>
+          <a:ln>
+            <a:noFill/>
+          </a:ln>
+          <a:effectLst/>
+        </p:spPr>
+        <p:style>
+          <a:lnRef idx="1">
+            <a:schemeClr val="accent1"/>
+          </a:lnRef>
+          <a:fillRef idx="3">
+            <a:schemeClr val="accent1"/>
+          </a:fillRef>
+          <a:effectRef idx="2">
+            <a:schemeClr val="accent1"/>
+          </a:effectRef>
+          <a:fontRef idx="minor">
+            <a:schemeClr val="lt1"/>
+          </a:fontRef>
+        </p:style>
+      </p:sp>
+      <p:sp>
+        <p:nvSpPr>
+          <p:cNvPr id="10" name="Rectangle 9"/>
+          <p:cNvSpPr/>
+          <p:nvPr/>
+        </p:nvSpPr>
+        <p:spPr>
+          <a:xfrm>
+            <a:off x="8042147" y="453643"/>
+            <a:ext cx="3703320" cy="98554"/>
+          </a:xfrm>
+          <a:prstGeom prst="rect">
+            <a:avLst/>
+          </a:prstGeom>
+          <a:solidFill>
+            <a:schemeClr val="accent4"/>
+          </a:solidFill>
+          <a:ln>
+            <a:noFill/>
+          </a:ln>
+          <a:effectLst/>
+        </p:spPr>
+        <p:style>
+          <a:lnRef idx="1">
+            <a:schemeClr val="accent1"/>
+          </a:lnRef>
+          <a:fillRef idx="3">
+            <a:schemeClr val="accent1"/>
+          </a:fillRef>
+          <a:effectRef idx="2">
+            <a:schemeClr val="accent1"/>
+          </a:effectRef>
+          <a:fontRef idx="minor">
+            <a:schemeClr val="lt1"/>
+          </a:fontRef>
+        </p:style>
+      </p:sp>
+      <p:sp>
+        <p:nvSpPr>
+          <p:cNvPr id="11" name="Rectangle 10"/>
+          <p:cNvSpPr/>
+          <p:nvPr/>
+        </p:nvSpPr>
+        <p:spPr>
+          <a:xfrm>
+            <a:off x="4241830" y="457200"/>
+            <a:ext cx="3703320" cy="91440"/>
+          </a:xfrm>
+          <a:prstGeom prst="rect">
+            <a:avLst/>
+          </a:prstGeom>
+          <a:solidFill>
+            <a:schemeClr val="accent2"/>
+          </a:solidFill>
+          <a:ln>
+            <a:noFill/>
+          </a:ln>
+          <a:effectLst/>
+        </p:spPr>
+        <p:style>
+          <a:lnRef idx="1">
+            <a:schemeClr val="accent1"/>
+          </a:lnRef>
+          <a:fillRef idx="3">
+            <a:schemeClr val="accent1"/>
+          </a:fillRef>
+          <a:effectRef idx="2">
+            <a:schemeClr val="accent1"/>
+          </a:effectRef>
+          <a:fontRef idx="minor">
+            <a:schemeClr val="lt1"/>
+          </a:fontRef>
+        </p:style>
+      </p:sp>
     </p:spTree>
+    <p:extLst>
+      <p:ext uri="{BB962C8B-B14F-4D97-AF65-F5344CB8AC3E}">
+        <p14:creationId xmlns:p14="http://schemas.microsoft.com/office/powerpoint/2010/main" val="1121495669"/>
+      </p:ext>
+    </p:extLst>
   </p:cSld>
-  <p:clrMap bg1="dk1" tx1="lt1" bg2="dk2" tx2="lt2" accent1="accent1" accent2="accent2" accent3="accent3" accent4="accent4" accent5="accent5" accent6="accent6" hlink="hlink" folHlink="folHlink"/>
+  <p:clrMap bg1="lt1" tx1="dk1" bg2="lt2" tx2="dk2" accent1="accent1" accent2="accent2" accent3="accent3" accent4="accent4" accent5="accent5" accent6="accent6" hlink="hlink" folHlink="folHlink"/>
   <p:sldLayoutIdLst>
-    <p:sldLayoutId id="2147483649" r:id="rId1"/>
-    <p:sldLayoutId id="2147483650" r:id="rId2"/>
-    <p:sldLayoutId id="2147483651" r:id="rId3"/>
-    <p:sldLayoutId id="2147483652" r:id="rId4"/>
-    <p:sldLayoutId id="2147483653" r:id="rId5"/>
-    <p:sldLayoutId id="2147483654" r:id="rId6"/>
-    <p:sldLayoutId id="2147483655" r:id="rId7"/>
-    <p:sldLayoutId id="2147483656" r:id="rId8"/>
-    <p:sldLayoutId id="2147483663" r:id="rId9"/>
-    <p:sldLayoutId id="2147483657" r:id="rId10"/>
-    <p:sldLayoutId id="2147483666" r:id="rId11"/>
-    <p:sldLayoutId id="2147483661" r:id="rId12"/>
-    <p:sldLayoutId id="2147483658" r:id="rId13"/>
-    <p:sldLayoutId id="2147483659" r:id="rId14"/>
+    <p:sldLayoutId id="2147483776" r:id="rId1"/>
+    <p:sldLayoutId id="2147483777" r:id="rId2"/>
+    <p:sldLayoutId id="2147483778" r:id="rId3"/>
+    <p:sldLayoutId id="2147483779" r:id="rId4"/>
+    <p:sldLayoutId id="2147483780" r:id="rId5"/>
+    <p:sldLayoutId id="2147483781" r:id="rId6"/>
+    <p:sldLayoutId id="2147483782" r:id="rId7"/>
+    <p:sldLayoutId id="2147483783" r:id="rId8"/>
+    <p:sldLayoutId id="2147483784" r:id="rId9"/>
+    <p:sldLayoutId id="2147483785" r:id="rId10"/>
+    <p:sldLayoutId id="2147483786" r:id="rId11"/>
   </p:sldLayoutIdLst>
   <p:hf sldNum="0" hdr="0" ftr="0" dt="0"/>
   <p:txStyles>
@@ -11024,9 +9558,9 @@
           <a:spcPct val="0"/>
         </a:spcBef>
         <a:buNone/>
-        <a:defRPr sz="4000" b="1" kern="1200">
+        <a:defRPr sz="2800" b="0" kern="1200" cap="all">
           <a:solidFill>
-            <a:srgbClr val="FEFEFE"/>
+            <a:schemeClr val="bg1"/>
           </a:solidFill>
           <a:latin typeface="+mj-lt"/>
           <a:ea typeface="+mj-ea"/>
@@ -11091,7 +9625,7 @@
       </a:lvl9pPr>
     </p:titleStyle>
     <p:bodyStyle>
-      <a:lvl1pPr marL="342900" indent="-342900" algn="l" defTabSz="457200" rtl="0" eaLnBrk="1" latinLnBrk="0" hangingPunct="1">
+      <a:lvl1pPr marL="306000" indent="-306000" algn="l" defTabSz="457200" rtl="0" eaLnBrk="1" latinLnBrk="0" hangingPunct="1">
         <a:spcBef>
           <a:spcPct val="20000"/>
         </a:spcBef>
@@ -11099,20 +9633,21 @@
           <a:spcPts val="600"/>
         </a:spcAft>
         <a:buClr>
-          <a:schemeClr val="accent1"/>
+          <a:schemeClr val="accent2"/>
         </a:buClr>
-        <a:buFont typeface="Wingdings 2" charset="2"/>
-        <a:buChar char=""/>
+        <a:buSzPct val="92000"/>
+        <a:buFont typeface="Wingdings 2" panose="05020102010507070707" pitchFamily="18" charset="2"/>
+        <a:buChar char=""/>
         <a:defRPr sz="1800" kern="1200">
           <a:solidFill>
-            <a:schemeClr val="tx1"/>
+            <a:schemeClr val="tx2"/>
           </a:solidFill>
           <a:latin typeface="+mn-lt"/>
           <a:ea typeface="+mn-ea"/>
           <a:cs typeface="+mn-cs"/>
         </a:defRPr>
       </a:lvl1pPr>
-      <a:lvl2pPr marL="742950" indent="-285750" algn="l" defTabSz="457200" rtl="0" eaLnBrk="1" latinLnBrk="0" hangingPunct="1">
+      <a:lvl2pPr marL="630000" indent="-306000" algn="l" defTabSz="457200" rtl="0" eaLnBrk="1" latinLnBrk="0" hangingPunct="1">
         <a:spcBef>
           <a:spcPct val="20000"/>
         </a:spcBef>
@@ -11120,20 +9655,21 @@
           <a:spcPts val="600"/>
         </a:spcAft>
         <a:buClr>
-          <a:schemeClr val="accent1"/>
+          <a:schemeClr val="accent2"/>
         </a:buClr>
-        <a:buFont typeface="Wingdings 2" charset="2"/>
-        <a:buChar char=""/>
+        <a:buSzPct val="92000"/>
+        <a:buFont typeface="Wingdings 2" panose="05020102010507070707" pitchFamily="18" charset="2"/>
+        <a:buChar char=""/>
         <a:defRPr sz="1600" kern="1200">
           <a:solidFill>
-            <a:schemeClr val="tx1"/>
+            <a:schemeClr val="tx2"/>
           </a:solidFill>
           <a:latin typeface="+mn-lt"/>
           <a:ea typeface="+mn-ea"/>
           <a:cs typeface="+mn-cs"/>
         </a:defRPr>
       </a:lvl2pPr>
-      <a:lvl3pPr marL="1143000" indent="-228600" algn="l" defTabSz="457200" rtl="0" eaLnBrk="1" latinLnBrk="0" hangingPunct="1">
+      <a:lvl3pPr marL="900000" indent="-270000" algn="l" defTabSz="457200" rtl="0" eaLnBrk="1" latinLnBrk="0" hangingPunct="1">
         <a:spcBef>
           <a:spcPct val="20000"/>
         </a:spcBef>
@@ -11141,20 +9677,21 @@
           <a:spcPts val="600"/>
         </a:spcAft>
         <a:buClr>
-          <a:schemeClr val="accent1"/>
+          <a:schemeClr val="accent2"/>
         </a:buClr>
-        <a:buFont typeface="Wingdings 2" charset="2"/>
-        <a:buChar char=""/>
+        <a:buSzPct val="92000"/>
+        <a:buFont typeface="Wingdings 2" panose="05020102010507070707" pitchFamily="18" charset="2"/>
+        <a:buChar char=""/>
         <a:defRPr sz="1400" kern="1200">
           <a:solidFill>
-            <a:schemeClr val="tx1"/>
+            <a:schemeClr val="tx2"/>
           </a:solidFill>
           <a:latin typeface="+mn-lt"/>
           <a:ea typeface="+mn-ea"/>
           <a:cs typeface="+mn-cs"/>
         </a:defRPr>
       </a:lvl3pPr>
-      <a:lvl4pPr marL="1600200" indent="-228600" algn="l" defTabSz="457200" rtl="0" eaLnBrk="1" latinLnBrk="0" hangingPunct="1">
+      <a:lvl4pPr marL="1242000" indent="-234000" algn="l" defTabSz="457200" rtl="0" eaLnBrk="1" latinLnBrk="0" hangingPunct="1">
         <a:spcBef>
           <a:spcPct val="20000"/>
         </a:spcBef>
@@ -11162,20 +9699,21 @@
           <a:spcPts val="600"/>
         </a:spcAft>
         <a:buClr>
-          <a:schemeClr val="accent1"/>
+          <a:schemeClr val="accent2"/>
         </a:buClr>
-        <a:buFont typeface="Wingdings 2" charset="2"/>
-        <a:buChar char=""/>
+        <a:buSzPct val="92000"/>
+        <a:buFont typeface="Wingdings 2" panose="05020102010507070707" pitchFamily="18" charset="2"/>
+        <a:buChar char=""/>
         <a:defRPr sz="1200" kern="1200">
           <a:solidFill>
-            <a:schemeClr val="tx1"/>
+            <a:schemeClr val="tx2"/>
           </a:solidFill>
           <a:latin typeface="+mn-lt"/>
           <a:ea typeface="+mn-ea"/>
           <a:cs typeface="+mn-cs"/>
         </a:defRPr>
       </a:lvl4pPr>
-      <a:lvl5pPr marL="2057400" indent="-228600" algn="l" defTabSz="457200" rtl="0" eaLnBrk="1" latinLnBrk="0" hangingPunct="1">
+      <a:lvl5pPr marL="1602000" indent="-234000" algn="l" defTabSz="457200" rtl="0" eaLnBrk="1" latinLnBrk="0" hangingPunct="1">
         <a:spcBef>
           <a:spcPct val="20000"/>
         </a:spcBef>
@@ -11183,20 +9721,21 @@
           <a:spcPts val="600"/>
         </a:spcAft>
         <a:buClr>
-          <a:schemeClr val="accent1"/>
+          <a:schemeClr val="accent2"/>
         </a:buClr>
-        <a:buFont typeface="Wingdings 2" charset="2"/>
-        <a:buChar char=""/>
+        <a:buSzPct val="92000"/>
+        <a:buFont typeface="Wingdings 2" panose="05020102010507070707" pitchFamily="18" charset="2"/>
+        <a:buChar char=""/>
         <a:defRPr sz="1200" kern="1200">
           <a:solidFill>
-            <a:schemeClr val="tx1"/>
+            <a:schemeClr val="tx2"/>
           </a:solidFill>
           <a:latin typeface="+mn-lt"/>
           <a:ea typeface="+mn-ea"/>
           <a:cs typeface="+mn-cs"/>
         </a:defRPr>
       </a:lvl5pPr>
-      <a:lvl6pPr marL="2400000" indent="-228600" algn="l" defTabSz="457200" rtl="0" eaLnBrk="1" latinLnBrk="0" hangingPunct="1">
+      <a:lvl6pPr marL="1900000" indent="-228600" algn="l" defTabSz="457200" rtl="0" eaLnBrk="1" latinLnBrk="0" hangingPunct="1">
         <a:spcBef>
           <a:spcPct val="20000"/>
         </a:spcBef>
@@ -11204,20 +9743,21 @@
           <a:spcPts val="600"/>
         </a:spcAft>
         <a:buClr>
-          <a:schemeClr val="accent1"/>
+          <a:schemeClr val="accent2"/>
         </a:buClr>
-        <a:buFont typeface="Wingdings 2" charset="2"/>
-        <a:buChar char=""/>
+        <a:buSzPct val="92000"/>
+        <a:buFont typeface="Wingdings 2" panose="05020102010507070707" pitchFamily="18" charset="2"/>
+        <a:buChar char=""/>
         <a:defRPr sz="1200" kern="1200">
           <a:solidFill>
-            <a:schemeClr val="tx1"/>
+            <a:schemeClr val="tx2"/>
           </a:solidFill>
           <a:latin typeface="+mn-lt"/>
           <a:ea typeface="+mn-ea"/>
           <a:cs typeface="+mn-cs"/>
         </a:defRPr>
       </a:lvl6pPr>
-      <a:lvl7pPr marL="2800000" indent="-228600" algn="l" defTabSz="457200" rtl="0" eaLnBrk="1" latinLnBrk="0" hangingPunct="1">
+      <a:lvl7pPr marL="2200000" indent="-228600" algn="l" defTabSz="457200" rtl="0" eaLnBrk="1" latinLnBrk="0" hangingPunct="1">
         <a:spcBef>
           <a:spcPct val="20000"/>
         </a:spcBef>
@@ -11225,20 +9765,21 @@
           <a:spcPts val="600"/>
         </a:spcAft>
         <a:buClr>
-          <a:schemeClr val="accent1"/>
+          <a:schemeClr val="accent2"/>
         </a:buClr>
-        <a:buFont typeface="Wingdings 2" charset="2"/>
-        <a:buChar char=""/>
+        <a:buSzPct val="92000"/>
+        <a:buFont typeface="Wingdings 2" panose="05020102010507070707" pitchFamily="18" charset="2"/>
+        <a:buChar char=""/>
         <a:defRPr sz="1200" kern="1200">
           <a:solidFill>
-            <a:schemeClr val="tx1"/>
+            <a:schemeClr val="tx2"/>
           </a:solidFill>
           <a:latin typeface="+mn-lt"/>
           <a:ea typeface="+mn-ea"/>
           <a:cs typeface="+mn-cs"/>
         </a:defRPr>
       </a:lvl7pPr>
-      <a:lvl8pPr marL="3200000" indent="-228600" algn="l" defTabSz="457200" rtl="0" eaLnBrk="1" latinLnBrk="0" hangingPunct="1">
+      <a:lvl8pPr marL="2500000" indent="-228600" algn="l" defTabSz="457200" rtl="0" eaLnBrk="1" latinLnBrk="0" hangingPunct="1">
         <a:spcBef>
           <a:spcPct val="20000"/>
         </a:spcBef>
@@ -11246,20 +9787,21 @@
           <a:spcPts val="600"/>
         </a:spcAft>
         <a:buClr>
-          <a:schemeClr val="accent1"/>
+          <a:schemeClr val="accent2"/>
         </a:buClr>
-        <a:buFont typeface="Wingdings 2" charset="2"/>
-        <a:buChar char=""/>
+        <a:buSzPct val="92000"/>
+        <a:buFont typeface="Wingdings 2" panose="05020102010507070707" pitchFamily="18" charset="2"/>
+        <a:buChar char=""/>
         <a:defRPr sz="1200" kern="1200">
           <a:solidFill>
-            <a:schemeClr val="tx1"/>
+            <a:schemeClr val="tx2"/>
           </a:solidFill>
           <a:latin typeface="+mn-lt"/>
           <a:ea typeface="+mn-ea"/>
           <a:cs typeface="+mn-cs"/>
         </a:defRPr>
       </a:lvl8pPr>
-      <a:lvl9pPr marL="3600000" indent="-228600" algn="l" defTabSz="457200" rtl="0" eaLnBrk="1" latinLnBrk="0" hangingPunct="1">
+      <a:lvl9pPr marL="2800000" indent="-228600" algn="l" defTabSz="457200" rtl="0" eaLnBrk="1" latinLnBrk="0" hangingPunct="1">
         <a:spcBef>
           <a:spcPct val="20000"/>
         </a:spcBef>
@@ -11267,13 +9809,14 @@
           <a:spcPts val="600"/>
         </a:spcAft>
         <a:buClr>
-          <a:schemeClr val="accent1"/>
+          <a:schemeClr val="accent2"/>
         </a:buClr>
-        <a:buFont typeface="Wingdings 2" charset="2"/>
-        <a:buChar char=""/>
+        <a:buSzPct val="92000"/>
+        <a:buFont typeface="Wingdings 2" panose="05020102010507070707" pitchFamily="18" charset="2"/>
+        <a:buChar char=""/>
         <a:defRPr sz="1200" kern="1200">
           <a:solidFill>
-            <a:schemeClr val="tx1"/>
+            <a:schemeClr val="tx2"/>
           </a:solidFill>
           <a:latin typeface="+mn-lt"/>
           <a:ea typeface="+mn-ea"/>
@@ -11377,6 +9920,11 @@
       </a:lvl9pPr>
     </p:otherStyle>
   </p:txStyles>
+  <p:extLst>
+    <p:ext uri="{27BBF7A9-308A-43DC-89C8-2F10F3537804}">
+      <p15:sldGuideLst xmlns:p15="http://schemas.microsoft.com/office/powerpoint/2012/main"/>
+    </p:ext>
+  </p:extLst>
 </p:sldMaster>
 </file>
 
@@ -11530,8 +10078,8 @@
           </p:nvPr>
         </p:nvGraphicFramePr>
         <p:xfrm>
-          <a:off x="819150" y="2222500"/>
-          <a:ext cx="10553700" cy="3636963"/>
+          <a:off x="581025" y="2181225"/>
+          <a:ext cx="11029950" cy="3678238"/>
         </p:xfrm>
         <a:graphic>
           <a:graphicData uri="http://schemas.openxmlformats.org/drawingml/2006/chart">
@@ -11616,8 +10164,8 @@
               </p:nvPr>
             </p:nvGraphicFramePr>
             <p:xfrm>
-              <a:off x="819150" y="2222500"/>
-              <a:ext cx="10553700" cy="3636963"/>
+              <a:off x="581025" y="2181225"/>
+              <a:ext cx="11029950" cy="3678238"/>
             </p:xfrm>
             <a:graphic>
               <a:graphicData uri="http://schemas.microsoft.com/office/drawing/2014/chartex">
@@ -11736,8 +10284,8 @@
               </p:nvPr>
             </p:nvGraphicFramePr>
             <p:xfrm>
-              <a:off x="819150" y="2222500"/>
-              <a:ext cx="10553700" cy="3636963"/>
+              <a:off x="581025" y="2181225"/>
+              <a:ext cx="11029950" cy="3678238"/>
             </p:xfrm>
             <a:graphic>
               <a:graphicData uri="http://schemas.microsoft.com/office/drawing/2014/chartex">
@@ -12145,7 +10693,9 @@
         </p:nvSpPr>
         <p:spPr/>
         <p:txBody>
-          <a:bodyPr/>
+          <a:bodyPr>
+            <a:normAutofit/>
+          </a:bodyPr>
           <a:lstStyle/>
           <a:p>
             <a:r>
@@ -13326,8 +11876,8 @@
           </p:nvPr>
         </p:nvGraphicFramePr>
         <p:xfrm>
-          <a:off x="819150" y="2222500"/>
-          <a:ext cx="10553700" cy="3636963"/>
+          <a:off x="581025" y="2181225"/>
+          <a:ext cx="11029950" cy="3678238"/>
         </p:xfrm>
         <a:graphic>
           <a:graphicData uri="http://schemas.openxmlformats.org/drawingml/2006/chart">
@@ -13349,9 +11899,9 @@
 </file>
 
 <file path=ppt/theme/theme1.xml><?xml version="1.0" encoding="utf-8"?>
-<a:theme xmlns:a="http://schemas.openxmlformats.org/drawingml/2006/main" name="Quotable">
+<a:theme xmlns:a="http://schemas.openxmlformats.org/drawingml/2006/main" name="Dividend">
   <a:themeElements>
-    <a:clrScheme name="Quotable">
+    <a:clrScheme name="Dividend">
       <a:dk1>
         <a:sysClr val="windowText" lastClr="000000"/>
       </a:dk1>
@@ -13359,48 +11909,50 @@
         <a:sysClr val="window" lastClr="FFFFFF"/>
       </a:lt1>
       <a:dk2>
-        <a:srgbClr val="212121"/>
+        <a:srgbClr val="3D3D3D"/>
       </a:dk2>
       <a:lt2>
-        <a:srgbClr val="636363"/>
+        <a:srgbClr val="EBEBEB"/>
       </a:lt2>
       <a:accent1>
-        <a:srgbClr val="00C6BB"/>
+        <a:srgbClr val="4D1434"/>
       </a:accent1>
       <a:accent2>
-        <a:srgbClr val="6FEBA0"/>
+        <a:srgbClr val="903163"/>
       </a:accent2>
       <a:accent3>
-        <a:srgbClr val="B6DF5E"/>
+        <a:srgbClr val="B2324B"/>
       </a:accent3>
       <a:accent4>
-        <a:srgbClr val="EFB251"/>
+        <a:srgbClr val="969FA7"/>
       </a:accent4>
       <a:accent5>
-        <a:srgbClr val="EF755F"/>
+        <a:srgbClr val="66B1CE"/>
       </a:accent5>
       <a:accent6>
-        <a:srgbClr val="ED515C"/>
+        <a:srgbClr val="40619D"/>
       </a:accent6>
       <a:hlink>
-        <a:srgbClr val="8F8F8F"/>
+        <a:srgbClr val="828282"/>
       </a:hlink>
       <a:folHlink>
         <a:srgbClr val="A5A5A5"/>
       </a:folHlink>
     </a:clrScheme>
-    <a:fontScheme name="Quotable">
+    <a:fontScheme name="Dividend">
       <a:majorFont>
-        <a:latin typeface="Century Gothic" panose="020B0502020202020204"/>
+        <a:latin typeface="Gill Sans MT" panose="020B0502020104020203"/>
         <a:ea typeface=""/>
         <a:cs typeface=""/>
-        <a:font script="Jpan" typeface="ＭＳ ゴシック"/>
-        <a:font script="Hang" typeface="맑은 고딕"/>
-        <a:font script="Hans" typeface="宋体"/>
-        <a:font script="Hant" typeface="新細明體"/>
-        <a:font script="Arab" typeface="Tahoma"/>
-        <a:font script="Hebr" typeface="Gisha"/>
-        <a:font script="Thai" typeface="DilleniaUPC"/>
+        <a:font script="Grek" typeface="Corbel"/>
+        <a:font script="Cyrl" typeface="Corbel"/>
+        <a:font script="Jpan" typeface="HGｺﾞｼｯｸE"/>
+        <a:font script="Hang" typeface="휴먼매직체"/>
+        <a:font script="Hans" typeface="华文中宋"/>
+        <a:font script="Hant" typeface="微軟正黑體"/>
+        <a:font script="Arab" typeface="Majalla UI"/>
+        <a:font script="Hebr" typeface="Arial"/>
+        <a:font script="Thai" typeface="Cordia New"/>
         <a:font script="Ethi" typeface="Nyala"/>
         <a:font script="Beng" typeface="Vrinda"/>
         <a:font script="Gujr" typeface="Shruti"/>
@@ -13426,16 +11978,18 @@
         <a:font script="Geor" typeface="Sylfaen"/>
       </a:majorFont>
       <a:minorFont>
-        <a:latin typeface="Century Gothic" panose="020B0502020202020204"/>
+        <a:latin typeface="Gill Sans MT" panose="020B0502020104020203"/>
         <a:ea typeface=""/>
         <a:cs typeface=""/>
-        <a:font script="Jpan" typeface="ＭＳ ゴシック"/>
-        <a:font script="Hang" typeface="맑은 고딕"/>
-        <a:font script="Hans" typeface="宋体"/>
-        <a:font script="Hant" typeface="新細明體"/>
-        <a:font script="Arab" typeface="Tahoma"/>
-        <a:font script="Hebr" typeface="Gisha"/>
-        <a:font script="Thai" typeface="DilleniaUPC"/>
+        <a:font script="Grek" typeface="Corbel"/>
+        <a:font script="Cyrl" typeface="Corbel"/>
+        <a:font script="Jpan" typeface="HGｺﾞｼｯｸE"/>
+        <a:font script="Hang" typeface="휴먼매직체"/>
+        <a:font script="Hans" typeface="华文中宋"/>
+        <a:font script="Hant" typeface="微軟正黑體"/>
+        <a:font script="Arab" typeface="Majalla UI"/>
+        <a:font script="Hebr" typeface="Arial"/>
+        <a:font script="Thai" typeface="Cordia New"/>
         <a:font script="Ethi" typeface="Nyala"/>
         <a:font script="Beng" typeface="Vrinda"/>
         <a:font script="Gujr" typeface="Shruti"/>
@@ -13456,12 +12010,12 @@
         <a:font script="Laoo" typeface="DokChampa"/>
         <a:font script="Sinh" typeface="Iskoola Pota"/>
         <a:font script="Mong" typeface="Mongolian Baiti"/>
-        <a:font script="Viet" typeface="Verdana"/>
+        <a:font script="Viet" typeface="Tahoma"/>
         <a:font script="Uigh" typeface="Microsoft Uighur"/>
         <a:font script="Geor" typeface="Sylfaen"/>
       </a:minorFont>
     </a:fontScheme>
-    <a:fmtScheme name="Quotable">
+    <a:fmtScheme name="Dividend">
       <a:fillStyleLst>
         <a:solidFill>
           <a:schemeClr val="phClr"/>
@@ -13470,42 +12024,48 @@
           <a:gsLst>
             <a:gs pos="0">
               <a:schemeClr val="phClr">
-                <a:tint val="80000"/>
-                <a:lumMod val="105000"/>
+                <a:tint val="68000"/>
+                <a:alpha val="90000"/>
+                <a:lumMod val="100000"/>
               </a:schemeClr>
             </a:gs>
             <a:gs pos="100000">
               <a:schemeClr val="phClr">
                 <a:tint val="90000"/>
+                <a:lumMod val="95000"/>
+              </a:schemeClr>
+            </a:gs>
+          </a:gsLst>
+          <a:lin ang="5400000" scaled="1"/>
+        </a:gradFill>
+        <a:gradFill rotWithShape="1">
+          <a:gsLst>
+            <a:gs pos="0">
+              <a:schemeClr val="phClr">
+                <a:tint val="98000"/>
+                <a:lumMod val="110000"/>
+              </a:schemeClr>
+            </a:gs>
+            <a:gs pos="84000">
+              <a:schemeClr val="phClr">
+                <a:shade val="90000"/>
+                <a:lumMod val="88000"/>
               </a:schemeClr>
             </a:gs>
           </a:gsLst>
           <a:lin ang="5400000" scaled="0"/>
         </a:gradFill>
-        <a:blipFill rotWithShape="1">
-          <a:blip xmlns:r="http://schemas.openxmlformats.org/officeDocument/2006/relationships" r:embed="rId1">
-            <a:duotone>
-              <a:schemeClr val="phClr">
-                <a:tint val="98000"/>
-                <a:lumMod val="102000"/>
-              </a:schemeClr>
-              <a:schemeClr val="phClr">
-                <a:shade val="98000"/>
-                <a:lumMod val="98000"/>
-              </a:schemeClr>
-            </a:duotone>
-          </a:blip>
-          <a:tile tx="0" ty="0" sx="100000" sy="100000" flip="none" algn="tl"/>
-        </a:blipFill>
       </a:fillStyleLst>
       <a:lnStyleLst>
-        <a:ln w="9525" cap="rnd" cmpd="sng" algn="ctr">
+        <a:ln w="12700" cap="rnd" cmpd="sng" algn="ctr">
           <a:solidFill>
-            <a:schemeClr val="phClr"/>
+            <a:schemeClr val="phClr">
+              <a:lumMod val="90000"/>
+            </a:schemeClr>
           </a:solidFill>
           <a:prstDash val="solid"/>
         </a:ln>
-        <a:ln w="15875" cap="rnd" cmpd="sng" algn="ctr">
+        <a:ln w="22225" cap="rnd" cmpd="sng" algn="ctr">
           <a:solidFill>
             <a:schemeClr val="phClr"/>
           </a:solidFill>
@@ -13523,16 +12083,33 @@
           <a:effectLst/>
         </a:effectStyle>
         <a:effectStyle>
-          <a:effectLst/>
+          <a:effectLst>
+            <a:outerShdw blurRad="38100" dist="25400" dir="5400000" rotWithShape="0">
+              <a:srgbClr val="000000">
+                <a:alpha val="55000"/>
+              </a:srgbClr>
+            </a:outerShdw>
+          </a:effectLst>
         </a:effectStyle>
         <a:effectStyle>
           <a:effectLst>
-            <a:innerShdw blurRad="63500" dist="25400" dir="13500000">
+            <a:outerShdw blurRad="88900" dist="38100" dir="5040000" rotWithShape="0">
               <a:srgbClr val="000000">
-                <a:alpha val="75000"/>
+                <a:alpha val="60000"/>
               </a:srgbClr>
-            </a:innerShdw>
+            </a:outerShdw>
           </a:effectLst>
+          <a:scene3d>
+            <a:camera prst="orthographicFront">
+              <a:rot lat="0" lon="0" rev="0"/>
+            </a:camera>
+            <a:lightRig rig="threePt" dir="tl">
+              <a:rot lat="0" lon="0" rev="1200000"/>
+            </a:lightRig>
+          </a:scene3d>
+          <a:sp3d>
+            <a:bevelT w="38100" h="50800"/>
+          </a:sp3d>
         </a:effectStyle>
       </a:effectStyleLst>
       <a:bgFillStyleLst>
@@ -13543,14 +12120,15 @@
           <a:gsLst>
             <a:gs pos="0">
               <a:schemeClr val="phClr">
-                <a:tint val="100000"/>
+                <a:tint val="90000"/>
+                <a:lumMod val="110000"/>
               </a:schemeClr>
             </a:gs>
-            <a:gs pos="100000">
+            <a:gs pos="88000">
               <a:schemeClr val="phClr">
-                <a:tint val="84000"/>
-                <a:shade val="84000"/>
-                <a:lumMod val="90000"/>
+                <a:shade val="94000"/>
+                <a:satMod val="110000"/>
+                <a:lumMod val="88000"/>
               </a:schemeClr>
             </a:gs>
           </a:gsLst>
@@ -13560,17 +12138,21 @@
           <a:gsLst>
             <a:gs pos="0">
               <a:schemeClr val="phClr">
-                <a:tint val="84000"/>
-                <a:shade val="90000"/>
-                <a:satMod val="120000"/>
-                <a:lumMod val="90000"/>
+                <a:tint val="90000"/>
+                <a:lumMod val="110000"/>
               </a:schemeClr>
             </a:gs>
             <a:gs pos="100000">
-              <a:schemeClr val="phClr"/>
+              <a:schemeClr val="phClr">
+                <a:shade val="98000"/>
+                <a:satMod val="110000"/>
+                <a:lumMod val="86000"/>
+              </a:schemeClr>
             </a:gs>
           </a:gsLst>
-          <a:lin ang="5400000" scaled="0"/>
+          <a:path path="circle">
+            <a:fillToRect l="50000" t="50000" r="100000" b="100000"/>
+          </a:path>
         </a:gradFill>
       </a:bgFillStyleLst>
     </a:fmtScheme>
@@ -13579,7 +12161,7 @@
   <a:extraClrSchemeLst/>
   <a:extLst>
     <a:ext uri="{05A4C25C-085E-4340-85A3-A5531E510DB2}">
-      <thm15:themeFamily xmlns:thm15="http://schemas.microsoft.com/office/thememl/2012/main" name="Quotable" id="{39EC5628-30ED-4578-ACD8-9820EDB8E15A}" vid="{6F3559E9-1A4C-49D8-94D4-F41003531C49}"/>
+      <thm15:themeFamily xmlns:thm15="http://schemas.microsoft.com/office/thememl/2012/main" name="Dividend" id="{9697A71B-4AB7-4A1A-BD5B-BB2D22835B57}" vid="{C21699FF-00E4-43C8-BBCC-D7E5536C3717}"/>
     </a:ext>
   </a:extLst>
 </a:theme>

--- a/inst/examples/slidedemo.pptx
+++ b/inst/examples/slidedemo.pptx
@@ -6410,7 +6410,7 @@
             <a:fld id="{08B9EBBA-996F-894A-B54A-D6246ED52CEA}" type="datetimeFigureOut">
               <a:rPr lang="en-US" smtClean="0"/>
               <a:pPr/>
-              <a:t>5/30/18</a:t>
+              <a:t>6/3/18</a:t>
             </a:fld>
             <a:endParaRPr lang="en-US" dirty="0"/>
           </a:p>
@@ -6674,7 +6674,7 @@
             <a:fld id="{C6C52C72-DE31-F449-A4ED-4C594FD91407}" type="datetimeFigureOut">
               <a:rPr lang="en-US" smtClean="0"/>
               <a:pPr/>
-              <a:t>5/30/18</a:t>
+              <a:t>6/3/18</a:t>
             </a:fld>
             <a:endParaRPr lang="en-US" dirty="0"/>
           </a:p>
@@ -6911,7 +6911,7 @@
             <a:fld id="{ED62726E-379B-B349-9EED-81ED093FA806}" type="datetimeFigureOut">
               <a:rPr lang="en-US" smtClean="0"/>
               <a:pPr/>
-              <a:t>5/30/18</a:t>
+              <a:t>6/3/18</a:t>
             </a:fld>
             <a:endParaRPr lang="en-US" dirty="0"/>
           </a:p>
@@ -7153,7 +7153,7 @@
             <a:fld id="{9B3A1323-8D79-1946-B0D7-40001CF92E9D}" type="datetimeFigureOut">
               <a:rPr lang="en-US" smtClean="0"/>
               <a:pPr/>
-              <a:t>5/30/18</a:t>
+              <a:t>6/3/18</a:t>
             </a:fld>
             <a:endParaRPr lang="en-US" dirty="0"/>
           </a:p>
@@ -7462,7 +7462,7 @@
             <a:fld id="{8DFA1846-DA80-1C48-A609-854EA85C59AD}" type="datetimeFigureOut">
               <a:rPr lang="en-US" smtClean="0"/>
               <a:pPr/>
-              <a:t>5/30/18</a:t>
+              <a:t>6/3/18</a:t>
             </a:fld>
             <a:endParaRPr lang="en-US" dirty="0"/>
           </a:p>
@@ -7766,7 +7766,7 @@
             <a:fld id="{57302355-E14B-8545-A8F8-0FE83CC9D524}" type="datetimeFigureOut">
               <a:rPr lang="en-US" smtClean="0"/>
               <a:pPr/>
-              <a:t>5/30/18</a:t>
+              <a:t>6/3/18</a:t>
             </a:fld>
             <a:endParaRPr lang="en-US" dirty="0"/>
           </a:p>
@@ -8190,7 +8190,7 @@
             <a:fld id="{09B482E8-6E0E-1B4F-B1FD-C69DB9E858D9}" type="datetimeFigureOut">
               <a:rPr lang="en-US" smtClean="0"/>
               <a:pPr/>
-              <a:t>5/30/18</a:t>
+              <a:t>6/3/18</a:t>
             </a:fld>
             <a:endParaRPr lang="en-US" dirty="0"/>
           </a:p>
@@ -8355,7 +8355,7 @@
             <a:fld id="{F13A34C8-038E-2045-AF43-DF7DBB8E0E9E}" type="datetimeFigureOut">
               <a:rPr lang="en-US" smtClean="0"/>
               <a:pPr/>
-              <a:t>5/30/18</a:t>
+              <a:t>6/3/18</a:t>
             </a:fld>
             <a:endParaRPr lang="en-US" dirty="0"/>
           </a:p>
@@ -8452,7 +8452,7 @@
             <a:fld id="{8818C68F-D26B-8F47-958C-23B49CF8A634}" type="datetimeFigureOut">
               <a:rPr lang="en-US" smtClean="0"/>
               <a:pPr/>
-              <a:t>5/30/18</a:t>
+              <a:t>6/3/18</a:t>
             </a:fld>
             <a:endParaRPr lang="en-US" dirty="0"/>
           </a:p>
@@ -8832,7 +8832,7 @@
             <a:fld id="{D0DF5E60-9974-AC48-9591-99C2BB44B7CF}" type="datetimeFigureOut">
               <a:rPr lang="en-US" smtClean="0"/>
               <a:pPr/>
-              <a:t>5/30/18</a:t>
+              <a:t>6/3/18</a:t>
             </a:fld>
             <a:endParaRPr lang="en-US" dirty="0"/>
           </a:p>
@@ -9123,7 +9123,7 @@
             <a:fld id="{09B482E8-6E0E-1B4F-B1FD-C69DB9E858D9}" type="datetimeFigureOut">
               <a:rPr lang="en-US" smtClean="0"/>
               <a:pPr/>
-              <a:t>5/30/18</a:t>
+              <a:t>6/3/18</a:t>
             </a:fld>
             <a:endParaRPr lang="en-US" dirty="0"/>
           </a:p>
@@ -9337,7 +9337,7 @@
             <a:fld id="{09B482E8-6E0E-1B4F-B1FD-C69DB9E858D9}" type="datetimeFigureOut">
               <a:rPr lang="en-US" smtClean="0"/>
               <a:pPr/>
-              <a:t>5/30/18</a:t>
+              <a:t>6/3/18</a:t>
             </a:fld>
             <a:endParaRPr lang="en-US" dirty="0"/>
           </a:p>
@@ -10698,9 +10698,10 @@
           </a:bodyPr>
           <a:lstStyle/>
           <a:p>
+            <a:pPr lvl="2"/>
             <a:r>
               <a:rPr lang="en-US" dirty="0"/>
-              <a:t>This is an unusually deeply nested list</a:t>
+              <a:t>This is an unusually deeply nested list, that starts with weird levels</a:t>
             </a:r>
           </a:p>
           <a:p>
@@ -10711,7 +10712,7 @@
             </a:r>
           </a:p>
           <a:p>
-            <a:pPr lvl="2"/>
+            <a:pPr lvl="3"/>
             <a:r>
               <a:rPr lang="en-US" dirty="0"/>
               <a:t>And more bullets</a:t>
@@ -10735,13 +10736,8 @@
             <a:pPr lvl="5"/>
             <a:r>
               <a:rPr lang="en-US" dirty="0"/>
-              <a:t>One more </a:t>
+              <a:t>One more super crazy deep one!</a:t>
             </a:r>
-            <a:r>
-              <a:rPr lang="en-US"/>
-              <a:t>super crazy deep one!</a:t>
-            </a:r>
-            <a:endParaRPr lang="en-US" dirty="0"/>
           </a:p>
           <a:p>
             <a:pPr lvl="3"/>
@@ -10763,6 +10759,13 @@
             <a:r>
               <a:rPr lang="en-US" dirty="0"/>
               <a:t>No bulleting at all</a:t>
+            </a:r>
+          </a:p>
+          <a:p>
+            <a:pPr lvl="1"/>
+            <a:r>
+              <a:rPr lang="en-US" dirty="0"/>
+              <a:t>New set of bullets that also don’t start at first level</a:t>
             </a:r>
           </a:p>
         </p:txBody>

--- a/inst/examples/slidedemo.pptx
+++ b/inst/examples/slidedemo.pptx
@@ -4,6 +4,9 @@
   <p:sldMasterIdLst>
     <p:sldMasterId id="2147483775" r:id="rId1"/>
   </p:sldMasterIdLst>
+  <p:notesMasterIdLst>
+    <p:notesMasterId r:id="rId17"/>
+  </p:notesMasterIdLst>
   <p:sldIdLst>
     <p:sldId id="256" r:id="rId2"/>
     <p:sldId id="257" r:id="rId3"/>
@@ -6164,6 +6167,643 @@
 </dgm:styleDef>
 </file>
 
+<file path=ppt/notesMasters/notesMaster1.xml><?xml version="1.0" encoding="utf-8"?>
+<p:notesMaster xmlns:a="http://schemas.openxmlformats.org/drawingml/2006/main" xmlns:r="http://schemas.openxmlformats.org/officeDocument/2006/relationships" xmlns:p="http://schemas.openxmlformats.org/presentationml/2006/main">
+  <p:cSld>
+    <p:bg>
+      <p:bgRef idx="1001">
+        <a:schemeClr val="bg1"/>
+      </p:bgRef>
+    </p:bg>
+    <p:spTree>
+      <p:nvGrpSpPr>
+        <p:cNvPr id="1" name=""/>
+        <p:cNvGrpSpPr/>
+        <p:nvPr/>
+      </p:nvGrpSpPr>
+      <p:grpSpPr>
+        <a:xfrm>
+          <a:off x="0" y="0"/>
+          <a:ext cx="0" cy="0"/>
+          <a:chOff x="0" y="0"/>
+          <a:chExt cx="0" cy="0"/>
+        </a:xfrm>
+      </p:grpSpPr>
+      <p:sp>
+        <p:nvSpPr>
+          <p:cNvPr id="2" name="Header Placeholder 1"/>
+          <p:cNvSpPr>
+            <a:spLocks noGrp="1"/>
+          </p:cNvSpPr>
+          <p:nvPr>
+            <p:ph type="hdr" sz="quarter"/>
+          </p:nvPr>
+        </p:nvSpPr>
+        <p:spPr>
+          <a:xfrm>
+            <a:off x="0" y="0"/>
+            <a:ext cx="2971800" cy="458788"/>
+          </a:xfrm>
+          <a:prstGeom prst="rect">
+            <a:avLst/>
+          </a:prstGeom>
+        </p:spPr>
+        <p:txBody>
+          <a:bodyPr vert="horz" lIns="91440" tIns="45720" rIns="91440" bIns="45720" rtlCol="0"/>
+          <a:lstStyle>
+            <a:lvl1pPr algn="l">
+              <a:defRPr sz="1200"/>
+            </a:lvl1pPr>
+          </a:lstStyle>
+          <a:p>
+            <a:endParaRPr lang="en-US"/>
+          </a:p>
+        </p:txBody>
+      </p:sp>
+      <p:sp>
+        <p:nvSpPr>
+          <p:cNvPr id="3" name="Date Placeholder 2"/>
+          <p:cNvSpPr>
+            <a:spLocks noGrp="1"/>
+          </p:cNvSpPr>
+          <p:nvPr>
+            <p:ph type="dt" idx="1"/>
+          </p:nvPr>
+        </p:nvSpPr>
+        <p:spPr>
+          <a:xfrm>
+            <a:off x="3884613" y="0"/>
+            <a:ext cx="2971800" cy="458788"/>
+          </a:xfrm>
+          <a:prstGeom prst="rect">
+            <a:avLst/>
+          </a:prstGeom>
+        </p:spPr>
+        <p:txBody>
+          <a:bodyPr vert="horz" lIns="91440" tIns="45720" rIns="91440" bIns="45720" rtlCol="0"/>
+          <a:lstStyle>
+            <a:lvl1pPr algn="r">
+              <a:defRPr sz="1200"/>
+            </a:lvl1pPr>
+          </a:lstStyle>
+          <a:p>
+            <a:fld id="{1C6C23A6-4606-2745-85CC-E6B9BBABCFE9}" type="datetimeFigureOut">
+              <a:rPr lang="en-US" smtClean="0"/>
+              <a:t>6/10/18</a:t>
+            </a:fld>
+            <a:endParaRPr lang="en-US"/>
+          </a:p>
+        </p:txBody>
+      </p:sp>
+      <p:sp>
+        <p:nvSpPr>
+          <p:cNvPr id="4" name="Slide Image Placeholder 3"/>
+          <p:cNvSpPr>
+            <a:spLocks noGrp="1" noRot="1" noChangeAspect="1"/>
+          </p:cNvSpPr>
+          <p:nvPr>
+            <p:ph type="sldImg" idx="2"/>
+          </p:nvPr>
+        </p:nvSpPr>
+        <p:spPr>
+          <a:xfrm>
+            <a:off x="685800" y="1143000"/>
+            <a:ext cx="5486400" cy="3086100"/>
+          </a:xfrm>
+          <a:prstGeom prst="rect">
+            <a:avLst/>
+          </a:prstGeom>
+          <a:noFill/>
+          <a:ln w="12700">
+            <a:solidFill>
+              <a:prstClr val="black"/>
+            </a:solidFill>
+          </a:ln>
+        </p:spPr>
+        <p:txBody>
+          <a:bodyPr vert="horz" lIns="91440" tIns="45720" rIns="91440" bIns="45720" rtlCol="0" anchor="ctr"/>
+          <a:lstStyle/>
+          <a:p>
+            <a:endParaRPr lang="en-US"/>
+          </a:p>
+        </p:txBody>
+      </p:sp>
+      <p:sp>
+        <p:nvSpPr>
+          <p:cNvPr id="5" name="Notes Placeholder 4"/>
+          <p:cNvSpPr>
+            <a:spLocks noGrp="1"/>
+          </p:cNvSpPr>
+          <p:nvPr>
+            <p:ph type="body" sz="quarter" idx="3"/>
+          </p:nvPr>
+        </p:nvSpPr>
+        <p:spPr>
+          <a:xfrm>
+            <a:off x="685800" y="4400550"/>
+            <a:ext cx="5486400" cy="3600450"/>
+          </a:xfrm>
+          <a:prstGeom prst="rect">
+            <a:avLst/>
+          </a:prstGeom>
+        </p:spPr>
+        <p:txBody>
+          <a:bodyPr vert="horz" lIns="91440" tIns="45720" rIns="91440" bIns="45720" rtlCol="0"/>
+          <a:lstStyle/>
+          <a:p>
+            <a:pPr lvl="0"/>
+            <a:r>
+              <a:rPr lang="en-US"/>
+              <a:t>Edit Master text styles</a:t>
+            </a:r>
+          </a:p>
+          <a:p>
+            <a:pPr lvl="1"/>
+            <a:r>
+              <a:rPr lang="en-US"/>
+              <a:t>Second level</a:t>
+            </a:r>
+          </a:p>
+          <a:p>
+            <a:pPr lvl="2"/>
+            <a:r>
+              <a:rPr lang="en-US"/>
+              <a:t>Third level</a:t>
+            </a:r>
+          </a:p>
+          <a:p>
+            <a:pPr lvl="3"/>
+            <a:r>
+              <a:rPr lang="en-US"/>
+              <a:t>Fourth level</a:t>
+            </a:r>
+          </a:p>
+          <a:p>
+            <a:pPr lvl="4"/>
+            <a:r>
+              <a:rPr lang="en-US"/>
+              <a:t>Fifth level</a:t>
+            </a:r>
+          </a:p>
+        </p:txBody>
+      </p:sp>
+      <p:sp>
+        <p:nvSpPr>
+          <p:cNvPr id="6" name="Footer Placeholder 5"/>
+          <p:cNvSpPr>
+            <a:spLocks noGrp="1"/>
+          </p:cNvSpPr>
+          <p:nvPr>
+            <p:ph type="ftr" sz="quarter" idx="4"/>
+          </p:nvPr>
+        </p:nvSpPr>
+        <p:spPr>
+          <a:xfrm>
+            <a:off x="0" y="8685213"/>
+            <a:ext cx="2971800" cy="458787"/>
+          </a:xfrm>
+          <a:prstGeom prst="rect">
+            <a:avLst/>
+          </a:prstGeom>
+        </p:spPr>
+        <p:txBody>
+          <a:bodyPr vert="horz" lIns="91440" tIns="45720" rIns="91440" bIns="45720" rtlCol="0" anchor="b"/>
+          <a:lstStyle>
+            <a:lvl1pPr algn="l">
+              <a:defRPr sz="1200"/>
+            </a:lvl1pPr>
+          </a:lstStyle>
+          <a:p>
+            <a:endParaRPr lang="en-US"/>
+          </a:p>
+        </p:txBody>
+      </p:sp>
+      <p:sp>
+        <p:nvSpPr>
+          <p:cNvPr id="7" name="Slide Number Placeholder 6"/>
+          <p:cNvSpPr>
+            <a:spLocks noGrp="1"/>
+          </p:cNvSpPr>
+          <p:nvPr>
+            <p:ph type="sldNum" sz="quarter" idx="5"/>
+          </p:nvPr>
+        </p:nvSpPr>
+        <p:spPr>
+          <a:xfrm>
+            <a:off x="3884613" y="8685213"/>
+            <a:ext cx="2971800" cy="458787"/>
+          </a:xfrm>
+          <a:prstGeom prst="rect">
+            <a:avLst/>
+          </a:prstGeom>
+        </p:spPr>
+        <p:txBody>
+          <a:bodyPr vert="horz" lIns="91440" tIns="45720" rIns="91440" bIns="45720" rtlCol="0" anchor="b"/>
+          <a:lstStyle>
+            <a:lvl1pPr algn="r">
+              <a:defRPr sz="1200"/>
+            </a:lvl1pPr>
+          </a:lstStyle>
+          <a:p>
+            <a:fld id="{3B7C13CD-FC60-D548-8105-CD47087E2141}" type="slidenum">
+              <a:rPr lang="en-US" smtClean="0"/>
+              <a:t>‹#›</a:t>
+            </a:fld>
+            <a:endParaRPr lang="en-US"/>
+          </a:p>
+        </p:txBody>
+      </p:sp>
+    </p:spTree>
+    <p:extLst>
+      <p:ext uri="{BB962C8B-B14F-4D97-AF65-F5344CB8AC3E}">
+        <p14:creationId xmlns:p14="http://schemas.microsoft.com/office/powerpoint/2010/main" val="3487457735"/>
+      </p:ext>
+    </p:extLst>
+  </p:cSld>
+  <p:clrMap bg1="lt1" tx1="dk1" bg2="lt2" tx2="dk2" accent1="accent1" accent2="accent2" accent3="accent3" accent4="accent4" accent5="accent5" accent6="accent6" hlink="hlink" folHlink="folHlink"/>
+  <p:notesStyle>
+    <a:lvl1pPr marL="0" algn="l" defTabSz="914400" rtl="0" eaLnBrk="1" latinLnBrk="0" hangingPunct="1">
+      <a:defRPr sz="1200" kern="1200">
+        <a:solidFill>
+          <a:schemeClr val="tx1"/>
+        </a:solidFill>
+        <a:latin typeface="+mn-lt"/>
+        <a:ea typeface="+mn-ea"/>
+        <a:cs typeface="+mn-cs"/>
+      </a:defRPr>
+    </a:lvl1pPr>
+    <a:lvl2pPr marL="457200" algn="l" defTabSz="914400" rtl="0" eaLnBrk="1" latinLnBrk="0" hangingPunct="1">
+      <a:defRPr sz="1200" kern="1200">
+        <a:solidFill>
+          <a:schemeClr val="tx1"/>
+        </a:solidFill>
+        <a:latin typeface="+mn-lt"/>
+        <a:ea typeface="+mn-ea"/>
+        <a:cs typeface="+mn-cs"/>
+      </a:defRPr>
+    </a:lvl2pPr>
+    <a:lvl3pPr marL="914400" algn="l" defTabSz="914400" rtl="0" eaLnBrk="1" latinLnBrk="0" hangingPunct="1">
+      <a:defRPr sz="1200" kern="1200">
+        <a:solidFill>
+          <a:schemeClr val="tx1"/>
+        </a:solidFill>
+        <a:latin typeface="+mn-lt"/>
+        <a:ea typeface="+mn-ea"/>
+        <a:cs typeface="+mn-cs"/>
+      </a:defRPr>
+    </a:lvl3pPr>
+    <a:lvl4pPr marL="1371600" algn="l" defTabSz="914400" rtl="0" eaLnBrk="1" latinLnBrk="0" hangingPunct="1">
+      <a:defRPr sz="1200" kern="1200">
+        <a:solidFill>
+          <a:schemeClr val="tx1"/>
+        </a:solidFill>
+        <a:latin typeface="+mn-lt"/>
+        <a:ea typeface="+mn-ea"/>
+        <a:cs typeface="+mn-cs"/>
+      </a:defRPr>
+    </a:lvl4pPr>
+    <a:lvl5pPr marL="1828800" algn="l" defTabSz="914400" rtl="0" eaLnBrk="1" latinLnBrk="0" hangingPunct="1">
+      <a:defRPr sz="1200" kern="1200">
+        <a:solidFill>
+          <a:schemeClr val="tx1"/>
+        </a:solidFill>
+        <a:latin typeface="+mn-lt"/>
+        <a:ea typeface="+mn-ea"/>
+        <a:cs typeface="+mn-cs"/>
+      </a:defRPr>
+    </a:lvl5pPr>
+    <a:lvl6pPr marL="2286000" algn="l" defTabSz="914400" rtl="0" eaLnBrk="1" latinLnBrk="0" hangingPunct="1">
+      <a:defRPr sz="1200" kern="1200">
+        <a:solidFill>
+          <a:schemeClr val="tx1"/>
+        </a:solidFill>
+        <a:latin typeface="+mn-lt"/>
+        <a:ea typeface="+mn-ea"/>
+        <a:cs typeface="+mn-cs"/>
+      </a:defRPr>
+    </a:lvl6pPr>
+    <a:lvl7pPr marL="2743200" algn="l" defTabSz="914400" rtl="0" eaLnBrk="1" latinLnBrk="0" hangingPunct="1">
+      <a:defRPr sz="1200" kern="1200">
+        <a:solidFill>
+          <a:schemeClr val="tx1"/>
+        </a:solidFill>
+        <a:latin typeface="+mn-lt"/>
+        <a:ea typeface="+mn-ea"/>
+        <a:cs typeface="+mn-cs"/>
+      </a:defRPr>
+    </a:lvl7pPr>
+    <a:lvl8pPr marL="3200400" algn="l" defTabSz="914400" rtl="0" eaLnBrk="1" latinLnBrk="0" hangingPunct="1">
+      <a:defRPr sz="1200" kern="1200">
+        <a:solidFill>
+          <a:schemeClr val="tx1"/>
+        </a:solidFill>
+        <a:latin typeface="+mn-lt"/>
+        <a:ea typeface="+mn-ea"/>
+        <a:cs typeface="+mn-cs"/>
+      </a:defRPr>
+    </a:lvl8pPr>
+    <a:lvl9pPr marL="3657600" algn="l" defTabSz="914400" rtl="0" eaLnBrk="1" latinLnBrk="0" hangingPunct="1">
+      <a:defRPr sz="1200" kern="1200">
+        <a:solidFill>
+          <a:schemeClr val="tx1"/>
+        </a:solidFill>
+        <a:latin typeface="+mn-lt"/>
+        <a:ea typeface="+mn-ea"/>
+        <a:cs typeface="+mn-cs"/>
+      </a:defRPr>
+    </a:lvl9pPr>
+  </p:notesStyle>
+</p:notesMaster>
+</file>
+
+<file path=ppt/notesSlides/notesSlide1.xml><?xml version="1.0" encoding="utf-8"?>
+<p:notes xmlns:a="http://schemas.openxmlformats.org/drawingml/2006/main" xmlns:r="http://schemas.openxmlformats.org/officeDocument/2006/relationships" xmlns:p="http://schemas.openxmlformats.org/presentationml/2006/main">
+  <p:cSld>
+    <p:spTree>
+      <p:nvGrpSpPr>
+        <p:cNvPr id="1" name=""/>
+        <p:cNvGrpSpPr/>
+        <p:nvPr/>
+      </p:nvGrpSpPr>
+      <p:grpSpPr>
+        <a:xfrm>
+          <a:off x="0" y="0"/>
+          <a:ext cx="0" cy="0"/>
+          <a:chOff x="0" y="0"/>
+          <a:chExt cx="0" cy="0"/>
+        </a:xfrm>
+      </p:grpSpPr>
+      <p:sp>
+        <p:nvSpPr>
+          <p:cNvPr id="2" name="Slide Image Placeholder 1"/>
+          <p:cNvSpPr>
+            <a:spLocks noGrp="1" noRot="1" noChangeAspect="1"/>
+          </p:cNvSpPr>
+          <p:nvPr>
+            <p:ph type="sldImg"/>
+          </p:nvPr>
+        </p:nvSpPr>
+        <p:spPr/>
+      </p:sp>
+      <p:sp>
+        <p:nvSpPr>
+          <p:cNvPr id="3" name="Notes Placeholder 2"/>
+          <p:cNvSpPr>
+            <a:spLocks noGrp="1"/>
+          </p:cNvSpPr>
+          <p:nvPr>
+            <p:ph type="body" idx="1"/>
+          </p:nvPr>
+        </p:nvSpPr>
+        <p:spPr/>
+        <p:txBody>
+          <a:bodyPr/>
+          <a:lstStyle/>
+          <a:p>
+            <a:r>
+              <a:rPr lang="en-US" dirty="0"/>
+              <a:t>These are some notes for the second slide</a:t>
+            </a:r>
+          </a:p>
+        </p:txBody>
+      </p:sp>
+      <p:sp>
+        <p:nvSpPr>
+          <p:cNvPr id="4" name="Slide Number Placeholder 3"/>
+          <p:cNvSpPr>
+            <a:spLocks noGrp="1"/>
+          </p:cNvSpPr>
+          <p:nvPr>
+            <p:ph type="sldNum" sz="quarter" idx="10"/>
+          </p:nvPr>
+        </p:nvSpPr>
+        <p:spPr/>
+        <p:txBody>
+          <a:bodyPr/>
+          <a:lstStyle/>
+          <a:p>
+            <a:fld id="{3B7C13CD-FC60-D548-8105-CD47087E2141}" type="slidenum">
+              <a:rPr lang="en-US" smtClean="0"/>
+              <a:t>2</a:t>
+            </a:fld>
+            <a:endParaRPr lang="en-US"/>
+          </a:p>
+        </p:txBody>
+      </p:sp>
+    </p:spTree>
+    <p:extLst>
+      <p:ext uri="{BB962C8B-B14F-4D97-AF65-F5344CB8AC3E}">
+        <p14:creationId xmlns:p14="http://schemas.microsoft.com/office/powerpoint/2010/main" val="344346958"/>
+      </p:ext>
+    </p:extLst>
+  </p:cSld>
+  <p:clrMapOvr>
+    <a:masterClrMapping/>
+  </p:clrMapOvr>
+</p:notes>
+</file>
+
+<file path=ppt/notesSlides/notesSlide2.xml><?xml version="1.0" encoding="utf-8"?>
+<p:notes xmlns:a="http://schemas.openxmlformats.org/drawingml/2006/main" xmlns:r="http://schemas.openxmlformats.org/officeDocument/2006/relationships" xmlns:p="http://schemas.openxmlformats.org/presentationml/2006/main">
+  <p:cSld>
+    <p:spTree>
+      <p:nvGrpSpPr>
+        <p:cNvPr id="1" name=""/>
+        <p:cNvGrpSpPr/>
+        <p:nvPr/>
+      </p:nvGrpSpPr>
+      <p:grpSpPr>
+        <a:xfrm>
+          <a:off x="0" y="0"/>
+          <a:ext cx="0" cy="0"/>
+          <a:chOff x="0" y="0"/>
+          <a:chExt cx="0" cy="0"/>
+        </a:xfrm>
+      </p:grpSpPr>
+      <p:sp>
+        <p:nvSpPr>
+          <p:cNvPr id="2" name="Slide Image Placeholder 1"/>
+          <p:cNvSpPr>
+            <a:spLocks noGrp="1" noRot="1" noChangeAspect="1"/>
+          </p:cNvSpPr>
+          <p:nvPr>
+            <p:ph type="sldImg"/>
+          </p:nvPr>
+        </p:nvSpPr>
+        <p:spPr/>
+      </p:sp>
+      <p:sp>
+        <p:nvSpPr>
+          <p:cNvPr id="3" name="Notes Placeholder 2"/>
+          <p:cNvSpPr>
+            <a:spLocks noGrp="1"/>
+          </p:cNvSpPr>
+          <p:nvPr>
+            <p:ph type="body" idx="1"/>
+          </p:nvPr>
+        </p:nvSpPr>
+        <p:spPr/>
+        <p:txBody>
+          <a:bodyPr/>
+          <a:lstStyle/>
+          <a:p>
+            <a:r>
+              <a:rPr lang="en-US" dirty="0"/>
+              <a:t>Here’s some notes for the </a:t>
+            </a:r>
+            <a:r>
+              <a:rPr lang="en-US"/>
+              <a:t>seventh slide</a:t>
+            </a:r>
+          </a:p>
+        </p:txBody>
+      </p:sp>
+      <p:sp>
+        <p:nvSpPr>
+          <p:cNvPr id="4" name="Slide Number Placeholder 3"/>
+          <p:cNvSpPr>
+            <a:spLocks noGrp="1"/>
+          </p:cNvSpPr>
+          <p:nvPr>
+            <p:ph type="sldNum" sz="quarter" idx="10"/>
+          </p:nvPr>
+        </p:nvSpPr>
+        <p:spPr/>
+        <p:txBody>
+          <a:bodyPr/>
+          <a:lstStyle/>
+          <a:p>
+            <a:fld id="{3B7C13CD-FC60-D548-8105-CD47087E2141}" type="slidenum">
+              <a:rPr lang="en-US" smtClean="0"/>
+              <a:t>7</a:t>
+            </a:fld>
+            <a:endParaRPr lang="en-US"/>
+          </a:p>
+        </p:txBody>
+      </p:sp>
+    </p:spTree>
+    <p:extLst>
+      <p:ext uri="{BB962C8B-B14F-4D97-AF65-F5344CB8AC3E}">
+        <p14:creationId xmlns:p14="http://schemas.microsoft.com/office/powerpoint/2010/main" val="3763831909"/>
+      </p:ext>
+    </p:extLst>
+  </p:cSld>
+  <p:clrMapOvr>
+    <a:masterClrMapping/>
+  </p:clrMapOvr>
+</p:notes>
+</file>
+
+<file path=ppt/notesSlides/notesSlide3.xml><?xml version="1.0" encoding="utf-8"?>
+<p:notes xmlns:a="http://schemas.openxmlformats.org/drawingml/2006/main" xmlns:r="http://schemas.openxmlformats.org/officeDocument/2006/relationships" xmlns:p="http://schemas.openxmlformats.org/presentationml/2006/main">
+  <p:cSld>
+    <p:spTree>
+      <p:nvGrpSpPr>
+        <p:cNvPr id="1" name=""/>
+        <p:cNvGrpSpPr/>
+        <p:nvPr/>
+      </p:nvGrpSpPr>
+      <p:grpSpPr>
+        <a:xfrm>
+          <a:off x="0" y="0"/>
+          <a:ext cx="0" cy="0"/>
+          <a:chOff x="0" y="0"/>
+          <a:chExt cx="0" cy="0"/>
+        </a:xfrm>
+      </p:grpSpPr>
+      <p:sp>
+        <p:nvSpPr>
+          <p:cNvPr id="2" name="Slide Image Placeholder 1"/>
+          <p:cNvSpPr>
+            <a:spLocks noGrp="1" noRot="1" noChangeAspect="1"/>
+          </p:cNvSpPr>
+          <p:nvPr>
+            <p:ph type="sldImg"/>
+          </p:nvPr>
+        </p:nvSpPr>
+        <p:spPr/>
+      </p:sp>
+      <p:sp>
+        <p:nvSpPr>
+          <p:cNvPr id="3" name="Notes Placeholder 2"/>
+          <p:cNvSpPr>
+            <a:spLocks noGrp="1"/>
+          </p:cNvSpPr>
+          <p:nvPr>
+            <p:ph type="body" idx="1"/>
+          </p:nvPr>
+        </p:nvSpPr>
+        <p:spPr/>
+        <p:txBody>
+          <a:bodyPr/>
+          <a:lstStyle/>
+          <a:p>
+            <a:r>
+              <a:rPr lang="en-US" dirty="0"/>
+              <a:t>Here’s another note.</a:t>
+            </a:r>
+          </a:p>
+          <a:p>
+            <a:endParaRPr lang="en-US" dirty="0"/>
+          </a:p>
+          <a:p>
+            <a:r>
+              <a:rPr lang="en-US" dirty="0"/>
+              <a:t>This one has some different paragraph breaks.</a:t>
+            </a:r>
+          </a:p>
+          <a:p>
+            <a:endParaRPr lang="en-US" dirty="0"/>
+          </a:p>
+          <a:p>
+            <a:r>
+              <a:rPr lang="en-US" dirty="0"/>
+              <a:t>May not be able to maintain </a:t>
+            </a:r>
+            <a:r>
+              <a:rPr lang="en-US"/>
+              <a:t>those but we’ll see.</a:t>
+            </a:r>
+            <a:endParaRPr lang="en-US" dirty="0"/>
+          </a:p>
+        </p:txBody>
+      </p:sp>
+      <p:sp>
+        <p:nvSpPr>
+          <p:cNvPr id="4" name="Slide Number Placeholder 3"/>
+          <p:cNvSpPr>
+            <a:spLocks noGrp="1"/>
+          </p:cNvSpPr>
+          <p:nvPr>
+            <p:ph type="sldNum" sz="quarter" idx="10"/>
+          </p:nvPr>
+        </p:nvSpPr>
+        <p:spPr/>
+        <p:txBody>
+          <a:bodyPr/>
+          <a:lstStyle/>
+          <a:p>
+            <a:fld id="{3B7C13CD-FC60-D548-8105-CD47087E2141}" type="slidenum">
+              <a:rPr lang="en-US" smtClean="0"/>
+              <a:t>8</a:t>
+            </a:fld>
+            <a:endParaRPr lang="en-US"/>
+          </a:p>
+        </p:txBody>
+      </p:sp>
+    </p:spTree>
+    <p:extLst>
+      <p:ext uri="{BB962C8B-B14F-4D97-AF65-F5344CB8AC3E}">
+        <p14:creationId xmlns:p14="http://schemas.microsoft.com/office/powerpoint/2010/main" val="2877339667"/>
+      </p:ext>
+    </p:extLst>
+  </p:cSld>
+  <p:clrMapOvr>
+    <a:masterClrMapping/>
+  </p:clrMapOvr>
+</p:notes>
+</file>
+
 <file path=ppt/slideLayouts/slideLayout1.xml><?xml version="1.0" encoding="utf-8"?>
 <p:sldLayout xmlns:a="http://schemas.openxmlformats.org/drawingml/2006/main" xmlns:r="http://schemas.openxmlformats.org/officeDocument/2006/relationships" xmlns:p="http://schemas.openxmlformats.org/presentationml/2006/main" type="title" preserve="1">
   <p:cSld name="Title Slide">
@@ -6410,7 +7050,7 @@
             <a:fld id="{08B9EBBA-996F-894A-B54A-D6246ED52CEA}" type="datetimeFigureOut">
               <a:rPr lang="en-US" smtClean="0"/>
               <a:pPr/>
-              <a:t>6/3/18</a:t>
+              <a:t>6/10/18</a:t>
             </a:fld>
             <a:endParaRPr lang="en-US" dirty="0"/>
           </a:p>
@@ -6674,7 +7314,7 @@
             <a:fld id="{C6C52C72-DE31-F449-A4ED-4C594FD91407}" type="datetimeFigureOut">
               <a:rPr lang="en-US" smtClean="0"/>
               <a:pPr/>
-              <a:t>6/3/18</a:t>
+              <a:t>6/10/18</a:t>
             </a:fld>
             <a:endParaRPr lang="en-US" dirty="0"/>
           </a:p>
@@ -6911,7 +7551,7 @@
             <a:fld id="{ED62726E-379B-B349-9EED-81ED093FA806}" type="datetimeFigureOut">
               <a:rPr lang="en-US" smtClean="0"/>
               <a:pPr/>
-              <a:t>6/3/18</a:t>
+              <a:t>6/10/18</a:t>
             </a:fld>
             <a:endParaRPr lang="en-US" dirty="0"/>
           </a:p>
@@ -7153,7 +7793,7 @@
             <a:fld id="{9B3A1323-8D79-1946-B0D7-40001CF92E9D}" type="datetimeFigureOut">
               <a:rPr lang="en-US" smtClean="0"/>
               <a:pPr/>
-              <a:t>6/3/18</a:t>
+              <a:t>6/10/18</a:t>
             </a:fld>
             <a:endParaRPr lang="en-US" dirty="0"/>
           </a:p>
@@ -7462,7 +8102,7 @@
             <a:fld id="{8DFA1846-DA80-1C48-A609-854EA85C59AD}" type="datetimeFigureOut">
               <a:rPr lang="en-US" smtClean="0"/>
               <a:pPr/>
-              <a:t>6/3/18</a:t>
+              <a:t>6/10/18</a:t>
             </a:fld>
             <a:endParaRPr lang="en-US" dirty="0"/>
           </a:p>
@@ -7766,7 +8406,7 @@
             <a:fld id="{57302355-E14B-8545-A8F8-0FE83CC9D524}" type="datetimeFigureOut">
               <a:rPr lang="en-US" smtClean="0"/>
               <a:pPr/>
-              <a:t>6/3/18</a:t>
+              <a:t>6/10/18</a:t>
             </a:fld>
             <a:endParaRPr lang="en-US" dirty="0"/>
           </a:p>
@@ -8190,7 +8830,7 @@
             <a:fld id="{09B482E8-6E0E-1B4F-B1FD-C69DB9E858D9}" type="datetimeFigureOut">
               <a:rPr lang="en-US" smtClean="0"/>
               <a:pPr/>
-              <a:t>6/3/18</a:t>
+              <a:t>6/10/18</a:t>
             </a:fld>
             <a:endParaRPr lang="en-US" dirty="0"/>
           </a:p>
@@ -8355,7 +8995,7 @@
             <a:fld id="{F13A34C8-038E-2045-AF43-DF7DBB8E0E9E}" type="datetimeFigureOut">
               <a:rPr lang="en-US" smtClean="0"/>
               <a:pPr/>
-              <a:t>6/3/18</a:t>
+              <a:t>6/10/18</a:t>
             </a:fld>
             <a:endParaRPr lang="en-US" dirty="0"/>
           </a:p>
@@ -8452,7 +9092,7 @@
             <a:fld id="{8818C68F-D26B-8F47-958C-23B49CF8A634}" type="datetimeFigureOut">
               <a:rPr lang="en-US" smtClean="0"/>
               <a:pPr/>
-              <a:t>6/3/18</a:t>
+              <a:t>6/10/18</a:t>
             </a:fld>
             <a:endParaRPr lang="en-US" dirty="0"/>
           </a:p>
@@ -8832,7 +9472,7 @@
             <a:fld id="{D0DF5E60-9974-AC48-9591-99C2BB44B7CF}" type="datetimeFigureOut">
               <a:rPr lang="en-US" smtClean="0"/>
               <a:pPr/>
-              <a:t>6/3/18</a:t>
+              <a:t>6/10/18</a:t>
             </a:fld>
             <a:endParaRPr lang="en-US" dirty="0"/>
           </a:p>
@@ -9123,7 +9763,7 @@
             <a:fld id="{09B482E8-6E0E-1B4F-B1FD-C69DB9E858D9}" type="datetimeFigureOut">
               <a:rPr lang="en-US" smtClean="0"/>
               <a:pPr/>
-              <a:t>6/3/18</a:t>
+              <a:t>6/10/18</a:t>
             </a:fld>
             <a:endParaRPr lang="en-US" dirty="0"/>
           </a:p>
@@ -9337,7 +9977,7 @@
             <a:fld id="{09B482E8-6E0E-1B4F-B1FD-C69DB9E858D9}" type="datetimeFigureOut">
               <a:rPr lang="en-US" smtClean="0"/>
               <a:pPr/>
-              <a:t>6/3/18</a:t>
+              <a:t>6/10/18</a:t>
             </a:fld>
             <a:endParaRPr lang="en-US" dirty="0"/>
           </a:p>
@@ -11788,7 +12428,7 @@
             </a:r>
             <a:r>
               <a:rPr lang="en-US" dirty="0">
-                <a:hlinkClick r:id="rId2"/>
+                <a:hlinkClick r:id="rId3"/>
               </a:rPr>
               <a:t>here</a:t>
             </a:r>
@@ -12168,4 +12808,299 @@
     </a:ext>
   </a:extLst>
 </a:theme>
+</file>
+
+<file path=ppt/theme/theme2.xml><?xml version="1.0" encoding="utf-8"?>
+<a:theme xmlns:a="http://schemas.openxmlformats.org/drawingml/2006/main" name="Office Theme">
+  <a:themeElements>
+    <a:clrScheme name="Office">
+      <a:dk1>
+        <a:sysClr val="windowText" lastClr="000000"/>
+      </a:dk1>
+      <a:lt1>
+        <a:sysClr val="window" lastClr="FFFFFF"/>
+      </a:lt1>
+      <a:dk2>
+        <a:srgbClr val="44546A"/>
+      </a:dk2>
+      <a:lt2>
+        <a:srgbClr val="E7E6E6"/>
+      </a:lt2>
+      <a:accent1>
+        <a:srgbClr val="4472C4"/>
+      </a:accent1>
+      <a:accent2>
+        <a:srgbClr val="ED7D31"/>
+      </a:accent2>
+      <a:accent3>
+        <a:srgbClr val="A5A5A5"/>
+      </a:accent3>
+      <a:accent4>
+        <a:srgbClr val="FFC000"/>
+      </a:accent4>
+      <a:accent5>
+        <a:srgbClr val="5B9BD5"/>
+      </a:accent5>
+      <a:accent6>
+        <a:srgbClr val="70AD47"/>
+      </a:accent6>
+      <a:hlink>
+        <a:srgbClr val="0563C1"/>
+      </a:hlink>
+      <a:folHlink>
+        <a:srgbClr val="954F72"/>
+      </a:folHlink>
+    </a:clrScheme>
+    <a:fontScheme name="Office">
+      <a:majorFont>
+        <a:latin typeface="Calibri Light" panose="020F0302020204030204"/>
+        <a:ea typeface=""/>
+        <a:cs typeface=""/>
+        <a:font script="Jpan" typeface="游ゴシック Light"/>
+        <a:font script="Hang" typeface="맑은 고딕"/>
+        <a:font script="Hans" typeface="等线 Light"/>
+        <a:font script="Hant" typeface="新細明體"/>
+        <a:font script="Arab" typeface="Times New Roman"/>
+        <a:font script="Hebr" typeface="Times New Roman"/>
+        <a:font script="Thai" typeface="Angsana New"/>
+        <a:font script="Ethi" typeface="Nyala"/>
+        <a:font script="Beng" typeface="Vrinda"/>
+        <a:font script="Gujr" typeface="Shruti"/>
+        <a:font script="Khmr" typeface="MoolBoran"/>
+        <a:font script="Knda" typeface="Tunga"/>
+        <a:font script="Guru" typeface="Raavi"/>
+        <a:font script="Cans" typeface="Euphemia"/>
+        <a:font script="Cher" typeface="Plantagenet Cherokee"/>
+        <a:font script="Yiii" typeface="Microsoft Yi Baiti"/>
+        <a:font script="Tibt" typeface="Microsoft Himalaya"/>
+        <a:font script="Thaa" typeface="MV Boli"/>
+        <a:font script="Deva" typeface="Mangal"/>
+        <a:font script="Telu" typeface="Gautami"/>
+        <a:font script="Taml" typeface="Latha"/>
+        <a:font script="Syrc" typeface="Estrangelo Edessa"/>
+        <a:font script="Orya" typeface="Kalinga"/>
+        <a:font script="Mlym" typeface="Kartika"/>
+        <a:font script="Laoo" typeface="DokChampa"/>
+        <a:font script="Sinh" typeface="Iskoola Pota"/>
+        <a:font script="Mong" typeface="Mongolian Baiti"/>
+        <a:font script="Viet" typeface="Times New Roman"/>
+        <a:font script="Uigh" typeface="Microsoft Uighur"/>
+        <a:font script="Geor" typeface="Sylfaen"/>
+        <a:font script="Armn" typeface="Arial"/>
+        <a:font script="Bugi" typeface="Leelawadee UI"/>
+        <a:font script="Bopo" typeface="Microsoft JhengHei"/>
+        <a:font script="Java" typeface="Javanese Text"/>
+        <a:font script="Lisu" typeface="Segoe UI"/>
+        <a:font script="Mymr" typeface="Myanmar Text"/>
+        <a:font script="Nkoo" typeface="Ebrima"/>
+        <a:font script="Olck" typeface="Nirmala UI"/>
+        <a:font script="Osma" typeface="Ebrima"/>
+        <a:font script="Phag" typeface="Phagspa"/>
+        <a:font script="Syrn" typeface="Estrangelo Edessa"/>
+        <a:font script="Syrj" typeface="Estrangelo Edessa"/>
+        <a:font script="Syre" typeface="Estrangelo Edessa"/>
+        <a:font script="Sora" typeface="Nirmala UI"/>
+        <a:font script="Tale" typeface="Microsoft Tai Le"/>
+        <a:font script="Talu" typeface="Microsoft New Tai Lue"/>
+        <a:font script="Tfng" typeface="Ebrima"/>
+      </a:majorFont>
+      <a:minorFont>
+        <a:latin typeface="Calibri" panose="020F0502020204030204"/>
+        <a:ea typeface=""/>
+        <a:cs typeface=""/>
+        <a:font script="Jpan" typeface="游ゴシック"/>
+        <a:font script="Hang" typeface="맑은 고딕"/>
+        <a:font script="Hans" typeface="等线"/>
+        <a:font script="Hant" typeface="新細明體"/>
+        <a:font script="Arab" typeface="Arial"/>
+        <a:font script="Hebr" typeface="Arial"/>
+        <a:font script="Thai" typeface="Cordia New"/>
+        <a:font script="Ethi" typeface="Nyala"/>
+        <a:font script="Beng" typeface="Vrinda"/>
+        <a:font script="Gujr" typeface="Shruti"/>
+        <a:font script="Khmr" typeface="DaunPenh"/>
+        <a:font script="Knda" typeface="Tunga"/>
+        <a:font script="Guru" typeface="Raavi"/>
+        <a:font script="Cans" typeface="Euphemia"/>
+        <a:font script="Cher" typeface="Plantagenet Cherokee"/>
+        <a:font script="Yiii" typeface="Microsoft Yi Baiti"/>
+        <a:font script="Tibt" typeface="Microsoft Himalaya"/>
+        <a:font script="Thaa" typeface="MV Boli"/>
+        <a:font script="Deva" typeface="Mangal"/>
+        <a:font script="Telu" typeface="Gautami"/>
+        <a:font script="Taml" typeface="Latha"/>
+        <a:font script="Syrc" typeface="Estrangelo Edessa"/>
+        <a:font script="Orya" typeface="Kalinga"/>
+        <a:font script="Mlym" typeface="Kartika"/>
+        <a:font script="Laoo" typeface="DokChampa"/>
+        <a:font script="Sinh" typeface="Iskoola Pota"/>
+        <a:font script="Mong" typeface="Mongolian Baiti"/>
+        <a:font script="Viet" typeface="Arial"/>
+        <a:font script="Uigh" typeface="Microsoft Uighur"/>
+        <a:font script="Geor" typeface="Sylfaen"/>
+        <a:font script="Armn" typeface="Arial"/>
+        <a:font script="Bugi" typeface="Leelawadee UI"/>
+        <a:font script="Bopo" typeface="Microsoft JhengHei"/>
+        <a:font script="Java" typeface="Javanese Text"/>
+        <a:font script="Lisu" typeface="Segoe UI"/>
+        <a:font script="Mymr" typeface="Myanmar Text"/>
+        <a:font script="Nkoo" typeface="Ebrima"/>
+        <a:font script="Olck" typeface="Nirmala UI"/>
+        <a:font script="Osma" typeface="Ebrima"/>
+        <a:font script="Phag" typeface="Phagspa"/>
+        <a:font script="Syrn" typeface="Estrangelo Edessa"/>
+        <a:font script="Syrj" typeface="Estrangelo Edessa"/>
+        <a:font script="Syre" typeface="Estrangelo Edessa"/>
+        <a:font script="Sora" typeface="Nirmala UI"/>
+        <a:font script="Tale" typeface="Microsoft Tai Le"/>
+        <a:font script="Talu" typeface="Microsoft New Tai Lue"/>
+        <a:font script="Tfng" typeface="Ebrima"/>
+      </a:minorFont>
+    </a:fontScheme>
+    <a:fmtScheme name="Office">
+      <a:fillStyleLst>
+        <a:solidFill>
+          <a:schemeClr val="phClr"/>
+        </a:solidFill>
+        <a:gradFill rotWithShape="1">
+          <a:gsLst>
+            <a:gs pos="0">
+              <a:schemeClr val="phClr">
+                <a:lumMod val="110000"/>
+                <a:satMod val="105000"/>
+                <a:tint val="67000"/>
+              </a:schemeClr>
+            </a:gs>
+            <a:gs pos="50000">
+              <a:schemeClr val="phClr">
+                <a:lumMod val="105000"/>
+                <a:satMod val="103000"/>
+                <a:tint val="73000"/>
+              </a:schemeClr>
+            </a:gs>
+            <a:gs pos="100000">
+              <a:schemeClr val="phClr">
+                <a:lumMod val="105000"/>
+                <a:satMod val="109000"/>
+                <a:tint val="81000"/>
+              </a:schemeClr>
+            </a:gs>
+          </a:gsLst>
+          <a:lin ang="5400000" scaled="0"/>
+        </a:gradFill>
+        <a:gradFill rotWithShape="1">
+          <a:gsLst>
+            <a:gs pos="0">
+              <a:schemeClr val="phClr">
+                <a:satMod val="103000"/>
+                <a:lumMod val="102000"/>
+                <a:tint val="94000"/>
+              </a:schemeClr>
+            </a:gs>
+            <a:gs pos="50000">
+              <a:schemeClr val="phClr">
+                <a:satMod val="110000"/>
+                <a:lumMod val="100000"/>
+                <a:shade val="100000"/>
+              </a:schemeClr>
+            </a:gs>
+            <a:gs pos="100000">
+              <a:schemeClr val="phClr">
+                <a:lumMod val="99000"/>
+                <a:satMod val="120000"/>
+                <a:shade val="78000"/>
+              </a:schemeClr>
+            </a:gs>
+          </a:gsLst>
+          <a:lin ang="5400000" scaled="0"/>
+        </a:gradFill>
+      </a:fillStyleLst>
+      <a:lnStyleLst>
+        <a:ln w="6350" cap="flat" cmpd="sng" algn="ctr">
+          <a:solidFill>
+            <a:schemeClr val="phClr"/>
+          </a:solidFill>
+          <a:prstDash val="solid"/>
+          <a:miter lim="800000"/>
+        </a:ln>
+        <a:ln w="12700" cap="flat" cmpd="sng" algn="ctr">
+          <a:solidFill>
+            <a:schemeClr val="phClr"/>
+          </a:solidFill>
+          <a:prstDash val="solid"/>
+          <a:miter lim="800000"/>
+        </a:ln>
+        <a:ln w="19050" cap="flat" cmpd="sng" algn="ctr">
+          <a:solidFill>
+            <a:schemeClr val="phClr"/>
+          </a:solidFill>
+          <a:prstDash val="solid"/>
+          <a:miter lim="800000"/>
+        </a:ln>
+      </a:lnStyleLst>
+      <a:effectStyleLst>
+        <a:effectStyle>
+          <a:effectLst/>
+        </a:effectStyle>
+        <a:effectStyle>
+          <a:effectLst/>
+        </a:effectStyle>
+        <a:effectStyle>
+          <a:effectLst>
+            <a:outerShdw blurRad="57150" dist="19050" dir="5400000" algn="ctr" rotWithShape="0">
+              <a:srgbClr val="000000">
+                <a:alpha val="63000"/>
+              </a:srgbClr>
+            </a:outerShdw>
+          </a:effectLst>
+        </a:effectStyle>
+      </a:effectStyleLst>
+      <a:bgFillStyleLst>
+        <a:solidFill>
+          <a:schemeClr val="phClr"/>
+        </a:solidFill>
+        <a:solidFill>
+          <a:schemeClr val="phClr">
+            <a:tint val="95000"/>
+            <a:satMod val="170000"/>
+          </a:schemeClr>
+        </a:solidFill>
+        <a:gradFill rotWithShape="1">
+          <a:gsLst>
+            <a:gs pos="0">
+              <a:schemeClr val="phClr">
+                <a:tint val="93000"/>
+                <a:satMod val="150000"/>
+                <a:shade val="98000"/>
+                <a:lumMod val="102000"/>
+              </a:schemeClr>
+            </a:gs>
+            <a:gs pos="50000">
+              <a:schemeClr val="phClr">
+                <a:tint val="98000"/>
+                <a:satMod val="130000"/>
+                <a:shade val="90000"/>
+                <a:lumMod val="103000"/>
+              </a:schemeClr>
+            </a:gs>
+            <a:gs pos="100000">
+              <a:schemeClr val="phClr">
+                <a:shade val="63000"/>
+                <a:satMod val="120000"/>
+              </a:schemeClr>
+            </a:gs>
+          </a:gsLst>
+          <a:lin ang="5400000" scaled="0"/>
+        </a:gradFill>
+      </a:bgFillStyleLst>
+    </a:fmtScheme>
+  </a:themeElements>
+  <a:objectDefaults/>
+  <a:extraClrSchemeLst/>
+  <a:extLst>
+    <a:ext uri="{05A4C25C-085E-4340-85A3-A5531E510DB2}">
+      <thm15:themeFamily xmlns:thm15="http://schemas.microsoft.com/office/thememl/2012/main" name="Office Theme" id="{62F939B6-93AF-4DB8-9C6B-D6C7DFDC589F}" vid="{4A3C46E8-61CC-4603-A589-7422A47A8E4A}"/>
+    </a:ext>
+  </a:extLst>
+</a:theme>
 </file>